--- a/learnings.pptx
+++ b/learnings.pptx
@@ -8,6 +8,8 @@
     <p:sldId id="256" r:id="rId2"/>
     <p:sldId id="257" r:id="rId3"/>
     <p:sldId id="258" r:id="rId4"/>
+    <p:sldId id="259" r:id="rId5"/>
+    <p:sldId id="260" r:id="rId6"/>
   </p:sldIdLst>
   <p:sldSz cx="12192000" cy="6858000"/>
   <p:notesSz cx="6858000" cy="9144000"/>
@@ -106,6 +108,11 @@
       </a:defRPr>
     </a:lvl9pPr>
   </p:defaultTextStyle>
+  <p:extLst>
+    <p:ext uri="{EFAFB233-063F-42B5-8137-9DF3F51BA10A}">
+      <p15:sldGuideLst xmlns:p15="http://schemas.microsoft.com/office/powerpoint/2012/main"/>
+    </p:ext>
+  </p:extLst>
 </p:presentation>
 </file>
 
@@ -2456,7 +2463,7 @@
           <a:p>
             <a:fld id="{3C04E684-10F4-4CC3-A0B9-F03AA7BE37CF}" type="datetimeFigureOut">
               <a:rPr lang="en-US" smtClean="0"/>
-              <a:t>4/27/2020</a:t>
+              <a:t>4/28/2020</a:t>
             </a:fld>
             <a:endParaRPr lang="en-US"/>
           </a:p>
@@ -4946,7 +4953,7 @@
           <a:p>
             <a:fld id="{3C04E684-10F4-4CC3-A0B9-F03AA7BE37CF}" type="datetimeFigureOut">
               <a:rPr lang="en-US" smtClean="0"/>
-              <a:t>4/27/2020</a:t>
+              <a:t>4/28/2020</a:t>
             </a:fld>
             <a:endParaRPr lang="en-US"/>
           </a:p>
@@ -5144,7 +5151,7 @@
           <a:p>
             <a:fld id="{3C04E684-10F4-4CC3-A0B9-F03AA7BE37CF}" type="datetimeFigureOut">
               <a:rPr lang="en-US" smtClean="0"/>
-              <a:t>4/27/2020</a:t>
+              <a:t>4/28/2020</a:t>
             </a:fld>
             <a:endParaRPr lang="en-US"/>
           </a:p>
@@ -5352,7 +5359,7 @@
           <a:p>
             <a:fld id="{3C04E684-10F4-4CC3-A0B9-F03AA7BE37CF}" type="datetimeFigureOut">
               <a:rPr lang="en-US" smtClean="0"/>
-              <a:t>4/27/2020</a:t>
+              <a:t>4/28/2020</a:t>
             </a:fld>
             <a:endParaRPr lang="en-US"/>
           </a:p>
@@ -6089,7 +6096,7 @@
           <a:p>
             <a:fld id="{3C04E684-10F4-4CC3-A0B9-F03AA7BE37CF}" type="datetimeFigureOut">
               <a:rPr lang="en-US" smtClean="0"/>
-              <a:t>4/27/2020</a:t>
+              <a:t>4/28/2020</a:t>
             </a:fld>
             <a:endParaRPr lang="en-US"/>
           </a:p>
@@ -6731,7 +6738,7 @@
           <a:p>
             <a:fld id="{3C04E684-10F4-4CC3-A0B9-F03AA7BE37CF}" type="datetimeFigureOut">
               <a:rPr lang="en-US" smtClean="0"/>
-              <a:t>4/27/2020</a:t>
+              <a:t>4/28/2020</a:t>
             </a:fld>
             <a:endParaRPr lang="en-US"/>
           </a:p>
@@ -7531,7 +7538,7 @@
           <a:p>
             <a:fld id="{3C04E684-10F4-4CC3-A0B9-F03AA7BE37CF}" type="datetimeFigureOut">
               <a:rPr lang="en-US" smtClean="0"/>
-              <a:t>4/27/2020</a:t>
+              <a:t>4/28/2020</a:t>
             </a:fld>
             <a:endParaRPr lang="en-US"/>
           </a:p>
@@ -8482,7 +8489,7 @@
           <a:p>
             <a:fld id="{3C04E684-10F4-4CC3-A0B9-F03AA7BE37CF}" type="datetimeFigureOut">
               <a:rPr lang="en-US" smtClean="0"/>
-              <a:t>4/27/2020</a:t>
+              <a:t>4/28/2020</a:t>
             </a:fld>
             <a:endParaRPr lang="en-US"/>
           </a:p>
@@ -10831,7 +10838,7 @@
           <a:p>
             <a:fld id="{3C04E684-10F4-4CC3-A0B9-F03AA7BE37CF}" type="datetimeFigureOut">
               <a:rPr lang="en-US" smtClean="0"/>
-              <a:t>4/27/2020</a:t>
+              <a:t>4/28/2020</a:t>
             </a:fld>
             <a:endParaRPr lang="en-US"/>
           </a:p>
@@ -10944,7 +10951,7 @@
           <a:p>
             <a:fld id="{3C04E684-10F4-4CC3-A0B9-F03AA7BE37CF}" type="datetimeFigureOut">
               <a:rPr lang="en-US" smtClean="0"/>
-              <a:t>4/27/2020</a:t>
+              <a:t>4/28/2020</a:t>
             </a:fld>
             <a:endParaRPr lang="en-US"/>
           </a:p>
@@ -11451,7 +11458,7 @@
           <a:p>
             <a:fld id="{3C04E684-10F4-4CC3-A0B9-F03AA7BE37CF}" type="datetimeFigureOut">
               <a:rPr lang="en-US" smtClean="0"/>
-              <a:t>4/27/2020</a:t>
+              <a:t>4/28/2020</a:t>
             </a:fld>
             <a:endParaRPr lang="en-US"/>
           </a:p>
@@ -12754,7 +12761,7 @@
           <a:p>
             <a:fld id="{3C04E684-10F4-4CC3-A0B9-F03AA7BE37CF}" type="datetimeFigureOut">
               <a:rPr lang="en-US" smtClean="0"/>
-              <a:t>4/27/2020</a:t>
+              <a:t>4/28/2020</a:t>
             </a:fld>
             <a:endParaRPr lang="en-US"/>
           </a:p>
@@ -13001,7 +13008,7 @@
           <a:p>
             <a:fld id="{3C04E684-10F4-4CC3-A0B9-F03AA7BE37CF}" type="datetimeFigureOut">
               <a:rPr lang="en-US" smtClean="0"/>
-              <a:t>4/27/2020</a:t>
+              <a:t>4/28/2020</a:t>
             </a:fld>
             <a:endParaRPr lang="en-US"/>
           </a:p>
@@ -14212,7 +14219,10 @@
           <a:bodyPr/>
           <a:lstStyle/>
           <a:p>
-            <a:endParaRPr lang="en-IN"/>
+            <a:r>
+              <a:rPr lang="en-IN" dirty="0"/>
+              <a:t>Re-entrant function 	</a:t>
+            </a:r>
           </a:p>
         </p:txBody>
       </p:sp>
@@ -14234,10 +14244,51 @@
         </p:nvSpPr>
         <p:spPr/>
         <p:txBody>
-          <a:bodyPr/>
+          <a:bodyPr>
+            <a:normAutofit lnSpcReduction="10000"/>
+          </a:bodyPr>
           <a:lstStyle/>
           <a:p>
-            <a:endParaRPr lang="en-IN"/>
+            <a:r>
+              <a:rPr lang="en-IN" dirty="0"/>
+              <a:t>A thread-safe function can be called simultaneously from multiple threads, even when the invocations use shared data, because all references to the shared data are serialized.</a:t>
+            </a:r>
+          </a:p>
+          <a:p>
+            <a:r>
+              <a:rPr lang="en-IN" dirty="0"/>
+              <a:t>A </a:t>
+            </a:r>
+            <a:r>
+              <a:rPr lang="en-IN" dirty="0" err="1"/>
+              <a:t>reentrant</a:t>
+            </a:r>
+            <a:r>
+              <a:rPr lang="en-IN" dirty="0"/>
+              <a:t> function can also be called simultaneously from multiple threads, but only if each invocation uses its own data.</a:t>
+            </a:r>
+          </a:p>
+          <a:p>
+            <a:r>
+              <a:rPr lang="en-IN" dirty="0"/>
+              <a:t>Hence, a thread-safe function is always </a:t>
+            </a:r>
+            <a:r>
+              <a:rPr lang="en-IN" dirty="0" err="1"/>
+              <a:t>reentrant</a:t>
+            </a:r>
+            <a:r>
+              <a:rPr lang="en-IN" dirty="0"/>
+              <a:t>, but a </a:t>
+            </a:r>
+            <a:r>
+              <a:rPr lang="en-IN" dirty="0" err="1"/>
+              <a:t>reentrant</a:t>
+            </a:r>
+            <a:r>
+              <a:rPr lang="en-IN" dirty="0"/>
+              <a:t> function is not always thread-safe.</a:t>
+            </a:r>
           </a:p>
         </p:txBody>
       </p:sp>
@@ -14245,6 +14296,345 @@
     <p:extLst>
       <p:ext uri="{BB962C8B-B14F-4D97-AF65-F5344CB8AC3E}">
         <p14:creationId xmlns:p14="http://schemas.microsoft.com/office/powerpoint/2010/main" val="656807102"/>
+      </p:ext>
+    </p:extLst>
+  </p:cSld>
+  <p:clrMapOvr>
+    <a:masterClrMapping/>
+  </p:clrMapOvr>
+</p:sld>
+</file>
+
+<file path=ppt/slides/slide4.xml><?xml version="1.0" encoding="utf-8"?>
+<p:sld xmlns:a="http://schemas.openxmlformats.org/drawingml/2006/main" xmlns:r="http://schemas.openxmlformats.org/officeDocument/2006/relationships" xmlns:p="http://schemas.openxmlformats.org/presentationml/2006/main">
+  <p:cSld>
+    <p:spTree>
+      <p:nvGrpSpPr>
+        <p:cNvPr id="1" name=""/>
+        <p:cNvGrpSpPr/>
+        <p:nvPr/>
+      </p:nvGrpSpPr>
+      <p:grpSpPr>
+        <a:xfrm>
+          <a:off x="0" y="0"/>
+          <a:ext cx="0" cy="0"/>
+          <a:chOff x="0" y="0"/>
+          <a:chExt cx="0" cy="0"/>
+        </a:xfrm>
+      </p:grpSpPr>
+      <p:sp>
+        <p:nvSpPr>
+          <p:cNvPr id="2" name="Title 1">
+            <a:extLst>
+              <a:ext uri="{FF2B5EF4-FFF2-40B4-BE49-F238E27FC236}">
+                <a16:creationId xmlns:a16="http://schemas.microsoft.com/office/drawing/2014/main" id="{9846DD70-6657-4B83-B223-035DBC1C6295}"/>
+              </a:ext>
+            </a:extLst>
+          </p:cNvPr>
+          <p:cNvSpPr>
+            <a:spLocks noGrp="1"/>
+          </p:cNvSpPr>
+          <p:nvPr>
+            <p:ph type="title"/>
+          </p:nvPr>
+        </p:nvSpPr>
+        <p:spPr/>
+        <p:txBody>
+          <a:bodyPr/>
+          <a:lstStyle/>
+          <a:p>
+            <a:r>
+              <a:rPr lang="en-IN" dirty="0"/>
+              <a:t>Re entrant class	</a:t>
+            </a:r>
+          </a:p>
+        </p:txBody>
+      </p:sp>
+      <p:sp>
+        <p:nvSpPr>
+          <p:cNvPr id="3" name="Content Placeholder 2">
+            <a:extLst>
+              <a:ext uri="{FF2B5EF4-FFF2-40B4-BE49-F238E27FC236}">
+                <a16:creationId xmlns:a16="http://schemas.microsoft.com/office/drawing/2014/main" id="{F1B59B74-4797-42A1-860D-5070D3DC9D1D}"/>
+              </a:ext>
+            </a:extLst>
+          </p:cNvPr>
+          <p:cNvSpPr>
+            <a:spLocks noGrp="1"/>
+          </p:cNvSpPr>
+          <p:nvPr>
+            <p:ph idx="1"/>
+          </p:nvPr>
+        </p:nvSpPr>
+        <p:spPr/>
+        <p:txBody>
+          <a:bodyPr/>
+          <a:lstStyle/>
+          <a:p>
+            <a:r>
+              <a:rPr lang="en-IN" dirty="0"/>
+              <a:t>a class is said to be </a:t>
+            </a:r>
+            <a:r>
+              <a:rPr lang="en-IN" dirty="0" err="1"/>
+              <a:t>reentrant</a:t>
+            </a:r>
+            <a:r>
+              <a:rPr lang="en-IN" dirty="0"/>
+              <a:t> if its member functions can be called safely from multiple threads, as long as each thread uses a different instance of the class. The class is thread-safe if its member functions can be called safely from multiple threads, even if all the threads use the same instance of the class</a:t>
+            </a:r>
+          </a:p>
+        </p:txBody>
+      </p:sp>
+    </p:spTree>
+    <p:extLst>
+      <p:ext uri="{BB962C8B-B14F-4D97-AF65-F5344CB8AC3E}">
+        <p14:creationId xmlns:p14="http://schemas.microsoft.com/office/powerpoint/2010/main" val="3661905091"/>
+      </p:ext>
+    </p:extLst>
+  </p:cSld>
+  <p:clrMapOvr>
+    <a:masterClrMapping/>
+  </p:clrMapOvr>
+</p:sld>
+</file>
+
+<file path=ppt/slides/slide5.xml><?xml version="1.0" encoding="utf-8"?>
+<p:sld xmlns:a="http://schemas.openxmlformats.org/drawingml/2006/main" xmlns:r="http://schemas.openxmlformats.org/officeDocument/2006/relationships" xmlns:p="http://schemas.openxmlformats.org/presentationml/2006/main">
+  <p:cSld>
+    <p:spTree>
+      <p:nvGrpSpPr>
+        <p:cNvPr id="1" name=""/>
+        <p:cNvGrpSpPr/>
+        <p:nvPr/>
+      </p:nvGrpSpPr>
+      <p:grpSpPr>
+        <a:xfrm>
+          <a:off x="0" y="0"/>
+          <a:ext cx="0" cy="0"/>
+          <a:chOff x="0" y="0"/>
+          <a:chExt cx="0" cy="0"/>
+        </a:xfrm>
+      </p:grpSpPr>
+      <p:sp>
+        <p:nvSpPr>
+          <p:cNvPr id="2" name="Title 1">
+            <a:extLst>
+              <a:ext uri="{FF2B5EF4-FFF2-40B4-BE49-F238E27FC236}">
+                <a16:creationId xmlns:a16="http://schemas.microsoft.com/office/drawing/2014/main" id="{9054B3EA-D211-4123-B8AE-DBF173D2F024}"/>
+              </a:ext>
+            </a:extLst>
+          </p:cNvPr>
+          <p:cNvSpPr>
+            <a:spLocks noGrp="1"/>
+          </p:cNvSpPr>
+          <p:nvPr>
+            <p:ph type="title"/>
+          </p:nvPr>
+        </p:nvSpPr>
+        <p:spPr/>
+        <p:txBody>
+          <a:bodyPr/>
+          <a:lstStyle/>
+          <a:p>
+            <a:r>
+              <a:rPr lang="en-IN" dirty="0"/>
+              <a:t>Example of re-entrant class	</a:t>
+            </a:r>
+          </a:p>
+        </p:txBody>
+      </p:sp>
+      <p:sp>
+        <p:nvSpPr>
+          <p:cNvPr id="3" name="Content Placeholder 2">
+            <a:extLst>
+              <a:ext uri="{FF2B5EF4-FFF2-40B4-BE49-F238E27FC236}">
+                <a16:creationId xmlns:a16="http://schemas.microsoft.com/office/drawing/2014/main" id="{CA30FE21-57B7-411C-B427-ABD907894B03}"/>
+              </a:ext>
+            </a:extLst>
+          </p:cNvPr>
+          <p:cNvSpPr>
+            <a:spLocks noGrp="1"/>
+          </p:cNvSpPr>
+          <p:nvPr>
+            <p:ph idx="1"/>
+          </p:nvPr>
+        </p:nvSpPr>
+        <p:spPr>
+          <a:xfrm>
+            <a:off x="838200" y="2011680"/>
+            <a:ext cx="3658299" cy="4160520"/>
+          </a:xfrm>
+        </p:spPr>
+        <p:txBody>
+          <a:bodyPr>
+            <a:normAutofit fontScale="62500" lnSpcReduction="20000"/>
+          </a:bodyPr>
+          <a:lstStyle/>
+          <a:p>
+            <a:pPr marL="0" indent="0">
+              <a:buNone/>
+            </a:pPr>
+            <a:r>
+              <a:rPr lang="en-IN" dirty="0"/>
+              <a:t>class Counter</a:t>
+            </a:r>
+          </a:p>
+          <a:p>
+            <a:pPr marL="0" indent="0">
+              <a:buNone/>
+            </a:pPr>
+            <a:r>
+              <a:rPr lang="en-IN" dirty="0"/>
+              <a:t>{</a:t>
+            </a:r>
+          </a:p>
+          <a:p>
+            <a:pPr marL="0" indent="0">
+              <a:buNone/>
+            </a:pPr>
+            <a:r>
+              <a:rPr lang="en-IN" dirty="0"/>
+              <a:t>public:</a:t>
+            </a:r>
+          </a:p>
+          <a:p>
+            <a:pPr marL="0" indent="0">
+              <a:buNone/>
+            </a:pPr>
+            <a:r>
+              <a:rPr lang="en-IN" dirty="0"/>
+              <a:t>    Counter() { n = 0; }</a:t>
+            </a:r>
+          </a:p>
+          <a:p>
+            <a:pPr marL="0" indent="0">
+              <a:buNone/>
+            </a:pPr>
+            <a:endParaRPr lang="en-IN" dirty="0"/>
+          </a:p>
+          <a:p>
+            <a:pPr marL="0" indent="0">
+              <a:buNone/>
+            </a:pPr>
+            <a:r>
+              <a:rPr lang="en-IN" dirty="0"/>
+              <a:t>    void increment() { ++n; }</a:t>
+            </a:r>
+          </a:p>
+          <a:p>
+            <a:pPr marL="0" indent="0">
+              <a:buNone/>
+            </a:pPr>
+            <a:r>
+              <a:rPr lang="en-IN" dirty="0"/>
+              <a:t>    void decrement() { --n; }</a:t>
+            </a:r>
+          </a:p>
+          <a:p>
+            <a:pPr marL="0" indent="0">
+              <a:buNone/>
+            </a:pPr>
+            <a:r>
+              <a:rPr lang="en-IN" dirty="0"/>
+              <a:t>    int value() </a:t>
+            </a:r>
+            <a:r>
+              <a:rPr lang="en-IN" dirty="0" err="1"/>
+              <a:t>const</a:t>
+            </a:r>
+            <a:r>
+              <a:rPr lang="en-IN" dirty="0"/>
+              <a:t> { return n; }</a:t>
+            </a:r>
+          </a:p>
+          <a:p>
+            <a:pPr marL="0" indent="0">
+              <a:buNone/>
+            </a:pPr>
+            <a:endParaRPr lang="en-IN" dirty="0"/>
+          </a:p>
+          <a:p>
+            <a:pPr marL="0" indent="0">
+              <a:buNone/>
+            </a:pPr>
+            <a:r>
+              <a:rPr lang="en-IN" dirty="0"/>
+              <a:t>private:</a:t>
+            </a:r>
+          </a:p>
+          <a:p>
+            <a:pPr marL="0" indent="0">
+              <a:buNone/>
+            </a:pPr>
+            <a:r>
+              <a:rPr lang="en-IN" dirty="0"/>
+              <a:t>    int n;</a:t>
+            </a:r>
+          </a:p>
+          <a:p>
+            <a:pPr marL="0" indent="0">
+              <a:buNone/>
+            </a:pPr>
+            <a:r>
+              <a:rPr lang="en-IN" dirty="0"/>
+              <a:t>};</a:t>
+            </a:r>
+          </a:p>
+        </p:txBody>
+      </p:sp>
+      <p:sp>
+        <p:nvSpPr>
+          <p:cNvPr id="4" name="Rectangle 3">
+            <a:extLst>
+              <a:ext uri="{FF2B5EF4-FFF2-40B4-BE49-F238E27FC236}">
+                <a16:creationId xmlns:a16="http://schemas.microsoft.com/office/drawing/2014/main" id="{029EB31D-CA50-4A51-AE14-6B0F1261A690}"/>
+              </a:ext>
+            </a:extLst>
+          </p:cNvPr>
+          <p:cNvSpPr/>
+          <p:nvPr/>
+        </p:nvSpPr>
+        <p:spPr>
+          <a:xfrm>
+            <a:off x="5665365" y="2128274"/>
+            <a:ext cx="6096000" cy="1754326"/>
+          </a:xfrm>
+          <a:prstGeom prst="rect">
+            <a:avLst/>
+          </a:prstGeom>
+        </p:spPr>
+        <p:txBody>
+          <a:bodyPr>
+            <a:spAutoFit/>
+          </a:bodyPr>
+          <a:lstStyle/>
+          <a:p>
+            <a:r>
+              <a:rPr lang="en-IN" dirty="0"/>
+              <a:t>Class Counter is </a:t>
+            </a:r>
+            <a:r>
+              <a:rPr lang="en-IN" b="1" dirty="0"/>
+              <a:t>re-entrant.</a:t>
+            </a:r>
+            <a:r>
+              <a:rPr lang="en-IN" dirty="0"/>
+              <a:t> </a:t>
+            </a:r>
+          </a:p>
+          <a:p>
+            <a:r>
+              <a:rPr lang="en-IN" dirty="0"/>
+              <a:t>The class isn't thread-safe, because if multiple threads try to modify the data member n, the result is undefined. This is because the ++ and -- operators aren't always atomic. Indeed, they usually expand to three machine instructions:</a:t>
+            </a:r>
+          </a:p>
+        </p:txBody>
+      </p:sp>
+    </p:spTree>
+    <p:extLst>
+      <p:ext uri="{BB962C8B-B14F-4D97-AF65-F5344CB8AC3E}">
+        <p14:creationId xmlns:p14="http://schemas.microsoft.com/office/powerpoint/2010/main" val="2077088263"/>
       </p:ext>
     </p:extLst>
   </p:cSld>

--- a/learnings.pptx
+++ b/learnings.pptx
@@ -14373,15 +14373,7 @@
           <a:p>
             <a:r>
               <a:rPr lang="en-IN" dirty="0"/>
-              <a:t>a class is said to be </a:t>
-            </a:r>
-            <a:r>
-              <a:rPr lang="en-IN" dirty="0" err="1"/>
-              <a:t>reentrant</a:t>
-            </a:r>
-            <a:r>
-              <a:rPr lang="en-IN" dirty="0"/>
-              <a:t> if its member functions can be called safely from multiple threads, as long as each thread uses a different instance of the class. The class is thread-safe if its member functions can be called safely from multiple threads, even if all the threads use the same instance of the class</a:t>
+              <a:t>a class is said to be re-entrant if its member functions can be called safely from multiple threads, as long as each thread uses a different instance of the class. The class is thread-safe if its member functions can be called safely from multiple threads, even if all the threads use the same instance of the class</a:t>
             </a:r>
           </a:p>
         </p:txBody>

--- a/learnings.pptx
+++ b/learnings.pptx
@@ -10,6 +10,17 @@
     <p:sldId id="258" r:id="rId4"/>
     <p:sldId id="259" r:id="rId5"/>
     <p:sldId id="260" r:id="rId6"/>
+    <p:sldId id="263" r:id="rId7"/>
+    <p:sldId id="265" r:id="rId8"/>
+    <p:sldId id="262" r:id="rId9"/>
+    <p:sldId id="266" r:id="rId10"/>
+    <p:sldId id="267" r:id="rId11"/>
+    <p:sldId id="268" r:id="rId12"/>
+    <p:sldId id="269" r:id="rId13"/>
+    <p:sldId id="270" r:id="rId14"/>
+    <p:sldId id="271" r:id="rId15"/>
+    <p:sldId id="272" r:id="rId16"/>
+    <p:sldId id="273" r:id="rId17"/>
   </p:sldIdLst>
   <p:sldSz cx="12192000" cy="6858000"/>
   <p:notesSz cx="6858000" cy="9144000"/>
@@ -2463,7 +2474,7 @@
           <a:p>
             <a:fld id="{3C04E684-10F4-4CC3-A0B9-F03AA7BE37CF}" type="datetimeFigureOut">
               <a:rPr lang="en-US" smtClean="0"/>
-              <a:t>4/28/2020</a:t>
+              <a:t>5/12/2020</a:t>
             </a:fld>
             <a:endParaRPr lang="en-US"/>
           </a:p>
@@ -4953,7 +4964,7 @@
           <a:p>
             <a:fld id="{3C04E684-10F4-4CC3-A0B9-F03AA7BE37CF}" type="datetimeFigureOut">
               <a:rPr lang="en-US" smtClean="0"/>
-              <a:t>4/28/2020</a:t>
+              <a:t>5/12/2020</a:t>
             </a:fld>
             <a:endParaRPr lang="en-US"/>
           </a:p>
@@ -5151,7 +5162,7 @@
           <a:p>
             <a:fld id="{3C04E684-10F4-4CC3-A0B9-F03AA7BE37CF}" type="datetimeFigureOut">
               <a:rPr lang="en-US" smtClean="0"/>
-              <a:t>4/28/2020</a:t>
+              <a:t>5/12/2020</a:t>
             </a:fld>
             <a:endParaRPr lang="en-US"/>
           </a:p>
@@ -5359,7 +5370,7 @@
           <a:p>
             <a:fld id="{3C04E684-10F4-4CC3-A0B9-F03AA7BE37CF}" type="datetimeFigureOut">
               <a:rPr lang="en-US" smtClean="0"/>
-              <a:t>4/28/2020</a:t>
+              <a:t>5/12/2020</a:t>
             </a:fld>
             <a:endParaRPr lang="en-US"/>
           </a:p>
@@ -6096,7 +6107,7 @@
           <a:p>
             <a:fld id="{3C04E684-10F4-4CC3-A0B9-F03AA7BE37CF}" type="datetimeFigureOut">
               <a:rPr lang="en-US" smtClean="0"/>
-              <a:t>4/28/2020</a:t>
+              <a:t>5/12/2020</a:t>
             </a:fld>
             <a:endParaRPr lang="en-US"/>
           </a:p>
@@ -6738,7 +6749,7 @@
           <a:p>
             <a:fld id="{3C04E684-10F4-4CC3-A0B9-F03AA7BE37CF}" type="datetimeFigureOut">
               <a:rPr lang="en-US" smtClean="0"/>
-              <a:t>4/28/2020</a:t>
+              <a:t>5/12/2020</a:t>
             </a:fld>
             <a:endParaRPr lang="en-US"/>
           </a:p>
@@ -7538,7 +7549,7 @@
           <a:p>
             <a:fld id="{3C04E684-10F4-4CC3-A0B9-F03AA7BE37CF}" type="datetimeFigureOut">
               <a:rPr lang="en-US" smtClean="0"/>
-              <a:t>4/28/2020</a:t>
+              <a:t>5/12/2020</a:t>
             </a:fld>
             <a:endParaRPr lang="en-US"/>
           </a:p>
@@ -8489,7 +8500,7 @@
           <a:p>
             <a:fld id="{3C04E684-10F4-4CC3-A0B9-F03AA7BE37CF}" type="datetimeFigureOut">
               <a:rPr lang="en-US" smtClean="0"/>
-              <a:t>4/28/2020</a:t>
+              <a:t>5/12/2020</a:t>
             </a:fld>
             <a:endParaRPr lang="en-US"/>
           </a:p>
@@ -10838,7 +10849,7 @@
           <a:p>
             <a:fld id="{3C04E684-10F4-4CC3-A0B9-F03AA7BE37CF}" type="datetimeFigureOut">
               <a:rPr lang="en-US" smtClean="0"/>
-              <a:t>4/28/2020</a:t>
+              <a:t>5/12/2020</a:t>
             </a:fld>
             <a:endParaRPr lang="en-US"/>
           </a:p>
@@ -10951,7 +10962,7 @@
           <a:p>
             <a:fld id="{3C04E684-10F4-4CC3-A0B9-F03AA7BE37CF}" type="datetimeFigureOut">
               <a:rPr lang="en-US" smtClean="0"/>
-              <a:t>4/28/2020</a:t>
+              <a:t>5/12/2020</a:t>
             </a:fld>
             <a:endParaRPr lang="en-US"/>
           </a:p>
@@ -11458,7 +11469,7 @@
           <a:p>
             <a:fld id="{3C04E684-10F4-4CC3-A0B9-F03AA7BE37CF}" type="datetimeFigureOut">
               <a:rPr lang="en-US" smtClean="0"/>
-              <a:t>4/28/2020</a:t>
+              <a:t>5/12/2020</a:t>
             </a:fld>
             <a:endParaRPr lang="en-US"/>
           </a:p>
@@ -12761,7 +12772,7 @@
           <a:p>
             <a:fld id="{3C04E684-10F4-4CC3-A0B9-F03AA7BE37CF}" type="datetimeFigureOut">
               <a:rPr lang="en-US" smtClean="0"/>
-              <a:t>4/28/2020</a:t>
+              <a:t>5/12/2020</a:t>
             </a:fld>
             <a:endParaRPr lang="en-US"/>
           </a:p>
@@ -13008,7 +13019,7 @@
           <a:p>
             <a:fld id="{3C04E684-10F4-4CC3-A0B9-F03AA7BE37CF}" type="datetimeFigureOut">
               <a:rPr lang="en-US" smtClean="0"/>
-              <a:t>4/28/2020</a:t>
+              <a:t>5/12/2020</a:t>
             </a:fld>
             <a:endParaRPr lang="en-US"/>
           </a:p>
@@ -14051,6 +14062,412 @@
 </p:sld>
 </file>
 
+<file path=ppt/slides/slide10.xml><?xml version="1.0" encoding="utf-8"?>
+<p:sld xmlns:a="http://schemas.openxmlformats.org/drawingml/2006/main" xmlns:r="http://schemas.openxmlformats.org/officeDocument/2006/relationships" xmlns:p="http://schemas.openxmlformats.org/presentationml/2006/main">
+  <p:cSld>
+    <p:spTree>
+      <p:nvGrpSpPr>
+        <p:cNvPr id="1" name=""/>
+        <p:cNvGrpSpPr/>
+        <p:nvPr/>
+      </p:nvGrpSpPr>
+      <p:grpSpPr>
+        <a:xfrm>
+          <a:off x="0" y="0"/>
+          <a:ext cx="0" cy="0"/>
+          <a:chOff x="0" y="0"/>
+          <a:chExt cx="0" cy="0"/>
+        </a:xfrm>
+      </p:grpSpPr>
+      <p:sp>
+        <p:nvSpPr>
+          <p:cNvPr id="2" name="Title 1">
+            <a:extLst>
+              <a:ext uri="{FF2B5EF4-FFF2-40B4-BE49-F238E27FC236}">
+                <a16:creationId xmlns:a16="http://schemas.microsoft.com/office/drawing/2014/main" id="{9054B3EA-D211-4123-B8AE-DBF173D2F024}"/>
+              </a:ext>
+            </a:extLst>
+          </p:cNvPr>
+          <p:cNvSpPr>
+            <a:spLocks noGrp="1"/>
+          </p:cNvSpPr>
+          <p:nvPr>
+            <p:ph type="title"/>
+          </p:nvPr>
+        </p:nvSpPr>
+        <p:spPr/>
+        <p:txBody>
+          <a:bodyPr/>
+          <a:lstStyle/>
+          <a:p>
+            <a:r>
+              <a:rPr lang="en-IN" dirty="0"/>
+              <a:t>Header</a:t>
+            </a:r>
+          </a:p>
+        </p:txBody>
+      </p:sp>
+    </p:spTree>
+    <p:extLst>
+      <p:ext uri="{BB962C8B-B14F-4D97-AF65-F5344CB8AC3E}">
+        <p14:creationId xmlns:p14="http://schemas.microsoft.com/office/powerpoint/2010/main" val="471017310"/>
+      </p:ext>
+    </p:extLst>
+  </p:cSld>
+  <p:clrMapOvr>
+    <a:masterClrMapping/>
+  </p:clrMapOvr>
+</p:sld>
+</file>
+
+<file path=ppt/slides/slide11.xml><?xml version="1.0" encoding="utf-8"?>
+<p:sld xmlns:a="http://schemas.openxmlformats.org/drawingml/2006/main" xmlns:r="http://schemas.openxmlformats.org/officeDocument/2006/relationships" xmlns:p="http://schemas.openxmlformats.org/presentationml/2006/main">
+  <p:cSld>
+    <p:spTree>
+      <p:nvGrpSpPr>
+        <p:cNvPr id="1" name=""/>
+        <p:cNvGrpSpPr/>
+        <p:nvPr/>
+      </p:nvGrpSpPr>
+      <p:grpSpPr>
+        <a:xfrm>
+          <a:off x="0" y="0"/>
+          <a:ext cx="0" cy="0"/>
+          <a:chOff x="0" y="0"/>
+          <a:chExt cx="0" cy="0"/>
+        </a:xfrm>
+      </p:grpSpPr>
+      <p:sp>
+        <p:nvSpPr>
+          <p:cNvPr id="2" name="Title 1">
+            <a:extLst>
+              <a:ext uri="{FF2B5EF4-FFF2-40B4-BE49-F238E27FC236}">
+                <a16:creationId xmlns:a16="http://schemas.microsoft.com/office/drawing/2014/main" id="{9054B3EA-D211-4123-B8AE-DBF173D2F024}"/>
+              </a:ext>
+            </a:extLst>
+          </p:cNvPr>
+          <p:cNvSpPr>
+            <a:spLocks noGrp="1"/>
+          </p:cNvSpPr>
+          <p:nvPr>
+            <p:ph type="title"/>
+          </p:nvPr>
+        </p:nvSpPr>
+        <p:spPr/>
+        <p:txBody>
+          <a:bodyPr/>
+          <a:lstStyle/>
+          <a:p>
+            <a:r>
+              <a:rPr lang="en-IN" dirty="0"/>
+              <a:t>Header</a:t>
+            </a:r>
+          </a:p>
+        </p:txBody>
+      </p:sp>
+    </p:spTree>
+    <p:extLst>
+      <p:ext uri="{BB962C8B-B14F-4D97-AF65-F5344CB8AC3E}">
+        <p14:creationId xmlns:p14="http://schemas.microsoft.com/office/powerpoint/2010/main" val="1635711747"/>
+      </p:ext>
+    </p:extLst>
+  </p:cSld>
+  <p:clrMapOvr>
+    <a:masterClrMapping/>
+  </p:clrMapOvr>
+</p:sld>
+</file>
+
+<file path=ppt/slides/slide12.xml><?xml version="1.0" encoding="utf-8"?>
+<p:sld xmlns:a="http://schemas.openxmlformats.org/drawingml/2006/main" xmlns:r="http://schemas.openxmlformats.org/officeDocument/2006/relationships" xmlns:p="http://schemas.openxmlformats.org/presentationml/2006/main">
+  <p:cSld>
+    <p:spTree>
+      <p:nvGrpSpPr>
+        <p:cNvPr id="1" name=""/>
+        <p:cNvGrpSpPr/>
+        <p:nvPr/>
+      </p:nvGrpSpPr>
+      <p:grpSpPr>
+        <a:xfrm>
+          <a:off x="0" y="0"/>
+          <a:ext cx="0" cy="0"/>
+          <a:chOff x="0" y="0"/>
+          <a:chExt cx="0" cy="0"/>
+        </a:xfrm>
+      </p:grpSpPr>
+      <p:sp>
+        <p:nvSpPr>
+          <p:cNvPr id="2" name="Title 1">
+            <a:extLst>
+              <a:ext uri="{FF2B5EF4-FFF2-40B4-BE49-F238E27FC236}">
+                <a16:creationId xmlns:a16="http://schemas.microsoft.com/office/drawing/2014/main" id="{9054B3EA-D211-4123-B8AE-DBF173D2F024}"/>
+              </a:ext>
+            </a:extLst>
+          </p:cNvPr>
+          <p:cNvSpPr>
+            <a:spLocks noGrp="1"/>
+          </p:cNvSpPr>
+          <p:nvPr>
+            <p:ph type="title"/>
+          </p:nvPr>
+        </p:nvSpPr>
+        <p:spPr/>
+        <p:txBody>
+          <a:bodyPr/>
+          <a:lstStyle/>
+          <a:p>
+            <a:r>
+              <a:rPr lang="en-IN" dirty="0"/>
+              <a:t>Header</a:t>
+            </a:r>
+          </a:p>
+        </p:txBody>
+      </p:sp>
+    </p:spTree>
+    <p:extLst>
+      <p:ext uri="{BB962C8B-B14F-4D97-AF65-F5344CB8AC3E}">
+        <p14:creationId xmlns:p14="http://schemas.microsoft.com/office/powerpoint/2010/main" val="2441323881"/>
+      </p:ext>
+    </p:extLst>
+  </p:cSld>
+  <p:clrMapOvr>
+    <a:masterClrMapping/>
+  </p:clrMapOvr>
+</p:sld>
+</file>
+
+<file path=ppt/slides/slide13.xml><?xml version="1.0" encoding="utf-8"?>
+<p:sld xmlns:a="http://schemas.openxmlformats.org/drawingml/2006/main" xmlns:r="http://schemas.openxmlformats.org/officeDocument/2006/relationships" xmlns:p="http://schemas.openxmlformats.org/presentationml/2006/main">
+  <p:cSld>
+    <p:spTree>
+      <p:nvGrpSpPr>
+        <p:cNvPr id="1" name=""/>
+        <p:cNvGrpSpPr/>
+        <p:nvPr/>
+      </p:nvGrpSpPr>
+      <p:grpSpPr>
+        <a:xfrm>
+          <a:off x="0" y="0"/>
+          <a:ext cx="0" cy="0"/>
+          <a:chOff x="0" y="0"/>
+          <a:chExt cx="0" cy="0"/>
+        </a:xfrm>
+      </p:grpSpPr>
+      <p:sp>
+        <p:nvSpPr>
+          <p:cNvPr id="2" name="Title 1">
+            <a:extLst>
+              <a:ext uri="{FF2B5EF4-FFF2-40B4-BE49-F238E27FC236}">
+                <a16:creationId xmlns:a16="http://schemas.microsoft.com/office/drawing/2014/main" id="{9054B3EA-D211-4123-B8AE-DBF173D2F024}"/>
+              </a:ext>
+            </a:extLst>
+          </p:cNvPr>
+          <p:cNvSpPr>
+            <a:spLocks noGrp="1"/>
+          </p:cNvSpPr>
+          <p:nvPr>
+            <p:ph type="title"/>
+          </p:nvPr>
+        </p:nvSpPr>
+        <p:spPr/>
+        <p:txBody>
+          <a:bodyPr/>
+          <a:lstStyle/>
+          <a:p>
+            <a:r>
+              <a:rPr lang="en-IN" dirty="0"/>
+              <a:t>Header</a:t>
+            </a:r>
+          </a:p>
+        </p:txBody>
+      </p:sp>
+    </p:spTree>
+    <p:extLst>
+      <p:ext uri="{BB962C8B-B14F-4D97-AF65-F5344CB8AC3E}">
+        <p14:creationId xmlns:p14="http://schemas.microsoft.com/office/powerpoint/2010/main" val="3429446214"/>
+      </p:ext>
+    </p:extLst>
+  </p:cSld>
+  <p:clrMapOvr>
+    <a:masterClrMapping/>
+  </p:clrMapOvr>
+</p:sld>
+</file>
+
+<file path=ppt/slides/slide14.xml><?xml version="1.0" encoding="utf-8"?>
+<p:sld xmlns:a="http://schemas.openxmlformats.org/drawingml/2006/main" xmlns:r="http://schemas.openxmlformats.org/officeDocument/2006/relationships" xmlns:p="http://schemas.openxmlformats.org/presentationml/2006/main">
+  <p:cSld>
+    <p:spTree>
+      <p:nvGrpSpPr>
+        <p:cNvPr id="1" name=""/>
+        <p:cNvGrpSpPr/>
+        <p:nvPr/>
+      </p:nvGrpSpPr>
+      <p:grpSpPr>
+        <a:xfrm>
+          <a:off x="0" y="0"/>
+          <a:ext cx="0" cy="0"/>
+          <a:chOff x="0" y="0"/>
+          <a:chExt cx="0" cy="0"/>
+        </a:xfrm>
+      </p:grpSpPr>
+      <p:sp>
+        <p:nvSpPr>
+          <p:cNvPr id="2" name="Title 1">
+            <a:extLst>
+              <a:ext uri="{FF2B5EF4-FFF2-40B4-BE49-F238E27FC236}">
+                <a16:creationId xmlns:a16="http://schemas.microsoft.com/office/drawing/2014/main" id="{9054B3EA-D211-4123-B8AE-DBF173D2F024}"/>
+              </a:ext>
+            </a:extLst>
+          </p:cNvPr>
+          <p:cNvSpPr>
+            <a:spLocks noGrp="1"/>
+          </p:cNvSpPr>
+          <p:nvPr>
+            <p:ph type="title"/>
+          </p:nvPr>
+        </p:nvSpPr>
+        <p:spPr/>
+        <p:txBody>
+          <a:bodyPr/>
+          <a:lstStyle/>
+          <a:p>
+            <a:r>
+              <a:rPr lang="en-IN" dirty="0"/>
+              <a:t>Header</a:t>
+            </a:r>
+          </a:p>
+        </p:txBody>
+      </p:sp>
+    </p:spTree>
+    <p:extLst>
+      <p:ext uri="{BB962C8B-B14F-4D97-AF65-F5344CB8AC3E}">
+        <p14:creationId xmlns:p14="http://schemas.microsoft.com/office/powerpoint/2010/main" val="3596834554"/>
+      </p:ext>
+    </p:extLst>
+  </p:cSld>
+  <p:clrMapOvr>
+    <a:masterClrMapping/>
+  </p:clrMapOvr>
+</p:sld>
+</file>
+
+<file path=ppt/slides/slide15.xml><?xml version="1.0" encoding="utf-8"?>
+<p:sld xmlns:a="http://schemas.openxmlformats.org/drawingml/2006/main" xmlns:r="http://schemas.openxmlformats.org/officeDocument/2006/relationships" xmlns:p="http://schemas.openxmlformats.org/presentationml/2006/main">
+  <p:cSld>
+    <p:spTree>
+      <p:nvGrpSpPr>
+        <p:cNvPr id="1" name=""/>
+        <p:cNvGrpSpPr/>
+        <p:nvPr/>
+      </p:nvGrpSpPr>
+      <p:grpSpPr>
+        <a:xfrm>
+          <a:off x="0" y="0"/>
+          <a:ext cx="0" cy="0"/>
+          <a:chOff x="0" y="0"/>
+          <a:chExt cx="0" cy="0"/>
+        </a:xfrm>
+      </p:grpSpPr>
+      <p:sp>
+        <p:nvSpPr>
+          <p:cNvPr id="2" name="Title 1">
+            <a:extLst>
+              <a:ext uri="{FF2B5EF4-FFF2-40B4-BE49-F238E27FC236}">
+                <a16:creationId xmlns:a16="http://schemas.microsoft.com/office/drawing/2014/main" id="{9054B3EA-D211-4123-B8AE-DBF173D2F024}"/>
+              </a:ext>
+            </a:extLst>
+          </p:cNvPr>
+          <p:cNvSpPr>
+            <a:spLocks noGrp="1"/>
+          </p:cNvSpPr>
+          <p:nvPr>
+            <p:ph type="title"/>
+          </p:nvPr>
+        </p:nvSpPr>
+        <p:spPr/>
+        <p:txBody>
+          <a:bodyPr/>
+          <a:lstStyle/>
+          <a:p>
+            <a:r>
+              <a:rPr lang="en-IN" dirty="0"/>
+              <a:t>Header</a:t>
+            </a:r>
+          </a:p>
+        </p:txBody>
+      </p:sp>
+    </p:spTree>
+    <p:extLst>
+      <p:ext uri="{BB962C8B-B14F-4D97-AF65-F5344CB8AC3E}">
+        <p14:creationId xmlns:p14="http://schemas.microsoft.com/office/powerpoint/2010/main" val="2560680159"/>
+      </p:ext>
+    </p:extLst>
+  </p:cSld>
+  <p:clrMapOvr>
+    <a:masterClrMapping/>
+  </p:clrMapOvr>
+</p:sld>
+</file>
+
+<file path=ppt/slides/slide16.xml><?xml version="1.0" encoding="utf-8"?>
+<p:sld xmlns:a="http://schemas.openxmlformats.org/drawingml/2006/main" xmlns:r="http://schemas.openxmlformats.org/officeDocument/2006/relationships" xmlns:p="http://schemas.openxmlformats.org/presentationml/2006/main">
+  <p:cSld>
+    <p:spTree>
+      <p:nvGrpSpPr>
+        <p:cNvPr id="1" name=""/>
+        <p:cNvGrpSpPr/>
+        <p:nvPr/>
+      </p:nvGrpSpPr>
+      <p:grpSpPr>
+        <a:xfrm>
+          <a:off x="0" y="0"/>
+          <a:ext cx="0" cy="0"/>
+          <a:chOff x="0" y="0"/>
+          <a:chExt cx="0" cy="0"/>
+        </a:xfrm>
+      </p:grpSpPr>
+      <p:sp>
+        <p:nvSpPr>
+          <p:cNvPr id="2" name="Title 1">
+            <a:extLst>
+              <a:ext uri="{FF2B5EF4-FFF2-40B4-BE49-F238E27FC236}">
+                <a16:creationId xmlns:a16="http://schemas.microsoft.com/office/drawing/2014/main" id="{9054B3EA-D211-4123-B8AE-DBF173D2F024}"/>
+              </a:ext>
+            </a:extLst>
+          </p:cNvPr>
+          <p:cNvSpPr>
+            <a:spLocks noGrp="1"/>
+          </p:cNvSpPr>
+          <p:nvPr>
+            <p:ph type="title"/>
+          </p:nvPr>
+        </p:nvSpPr>
+        <p:spPr/>
+        <p:txBody>
+          <a:bodyPr/>
+          <a:lstStyle/>
+          <a:p>
+            <a:r>
+              <a:rPr lang="en-IN" dirty="0"/>
+              <a:t>Header</a:t>
+            </a:r>
+          </a:p>
+        </p:txBody>
+      </p:sp>
+    </p:spTree>
+    <p:extLst>
+      <p:ext uri="{BB962C8B-B14F-4D97-AF65-F5344CB8AC3E}">
+        <p14:creationId xmlns:p14="http://schemas.microsoft.com/office/powerpoint/2010/main" val="715608260"/>
+      </p:ext>
+    </p:extLst>
+  </p:cSld>
+  <p:clrMapOvr>
+    <a:masterClrMapping/>
+  </p:clrMapOvr>
+</p:sld>
+</file>
+
 <file path=ppt/slides/slide2.xml><?xml version="1.0" encoding="utf-8"?>
 <p:sld xmlns:a="http://schemas.openxmlformats.org/drawingml/2006/main" xmlns:r="http://schemas.openxmlformats.org/officeDocument/2006/relationships" xmlns:p="http://schemas.openxmlformats.org/presentationml/2006/main">
   <p:cSld>
@@ -14257,37 +14674,13 @@
           <a:p>
             <a:r>
               <a:rPr lang="en-IN" dirty="0"/>
-              <a:t>A </a:t>
-            </a:r>
-            <a:r>
-              <a:rPr lang="en-IN" dirty="0" err="1"/>
-              <a:t>reentrant</a:t>
-            </a:r>
+              <a:t>A re-entrant function can also be called simultaneously from multiple threads, but only if each invocation uses its own data.</a:t>
+            </a:r>
+          </a:p>
+          <a:p>
             <a:r>
               <a:rPr lang="en-IN" dirty="0"/>
-              <a:t> function can also be called simultaneously from multiple threads, but only if each invocation uses its own data.</a:t>
-            </a:r>
-          </a:p>
-          <a:p>
-            <a:r>
-              <a:rPr lang="en-IN" dirty="0"/>
-              <a:t>Hence, a thread-safe function is always </a:t>
-            </a:r>
-            <a:r>
-              <a:rPr lang="en-IN" dirty="0" err="1"/>
-              <a:t>reentrant</a:t>
-            </a:r>
-            <a:r>
-              <a:rPr lang="en-IN" dirty="0"/>
-              <a:t>, but a </a:t>
-            </a:r>
-            <a:r>
-              <a:rPr lang="en-IN" dirty="0" err="1"/>
-              <a:t>reentrant</a:t>
-            </a:r>
-            <a:r>
-              <a:rPr lang="en-IN" dirty="0"/>
-              <a:t> function is not always thread-safe.</a:t>
+              <a:t>Hence, a thread-safe function is always re-entrant, but a re-entrant function is not always thread-safe.</a:t>
             </a:r>
           </a:p>
         </p:txBody>
@@ -14627,6 +15020,1487 @@
     <p:extLst>
       <p:ext uri="{BB962C8B-B14F-4D97-AF65-F5344CB8AC3E}">
         <p14:creationId xmlns:p14="http://schemas.microsoft.com/office/powerpoint/2010/main" val="2077088263"/>
+      </p:ext>
+    </p:extLst>
+  </p:cSld>
+  <p:clrMapOvr>
+    <a:masterClrMapping/>
+  </p:clrMapOvr>
+</p:sld>
+</file>
+
+<file path=ppt/slides/slide6.xml><?xml version="1.0" encoding="utf-8"?>
+<p:sld xmlns:a="http://schemas.openxmlformats.org/drawingml/2006/main" xmlns:r="http://schemas.openxmlformats.org/officeDocument/2006/relationships" xmlns:p="http://schemas.openxmlformats.org/presentationml/2006/main">
+  <p:cSld>
+    <p:spTree>
+      <p:nvGrpSpPr>
+        <p:cNvPr id="1" name=""/>
+        <p:cNvGrpSpPr/>
+        <p:nvPr/>
+      </p:nvGrpSpPr>
+      <p:grpSpPr>
+        <a:xfrm>
+          <a:off x="0" y="0"/>
+          <a:ext cx="0" cy="0"/>
+          <a:chOff x="0" y="0"/>
+          <a:chExt cx="0" cy="0"/>
+        </a:xfrm>
+      </p:grpSpPr>
+      <p:sp>
+        <p:nvSpPr>
+          <p:cNvPr id="4" name="Rectangle 3">
+            <a:extLst>
+              <a:ext uri="{FF2B5EF4-FFF2-40B4-BE49-F238E27FC236}">
+                <a16:creationId xmlns:a16="http://schemas.microsoft.com/office/drawing/2014/main" id="{5349025F-3D87-4D38-9CE0-BCB34FAF200A}"/>
+              </a:ext>
+            </a:extLst>
+          </p:cNvPr>
+          <p:cNvSpPr/>
+          <p:nvPr/>
+        </p:nvSpPr>
+        <p:spPr>
+          <a:xfrm>
+            <a:off x="260059" y="1950160"/>
+            <a:ext cx="12340205" cy="4832092"/>
+          </a:xfrm>
+          <a:prstGeom prst="rect">
+            <a:avLst/>
+          </a:prstGeom>
+        </p:spPr>
+        <p:txBody>
+          <a:bodyPr wrap="square">
+            <a:spAutoFit/>
+          </a:bodyPr>
+          <a:lstStyle/>
+          <a:p>
+            <a:r>
+              <a:rPr lang="en-IN" sz="1400" dirty="0">
+                <a:solidFill>
+                  <a:srgbClr val="0000FF"/>
+                </a:solidFill>
+                <a:latin typeface="Consolas" panose="020B0609020204030204" pitchFamily="49" charset="0"/>
+              </a:rPr>
+              <a:t>void</a:t>
+            </a:r>
+            <a:r>
+              <a:rPr lang="en-IN" sz="1400" dirty="0">
+                <a:solidFill>
+                  <a:srgbClr val="000000"/>
+                </a:solidFill>
+                <a:latin typeface="Consolas" panose="020B0609020204030204" pitchFamily="49" charset="0"/>
+              </a:rPr>
+              <a:t> search(</a:t>
+            </a:r>
+            <a:r>
+              <a:rPr lang="en-IN" sz="1400" dirty="0" err="1">
+                <a:solidFill>
+                  <a:srgbClr val="0000FF"/>
+                </a:solidFill>
+                <a:latin typeface="Consolas" panose="020B0609020204030204" pitchFamily="49" charset="0"/>
+              </a:rPr>
+              <a:t>const</a:t>
+            </a:r>
+            <a:r>
+              <a:rPr lang="en-IN" sz="1400" dirty="0">
+                <a:solidFill>
+                  <a:srgbClr val="000000"/>
+                </a:solidFill>
+                <a:latin typeface="Consolas" panose="020B0609020204030204" pitchFamily="49" charset="0"/>
+              </a:rPr>
+              <a:t> fs::</a:t>
+            </a:r>
+            <a:r>
+              <a:rPr lang="en-IN" sz="1400" dirty="0">
+                <a:solidFill>
+                  <a:srgbClr val="2B91AF"/>
+                </a:solidFill>
+                <a:latin typeface="Consolas" panose="020B0609020204030204" pitchFamily="49" charset="0"/>
+              </a:rPr>
+              <a:t>path</a:t>
+            </a:r>
+            <a:r>
+              <a:rPr lang="en-IN" sz="1400" dirty="0">
+                <a:solidFill>
+                  <a:srgbClr val="000000"/>
+                </a:solidFill>
+                <a:latin typeface="Consolas" panose="020B0609020204030204" pitchFamily="49" charset="0"/>
+              </a:rPr>
+              <a:t>&amp; </a:t>
+            </a:r>
+            <a:r>
+              <a:rPr lang="en-IN" sz="1400" dirty="0" err="1">
+                <a:solidFill>
+                  <a:srgbClr val="808080"/>
+                </a:solidFill>
+                <a:latin typeface="Consolas" panose="020B0609020204030204" pitchFamily="49" charset="0"/>
+              </a:rPr>
+              <a:t>file_name</a:t>
+            </a:r>
+            <a:r>
+              <a:rPr lang="en-IN" sz="1400" dirty="0">
+                <a:solidFill>
+                  <a:srgbClr val="000000"/>
+                </a:solidFill>
+                <a:latin typeface="Consolas" panose="020B0609020204030204" pitchFamily="49" charset="0"/>
+              </a:rPr>
+              <a:t>)</a:t>
+            </a:r>
+          </a:p>
+          <a:p>
+            <a:r>
+              <a:rPr lang="en-IN" sz="1400" dirty="0">
+                <a:solidFill>
+                  <a:srgbClr val="000000"/>
+                </a:solidFill>
+                <a:latin typeface="Consolas" panose="020B0609020204030204" pitchFamily="49" charset="0"/>
+              </a:rPr>
+              <a:t>{</a:t>
+            </a:r>
+          </a:p>
+          <a:p>
+            <a:r>
+              <a:rPr lang="en-IN" sz="1400" dirty="0">
+                <a:solidFill>
+                  <a:srgbClr val="000000"/>
+                </a:solidFill>
+                <a:latin typeface="Consolas" panose="020B0609020204030204" pitchFamily="49" charset="0"/>
+              </a:rPr>
+              <a:t>    </a:t>
+            </a:r>
+            <a:r>
+              <a:rPr lang="en-IN" sz="1400" dirty="0" err="1">
+                <a:solidFill>
+                  <a:srgbClr val="0000FF"/>
+                </a:solidFill>
+                <a:latin typeface="Consolas" panose="020B0609020204030204" pitchFamily="49" charset="0"/>
+              </a:rPr>
+              <a:t>const</a:t>
+            </a:r>
+            <a:r>
+              <a:rPr lang="en-IN" sz="1400" dirty="0">
+                <a:solidFill>
+                  <a:srgbClr val="000000"/>
+                </a:solidFill>
+                <a:latin typeface="Consolas" panose="020B0609020204030204" pitchFamily="49" charset="0"/>
+              </a:rPr>
+              <a:t> fs::</a:t>
+            </a:r>
+            <a:r>
+              <a:rPr lang="en-IN" sz="1400" dirty="0">
+                <a:solidFill>
+                  <a:srgbClr val="2B91AF"/>
+                </a:solidFill>
+                <a:latin typeface="Consolas" panose="020B0609020204030204" pitchFamily="49" charset="0"/>
+              </a:rPr>
+              <a:t>path</a:t>
+            </a:r>
+            <a:r>
+              <a:rPr lang="en-IN" sz="1400" dirty="0">
+                <a:solidFill>
+                  <a:srgbClr val="000000"/>
+                </a:solidFill>
+                <a:latin typeface="Consolas" panose="020B0609020204030204" pitchFamily="49" charset="0"/>
+              </a:rPr>
+              <a:t> </a:t>
+            </a:r>
+            <a:r>
+              <a:rPr lang="en-IN" sz="1400" dirty="0" err="1">
+                <a:solidFill>
+                  <a:srgbClr val="000000"/>
+                </a:solidFill>
+                <a:latin typeface="Consolas" panose="020B0609020204030204" pitchFamily="49" charset="0"/>
+              </a:rPr>
+              <a:t>pathToShow</a:t>
+            </a:r>
+            <a:r>
+              <a:rPr lang="en-IN" sz="1400" dirty="0">
+                <a:solidFill>
+                  <a:srgbClr val="000000"/>
+                </a:solidFill>
+                <a:latin typeface="Consolas" panose="020B0609020204030204" pitchFamily="49" charset="0"/>
+              </a:rPr>
+              <a:t> { fs::</a:t>
+            </a:r>
+            <a:r>
+              <a:rPr lang="en-IN" sz="1400" dirty="0" err="1">
+                <a:solidFill>
+                  <a:srgbClr val="000000"/>
+                </a:solidFill>
+                <a:latin typeface="Consolas" panose="020B0609020204030204" pitchFamily="49" charset="0"/>
+              </a:rPr>
+              <a:t>current_path</a:t>
+            </a:r>
+            <a:r>
+              <a:rPr lang="en-IN" sz="1400" dirty="0">
+                <a:solidFill>
+                  <a:srgbClr val="000000"/>
+                </a:solidFill>
+                <a:latin typeface="Consolas" panose="020B0609020204030204" pitchFamily="49" charset="0"/>
+              </a:rPr>
+              <a:t>() };</a:t>
+            </a:r>
+          </a:p>
+          <a:p>
+            <a:r>
+              <a:rPr lang="en-IN" sz="1400" dirty="0">
+                <a:solidFill>
+                  <a:srgbClr val="000000"/>
+                </a:solidFill>
+                <a:latin typeface="Consolas" panose="020B0609020204030204" pitchFamily="49" charset="0"/>
+              </a:rPr>
+              <a:t>    </a:t>
+            </a:r>
+            <a:r>
+              <a:rPr lang="en-IN" sz="1400" dirty="0" err="1">
+                <a:solidFill>
+                  <a:srgbClr val="0000FF"/>
+                </a:solidFill>
+                <a:latin typeface="Consolas" panose="020B0609020204030204" pitchFamily="49" charset="0"/>
+              </a:rPr>
+              <a:t>const</a:t>
+            </a:r>
+            <a:r>
+              <a:rPr lang="en-IN" sz="1400" dirty="0">
+                <a:solidFill>
+                  <a:srgbClr val="000000"/>
+                </a:solidFill>
+                <a:latin typeface="Consolas" panose="020B0609020204030204" pitchFamily="49" charset="0"/>
+              </a:rPr>
+              <a:t> fs::</a:t>
+            </a:r>
+            <a:r>
+              <a:rPr lang="en-IN" sz="1400" dirty="0">
+                <a:solidFill>
+                  <a:srgbClr val="2B91AF"/>
+                </a:solidFill>
+                <a:latin typeface="Consolas" panose="020B0609020204030204" pitchFamily="49" charset="0"/>
+              </a:rPr>
+              <a:t>path</a:t>
+            </a:r>
+            <a:r>
+              <a:rPr lang="en-IN" sz="1400" dirty="0">
+                <a:solidFill>
+                  <a:srgbClr val="000000"/>
+                </a:solidFill>
+                <a:latin typeface="Consolas" panose="020B0609020204030204" pitchFamily="49" charset="0"/>
+              </a:rPr>
+              <a:t> </a:t>
+            </a:r>
+            <a:r>
+              <a:rPr lang="en-IN" sz="1400" dirty="0" err="1">
+                <a:solidFill>
+                  <a:srgbClr val="000000"/>
+                </a:solidFill>
+                <a:latin typeface="Consolas" panose="020B0609020204030204" pitchFamily="49" charset="0"/>
+              </a:rPr>
+              <a:t>parentpath</a:t>
+            </a:r>
+            <a:r>
+              <a:rPr lang="en-IN" sz="1400" dirty="0">
+                <a:solidFill>
+                  <a:srgbClr val="000000"/>
+                </a:solidFill>
+                <a:latin typeface="Consolas" panose="020B0609020204030204" pitchFamily="49" charset="0"/>
+              </a:rPr>
+              <a:t> = </a:t>
+            </a:r>
+            <a:r>
+              <a:rPr lang="en-IN" sz="1400" dirty="0" err="1">
+                <a:solidFill>
+                  <a:srgbClr val="000000"/>
+                </a:solidFill>
+                <a:latin typeface="Consolas" panose="020B0609020204030204" pitchFamily="49" charset="0"/>
+              </a:rPr>
+              <a:t>pathToShow.parent_path</a:t>
+            </a:r>
+            <a:r>
+              <a:rPr lang="en-IN" sz="1400" dirty="0">
+                <a:solidFill>
+                  <a:srgbClr val="000000"/>
+                </a:solidFill>
+                <a:latin typeface="Consolas" panose="020B0609020204030204" pitchFamily="49" charset="0"/>
+              </a:rPr>
+              <a:t>();</a:t>
+            </a:r>
+          </a:p>
+          <a:p>
+            <a:r>
+              <a:rPr lang="en-IN" sz="1400" dirty="0">
+                <a:solidFill>
+                  <a:srgbClr val="000000"/>
+                </a:solidFill>
+                <a:latin typeface="Consolas" panose="020B0609020204030204" pitchFamily="49" charset="0"/>
+              </a:rPr>
+              <a:t>    </a:t>
+            </a:r>
+            <a:r>
+              <a:rPr lang="en-IN" sz="1400" dirty="0">
+                <a:solidFill>
+                  <a:srgbClr val="0000FF"/>
+                </a:solidFill>
+                <a:latin typeface="Consolas" panose="020B0609020204030204" pitchFamily="49" charset="0"/>
+              </a:rPr>
+              <a:t>auto</a:t>
+            </a:r>
+            <a:r>
+              <a:rPr lang="en-IN" sz="1400" dirty="0">
+                <a:solidFill>
+                  <a:srgbClr val="000000"/>
+                </a:solidFill>
+                <a:latin typeface="Consolas" panose="020B0609020204030204" pitchFamily="49" charset="0"/>
+              </a:rPr>
+              <a:t> d = fs::</a:t>
+            </a:r>
+            <a:r>
+              <a:rPr lang="en-IN" sz="1400" dirty="0" err="1">
+                <a:solidFill>
+                  <a:srgbClr val="2B91AF"/>
+                </a:solidFill>
+                <a:latin typeface="Consolas" panose="020B0609020204030204" pitchFamily="49" charset="0"/>
+              </a:rPr>
+              <a:t>recursive_directory_iterator</a:t>
+            </a:r>
+            <a:r>
+              <a:rPr lang="en-IN" sz="1400" dirty="0">
+                <a:solidFill>
+                  <a:srgbClr val="000000"/>
+                </a:solidFill>
+                <a:latin typeface="Consolas" panose="020B0609020204030204" pitchFamily="49" charset="0"/>
+              </a:rPr>
+              <a:t>(</a:t>
+            </a:r>
+            <a:r>
+              <a:rPr lang="en-IN" sz="1400" dirty="0" err="1">
+                <a:solidFill>
+                  <a:srgbClr val="000000"/>
+                </a:solidFill>
+                <a:latin typeface="Consolas" panose="020B0609020204030204" pitchFamily="49" charset="0"/>
+              </a:rPr>
+              <a:t>parentpath</a:t>
+            </a:r>
+            <a:r>
+              <a:rPr lang="en-IN" sz="1400" dirty="0">
+                <a:solidFill>
+                  <a:srgbClr val="000000"/>
+                </a:solidFill>
+                <a:latin typeface="Consolas" panose="020B0609020204030204" pitchFamily="49" charset="0"/>
+              </a:rPr>
+              <a:t>);</a:t>
+            </a:r>
+          </a:p>
+          <a:p>
+            <a:endParaRPr lang="en-IN" sz="1400" dirty="0">
+              <a:solidFill>
+                <a:srgbClr val="000000"/>
+              </a:solidFill>
+              <a:latin typeface="Consolas" panose="020B0609020204030204" pitchFamily="49" charset="0"/>
+            </a:endParaRPr>
+          </a:p>
+          <a:p>
+            <a:r>
+              <a:rPr lang="en-IN" sz="1400" dirty="0">
+                <a:solidFill>
+                  <a:srgbClr val="000000"/>
+                </a:solidFill>
+                <a:latin typeface="Consolas" panose="020B0609020204030204" pitchFamily="49" charset="0"/>
+              </a:rPr>
+              <a:t>    fs::</a:t>
+            </a:r>
+            <a:r>
+              <a:rPr lang="en-IN" sz="1400" dirty="0">
+                <a:solidFill>
+                  <a:srgbClr val="2B91AF"/>
+                </a:solidFill>
+                <a:latin typeface="Consolas" panose="020B0609020204030204" pitchFamily="49" charset="0"/>
+              </a:rPr>
+              <a:t>path</a:t>
+            </a:r>
+            <a:r>
+              <a:rPr lang="en-IN" sz="1400" dirty="0">
+                <a:solidFill>
+                  <a:srgbClr val="000000"/>
+                </a:solidFill>
+                <a:latin typeface="Consolas" panose="020B0609020204030204" pitchFamily="49" charset="0"/>
+              </a:rPr>
+              <a:t> </a:t>
+            </a:r>
+            <a:r>
+              <a:rPr lang="en-IN" sz="1400" dirty="0" err="1">
+                <a:solidFill>
+                  <a:srgbClr val="000000"/>
+                </a:solidFill>
+                <a:latin typeface="Consolas" panose="020B0609020204030204" pitchFamily="49" charset="0"/>
+              </a:rPr>
+              <a:t>absPath</a:t>
+            </a:r>
+            <a:r>
+              <a:rPr lang="en-IN" sz="1400" dirty="0">
+                <a:solidFill>
+                  <a:srgbClr val="000000"/>
+                </a:solidFill>
+                <a:latin typeface="Consolas" panose="020B0609020204030204" pitchFamily="49" charset="0"/>
+              </a:rPr>
+              <a:t>;</a:t>
+            </a:r>
+          </a:p>
+          <a:p>
+            <a:r>
+              <a:rPr lang="en-IN" sz="1400" dirty="0">
+                <a:solidFill>
+                  <a:srgbClr val="000000"/>
+                </a:solidFill>
+                <a:latin typeface="Consolas" panose="020B0609020204030204" pitchFamily="49" charset="0"/>
+              </a:rPr>
+              <a:t>    </a:t>
+            </a:r>
+            <a:r>
+              <a:rPr lang="en-IN" sz="1400" dirty="0">
+                <a:solidFill>
+                  <a:srgbClr val="0000FF"/>
+                </a:solidFill>
+                <a:latin typeface="Consolas" panose="020B0609020204030204" pitchFamily="49" charset="0"/>
+              </a:rPr>
+              <a:t>auto</a:t>
+            </a:r>
+            <a:r>
+              <a:rPr lang="en-IN" sz="1400" dirty="0">
+                <a:solidFill>
+                  <a:srgbClr val="000000"/>
+                </a:solidFill>
+                <a:latin typeface="Consolas" panose="020B0609020204030204" pitchFamily="49" charset="0"/>
+              </a:rPr>
+              <a:t> found = std::</a:t>
+            </a:r>
+            <a:r>
+              <a:rPr lang="en-IN" sz="1400" dirty="0" err="1">
+                <a:solidFill>
+                  <a:srgbClr val="000000"/>
+                </a:solidFill>
+                <a:latin typeface="Consolas" panose="020B0609020204030204" pitchFamily="49" charset="0"/>
+              </a:rPr>
+              <a:t>find_if</a:t>
+            </a:r>
+            <a:r>
+              <a:rPr lang="en-IN" sz="1400" dirty="0">
+                <a:solidFill>
+                  <a:srgbClr val="000000"/>
+                </a:solidFill>
+                <a:latin typeface="Consolas" panose="020B0609020204030204" pitchFamily="49" charset="0"/>
+              </a:rPr>
+              <a:t>(d, end(d), [&amp;</a:t>
+            </a:r>
+            <a:r>
+              <a:rPr lang="en-IN" sz="1400" dirty="0" err="1">
+                <a:solidFill>
+                  <a:srgbClr val="808080"/>
+                </a:solidFill>
+                <a:latin typeface="Consolas" panose="020B0609020204030204" pitchFamily="49" charset="0"/>
+              </a:rPr>
+              <a:t>file_name</a:t>
+            </a:r>
+            <a:r>
+              <a:rPr lang="en-IN" sz="1400" dirty="0">
+                <a:solidFill>
+                  <a:srgbClr val="000000"/>
+                </a:solidFill>
+                <a:latin typeface="Consolas" panose="020B0609020204030204" pitchFamily="49" charset="0"/>
+              </a:rPr>
+              <a:t>, &amp;</a:t>
+            </a:r>
+            <a:r>
+              <a:rPr lang="en-IN" sz="1400" dirty="0" err="1">
+                <a:solidFill>
+                  <a:srgbClr val="000000"/>
+                </a:solidFill>
+                <a:latin typeface="Consolas" panose="020B0609020204030204" pitchFamily="49" charset="0"/>
+              </a:rPr>
+              <a:t>absPath</a:t>
+            </a:r>
+            <a:r>
+              <a:rPr lang="en-IN" sz="1400" dirty="0">
+                <a:solidFill>
+                  <a:srgbClr val="000000"/>
+                </a:solidFill>
+                <a:latin typeface="Consolas" panose="020B0609020204030204" pitchFamily="49" charset="0"/>
+              </a:rPr>
+              <a:t>](</a:t>
+            </a:r>
+            <a:r>
+              <a:rPr lang="en-IN" sz="1400" dirty="0" err="1">
+                <a:solidFill>
+                  <a:srgbClr val="0000FF"/>
+                </a:solidFill>
+                <a:latin typeface="Consolas" panose="020B0609020204030204" pitchFamily="49" charset="0"/>
+              </a:rPr>
+              <a:t>const</a:t>
+            </a:r>
+            <a:r>
+              <a:rPr lang="en-IN" sz="1400" dirty="0">
+                <a:solidFill>
+                  <a:srgbClr val="000000"/>
+                </a:solidFill>
+                <a:latin typeface="Consolas" panose="020B0609020204030204" pitchFamily="49" charset="0"/>
+              </a:rPr>
+              <a:t> </a:t>
+            </a:r>
+            <a:r>
+              <a:rPr lang="en-IN" sz="1400" dirty="0">
+                <a:solidFill>
+                  <a:srgbClr val="0000FF"/>
+                </a:solidFill>
+                <a:latin typeface="Consolas" panose="020B0609020204030204" pitchFamily="49" charset="0"/>
+              </a:rPr>
+              <a:t>auto</a:t>
+            </a:r>
+            <a:r>
+              <a:rPr lang="en-IN" sz="1400" dirty="0">
+                <a:solidFill>
+                  <a:srgbClr val="000000"/>
+                </a:solidFill>
+                <a:latin typeface="Consolas" panose="020B0609020204030204" pitchFamily="49" charset="0"/>
+              </a:rPr>
+              <a:t>&amp; </a:t>
+            </a:r>
+            <a:r>
+              <a:rPr lang="en-IN" sz="1400" dirty="0" err="1">
+                <a:solidFill>
+                  <a:srgbClr val="808080"/>
+                </a:solidFill>
+                <a:latin typeface="Consolas" panose="020B0609020204030204" pitchFamily="49" charset="0"/>
+              </a:rPr>
+              <a:t>dir_entry</a:t>
+            </a:r>
+            <a:r>
+              <a:rPr lang="en-IN" sz="1400" dirty="0">
+                <a:solidFill>
+                  <a:srgbClr val="000000"/>
+                </a:solidFill>
+                <a:latin typeface="Consolas" panose="020B0609020204030204" pitchFamily="49" charset="0"/>
+              </a:rPr>
+              <a:t>) {</a:t>
+            </a:r>
+          </a:p>
+          <a:p>
+            <a:r>
+              <a:rPr lang="en-IN" sz="1400" dirty="0">
+                <a:solidFill>
+                  <a:srgbClr val="000000"/>
+                </a:solidFill>
+                <a:latin typeface="Consolas" panose="020B0609020204030204" pitchFamily="49" charset="0"/>
+              </a:rPr>
+              <a:t>        </a:t>
+            </a:r>
+            <a:r>
+              <a:rPr lang="en-IN" sz="1400" dirty="0">
+                <a:solidFill>
+                  <a:srgbClr val="0000FF"/>
+                </a:solidFill>
+                <a:latin typeface="Consolas" panose="020B0609020204030204" pitchFamily="49" charset="0"/>
+              </a:rPr>
+              <a:t>if</a:t>
+            </a:r>
+            <a:r>
+              <a:rPr lang="en-IN" sz="1400" dirty="0">
+                <a:solidFill>
+                  <a:srgbClr val="000000"/>
+                </a:solidFill>
+                <a:latin typeface="Consolas" panose="020B0609020204030204" pitchFamily="49" charset="0"/>
+              </a:rPr>
+              <a:t> (</a:t>
+            </a:r>
+            <a:r>
+              <a:rPr lang="en-IN" sz="1400" dirty="0" err="1">
+                <a:solidFill>
+                  <a:srgbClr val="808080"/>
+                </a:solidFill>
+                <a:latin typeface="Consolas" panose="020B0609020204030204" pitchFamily="49" charset="0"/>
+              </a:rPr>
+              <a:t>dir_entry</a:t>
+            </a:r>
+            <a:r>
+              <a:rPr lang="en-IN" sz="1400" dirty="0" err="1">
+                <a:solidFill>
+                  <a:srgbClr val="000000"/>
+                </a:solidFill>
+                <a:latin typeface="Consolas" panose="020B0609020204030204" pitchFamily="49" charset="0"/>
+              </a:rPr>
+              <a:t>.path</a:t>
+            </a:r>
+            <a:r>
+              <a:rPr lang="en-IN" sz="1400" dirty="0">
+                <a:solidFill>
+                  <a:srgbClr val="000000"/>
+                </a:solidFill>
+                <a:latin typeface="Consolas" panose="020B0609020204030204" pitchFamily="49" charset="0"/>
+              </a:rPr>
+              <a:t>().filename() == </a:t>
+            </a:r>
+            <a:r>
+              <a:rPr lang="en-IN" sz="1400" dirty="0" err="1">
+                <a:solidFill>
+                  <a:srgbClr val="808080"/>
+                </a:solidFill>
+                <a:latin typeface="Consolas" panose="020B0609020204030204" pitchFamily="49" charset="0"/>
+              </a:rPr>
+              <a:t>file_name</a:t>
+            </a:r>
+            <a:r>
+              <a:rPr lang="en-IN" sz="1400" dirty="0">
+                <a:solidFill>
+                  <a:srgbClr val="000000"/>
+                </a:solidFill>
+                <a:latin typeface="Consolas" panose="020B0609020204030204" pitchFamily="49" charset="0"/>
+              </a:rPr>
+              <a:t>) {</a:t>
+            </a:r>
+          </a:p>
+          <a:p>
+            <a:r>
+              <a:rPr lang="en-IN" sz="1400" dirty="0">
+                <a:solidFill>
+                  <a:srgbClr val="000000"/>
+                </a:solidFill>
+                <a:latin typeface="Consolas" panose="020B0609020204030204" pitchFamily="49" charset="0"/>
+              </a:rPr>
+              <a:t>            </a:t>
+            </a:r>
+            <a:r>
+              <a:rPr lang="en-IN" sz="1400" dirty="0" err="1">
+                <a:solidFill>
+                  <a:srgbClr val="000000"/>
+                </a:solidFill>
+                <a:latin typeface="Consolas" panose="020B0609020204030204" pitchFamily="49" charset="0"/>
+              </a:rPr>
+              <a:t>absPath</a:t>
+            </a:r>
+            <a:r>
+              <a:rPr lang="en-IN" sz="1400" dirty="0">
+                <a:solidFill>
+                  <a:srgbClr val="000000"/>
+                </a:solidFill>
+                <a:latin typeface="Consolas" panose="020B0609020204030204" pitchFamily="49" charset="0"/>
+              </a:rPr>
+              <a:t> = </a:t>
+            </a:r>
+            <a:r>
+              <a:rPr lang="en-IN" sz="1400" dirty="0" err="1">
+                <a:solidFill>
+                  <a:srgbClr val="808080"/>
+                </a:solidFill>
+                <a:latin typeface="Consolas" panose="020B0609020204030204" pitchFamily="49" charset="0"/>
+              </a:rPr>
+              <a:t>dir_entry</a:t>
+            </a:r>
+            <a:r>
+              <a:rPr lang="en-IN" sz="1400" dirty="0" err="1">
+                <a:solidFill>
+                  <a:srgbClr val="000000"/>
+                </a:solidFill>
+                <a:latin typeface="Consolas" panose="020B0609020204030204" pitchFamily="49" charset="0"/>
+              </a:rPr>
+              <a:t>.path</a:t>
+            </a:r>
+            <a:r>
+              <a:rPr lang="en-IN" sz="1400" dirty="0">
+                <a:solidFill>
+                  <a:srgbClr val="000000"/>
+                </a:solidFill>
+                <a:latin typeface="Consolas" panose="020B0609020204030204" pitchFamily="49" charset="0"/>
+              </a:rPr>
+              <a:t>();</a:t>
+            </a:r>
+          </a:p>
+          <a:p>
+            <a:r>
+              <a:rPr lang="en-IN" sz="1400" dirty="0">
+                <a:solidFill>
+                  <a:srgbClr val="000000"/>
+                </a:solidFill>
+                <a:latin typeface="Consolas" panose="020B0609020204030204" pitchFamily="49" charset="0"/>
+              </a:rPr>
+              <a:t>            </a:t>
+            </a:r>
+            <a:r>
+              <a:rPr lang="en-IN" sz="1400" dirty="0">
+                <a:solidFill>
+                  <a:srgbClr val="0000FF"/>
+                </a:solidFill>
+                <a:latin typeface="Consolas" panose="020B0609020204030204" pitchFamily="49" charset="0"/>
+              </a:rPr>
+              <a:t>return</a:t>
+            </a:r>
+            <a:r>
+              <a:rPr lang="en-IN" sz="1400" dirty="0">
+                <a:solidFill>
+                  <a:srgbClr val="000000"/>
+                </a:solidFill>
+                <a:latin typeface="Consolas" panose="020B0609020204030204" pitchFamily="49" charset="0"/>
+              </a:rPr>
+              <a:t> </a:t>
+            </a:r>
+            <a:r>
+              <a:rPr lang="en-IN" sz="1400" dirty="0">
+                <a:solidFill>
+                  <a:srgbClr val="0000FF"/>
+                </a:solidFill>
+                <a:latin typeface="Consolas" panose="020B0609020204030204" pitchFamily="49" charset="0"/>
+              </a:rPr>
+              <a:t>true</a:t>
+            </a:r>
+            <a:r>
+              <a:rPr lang="en-IN" sz="1400" dirty="0">
+                <a:solidFill>
+                  <a:srgbClr val="000000"/>
+                </a:solidFill>
+                <a:latin typeface="Consolas" panose="020B0609020204030204" pitchFamily="49" charset="0"/>
+              </a:rPr>
+              <a:t>;</a:t>
+            </a:r>
+          </a:p>
+          <a:p>
+            <a:r>
+              <a:rPr lang="en-IN" sz="1400" dirty="0">
+                <a:solidFill>
+                  <a:srgbClr val="000000"/>
+                </a:solidFill>
+                <a:latin typeface="Consolas" panose="020B0609020204030204" pitchFamily="49" charset="0"/>
+              </a:rPr>
+              <a:t>        }</a:t>
+            </a:r>
+          </a:p>
+          <a:p>
+            <a:r>
+              <a:rPr lang="en-IN" sz="1400" dirty="0">
+                <a:solidFill>
+                  <a:srgbClr val="000000"/>
+                </a:solidFill>
+                <a:latin typeface="Consolas" panose="020B0609020204030204" pitchFamily="49" charset="0"/>
+              </a:rPr>
+              <a:t>        </a:t>
+            </a:r>
+            <a:r>
+              <a:rPr lang="en-IN" sz="1400" dirty="0">
+                <a:solidFill>
+                  <a:srgbClr val="0000FF"/>
+                </a:solidFill>
+                <a:latin typeface="Consolas" panose="020B0609020204030204" pitchFamily="49" charset="0"/>
+              </a:rPr>
+              <a:t>return</a:t>
+            </a:r>
+            <a:r>
+              <a:rPr lang="en-IN" sz="1400" dirty="0">
+                <a:solidFill>
+                  <a:srgbClr val="000000"/>
+                </a:solidFill>
+                <a:latin typeface="Consolas" panose="020B0609020204030204" pitchFamily="49" charset="0"/>
+              </a:rPr>
+              <a:t> </a:t>
+            </a:r>
+            <a:r>
+              <a:rPr lang="en-IN" sz="1400" dirty="0">
+                <a:solidFill>
+                  <a:srgbClr val="0000FF"/>
+                </a:solidFill>
+                <a:latin typeface="Consolas" panose="020B0609020204030204" pitchFamily="49" charset="0"/>
+              </a:rPr>
+              <a:t>false</a:t>
+            </a:r>
+            <a:r>
+              <a:rPr lang="en-IN" sz="1400" dirty="0">
+                <a:solidFill>
+                  <a:srgbClr val="000000"/>
+                </a:solidFill>
+                <a:latin typeface="Consolas" panose="020B0609020204030204" pitchFamily="49" charset="0"/>
+              </a:rPr>
+              <a:t>;</a:t>
+            </a:r>
+          </a:p>
+          <a:p>
+            <a:r>
+              <a:rPr lang="en-IN" sz="1400" dirty="0">
+                <a:solidFill>
+                  <a:srgbClr val="000000"/>
+                </a:solidFill>
+                <a:latin typeface="Consolas" panose="020B0609020204030204" pitchFamily="49" charset="0"/>
+              </a:rPr>
+              <a:t>    });</a:t>
+            </a:r>
+          </a:p>
+          <a:p>
+            <a:endParaRPr lang="en-IN" sz="1400" dirty="0">
+              <a:solidFill>
+                <a:srgbClr val="000000"/>
+              </a:solidFill>
+              <a:latin typeface="Consolas" panose="020B0609020204030204" pitchFamily="49" charset="0"/>
+            </a:endParaRPr>
+          </a:p>
+          <a:p>
+            <a:r>
+              <a:rPr lang="en-IN" sz="1400" dirty="0">
+                <a:solidFill>
+                  <a:srgbClr val="000000"/>
+                </a:solidFill>
+                <a:latin typeface="Consolas" panose="020B0609020204030204" pitchFamily="49" charset="0"/>
+              </a:rPr>
+              <a:t>    </a:t>
+            </a:r>
+            <a:r>
+              <a:rPr lang="en-IN" sz="1400" dirty="0">
+                <a:solidFill>
+                  <a:srgbClr val="0000FF"/>
+                </a:solidFill>
+                <a:latin typeface="Consolas" panose="020B0609020204030204" pitchFamily="49" charset="0"/>
+              </a:rPr>
+              <a:t>if</a:t>
+            </a:r>
+            <a:r>
+              <a:rPr lang="en-IN" sz="1400" dirty="0">
+                <a:solidFill>
+                  <a:srgbClr val="000000"/>
+                </a:solidFill>
+                <a:latin typeface="Consolas" panose="020B0609020204030204" pitchFamily="49" charset="0"/>
+              </a:rPr>
+              <a:t> (found </a:t>
+            </a:r>
+            <a:r>
+              <a:rPr lang="en-IN" sz="1400" dirty="0">
+                <a:solidFill>
+                  <a:srgbClr val="008080"/>
+                </a:solidFill>
+                <a:latin typeface="Consolas" panose="020B0609020204030204" pitchFamily="49" charset="0"/>
+              </a:rPr>
+              <a:t>!=</a:t>
+            </a:r>
+            <a:r>
+              <a:rPr lang="en-IN" sz="1400" dirty="0">
+                <a:solidFill>
+                  <a:srgbClr val="000000"/>
+                </a:solidFill>
+                <a:latin typeface="Consolas" panose="020B0609020204030204" pitchFamily="49" charset="0"/>
+              </a:rPr>
+              <a:t> end(d)) {</a:t>
+            </a:r>
+          </a:p>
+          <a:p>
+            <a:r>
+              <a:rPr lang="en-IN" sz="1400" dirty="0">
+                <a:solidFill>
+                  <a:srgbClr val="000000"/>
+                </a:solidFill>
+                <a:latin typeface="Consolas" panose="020B0609020204030204" pitchFamily="49" charset="0"/>
+              </a:rPr>
+              <a:t>        </a:t>
+            </a:r>
+            <a:r>
+              <a:rPr lang="en-IN" sz="1400" dirty="0">
+                <a:solidFill>
+                  <a:srgbClr val="008000"/>
+                </a:solidFill>
+                <a:latin typeface="Consolas" panose="020B0609020204030204" pitchFamily="49" charset="0"/>
+              </a:rPr>
+              <a:t>// we have found what we were looking for</a:t>
+            </a:r>
+            <a:endParaRPr lang="en-IN" sz="1400" dirty="0">
+              <a:solidFill>
+                <a:srgbClr val="000000"/>
+              </a:solidFill>
+              <a:latin typeface="Consolas" panose="020B0609020204030204" pitchFamily="49" charset="0"/>
+            </a:endParaRPr>
+          </a:p>
+          <a:p>
+            <a:r>
+              <a:rPr lang="en-IN" sz="1400" dirty="0">
+                <a:solidFill>
+                  <a:srgbClr val="000000"/>
+                </a:solidFill>
+                <a:latin typeface="Consolas" panose="020B0609020204030204" pitchFamily="49" charset="0"/>
+              </a:rPr>
+              <a:t>        </a:t>
+            </a:r>
+            <a:r>
+              <a:rPr lang="en-IN" sz="1400" dirty="0" err="1">
+                <a:solidFill>
+                  <a:srgbClr val="000000"/>
+                </a:solidFill>
+                <a:latin typeface="Consolas" panose="020B0609020204030204" pitchFamily="49" charset="0"/>
+              </a:rPr>
+              <a:t>cout</a:t>
+            </a:r>
+            <a:r>
+              <a:rPr lang="en-IN" sz="1400" dirty="0">
+                <a:solidFill>
+                  <a:srgbClr val="000000"/>
+                </a:solidFill>
+                <a:latin typeface="Consolas" panose="020B0609020204030204" pitchFamily="49" charset="0"/>
+              </a:rPr>
+              <a:t> </a:t>
+            </a:r>
+            <a:r>
+              <a:rPr lang="en-IN" sz="1400" dirty="0">
+                <a:solidFill>
+                  <a:srgbClr val="008080"/>
+                </a:solidFill>
+                <a:latin typeface="Consolas" panose="020B0609020204030204" pitchFamily="49" charset="0"/>
+              </a:rPr>
+              <a:t>&lt;&lt;</a:t>
+            </a:r>
+            <a:r>
+              <a:rPr lang="en-IN" sz="1400" dirty="0">
+                <a:solidFill>
+                  <a:srgbClr val="000000"/>
+                </a:solidFill>
+                <a:latin typeface="Consolas" panose="020B0609020204030204" pitchFamily="49" charset="0"/>
+              </a:rPr>
+              <a:t> </a:t>
+            </a:r>
+            <a:r>
+              <a:rPr lang="en-IN" sz="1400" dirty="0">
+                <a:solidFill>
+                  <a:srgbClr val="A31515"/>
+                </a:solidFill>
+                <a:latin typeface="Consolas" panose="020B0609020204030204" pitchFamily="49" charset="0"/>
+              </a:rPr>
+              <a:t>"We have found file:"</a:t>
+            </a:r>
+            <a:r>
+              <a:rPr lang="en-IN" sz="1400" dirty="0">
+                <a:solidFill>
+                  <a:srgbClr val="000000"/>
+                </a:solidFill>
+                <a:latin typeface="Consolas" panose="020B0609020204030204" pitchFamily="49" charset="0"/>
+              </a:rPr>
+              <a:t> </a:t>
+            </a:r>
+            <a:r>
+              <a:rPr lang="en-IN" sz="1400" dirty="0">
+                <a:solidFill>
+                  <a:srgbClr val="008080"/>
+                </a:solidFill>
+                <a:latin typeface="Consolas" panose="020B0609020204030204" pitchFamily="49" charset="0"/>
+              </a:rPr>
+              <a:t>&lt;&lt;</a:t>
+            </a:r>
+            <a:r>
+              <a:rPr lang="en-IN" sz="1400" dirty="0">
+                <a:solidFill>
+                  <a:srgbClr val="000000"/>
+                </a:solidFill>
+                <a:latin typeface="Consolas" panose="020B0609020204030204" pitchFamily="49" charset="0"/>
+              </a:rPr>
+              <a:t> </a:t>
+            </a:r>
+            <a:r>
+              <a:rPr lang="en-IN" sz="1400" dirty="0" err="1">
+                <a:solidFill>
+                  <a:srgbClr val="000000"/>
+                </a:solidFill>
+                <a:latin typeface="Consolas" panose="020B0609020204030204" pitchFamily="49" charset="0"/>
+              </a:rPr>
+              <a:t>absPath</a:t>
+            </a:r>
+            <a:r>
+              <a:rPr lang="en-IN" sz="1400" dirty="0">
+                <a:solidFill>
+                  <a:srgbClr val="000000"/>
+                </a:solidFill>
+                <a:latin typeface="Consolas" panose="020B0609020204030204" pitchFamily="49" charset="0"/>
+              </a:rPr>
+              <a:t>;</a:t>
+            </a:r>
+          </a:p>
+          <a:p>
+            <a:r>
+              <a:rPr lang="en-IN" sz="1400" dirty="0">
+                <a:solidFill>
+                  <a:srgbClr val="000000"/>
+                </a:solidFill>
+                <a:latin typeface="Consolas" panose="020B0609020204030204" pitchFamily="49" charset="0"/>
+              </a:rPr>
+              <a:t>    } </a:t>
+            </a:r>
+            <a:r>
+              <a:rPr lang="en-IN" sz="1400" dirty="0">
+                <a:solidFill>
+                  <a:srgbClr val="0000FF"/>
+                </a:solidFill>
+                <a:latin typeface="Consolas" panose="020B0609020204030204" pitchFamily="49" charset="0"/>
+              </a:rPr>
+              <a:t>else</a:t>
+            </a:r>
+            <a:r>
+              <a:rPr lang="en-IN" sz="1400" dirty="0">
+                <a:solidFill>
+                  <a:srgbClr val="000000"/>
+                </a:solidFill>
+                <a:latin typeface="Consolas" panose="020B0609020204030204" pitchFamily="49" charset="0"/>
+              </a:rPr>
+              <a:t> {</a:t>
+            </a:r>
+          </a:p>
+          <a:p>
+            <a:r>
+              <a:rPr lang="en-IN" sz="1400" dirty="0">
+                <a:solidFill>
+                  <a:srgbClr val="000000"/>
+                </a:solidFill>
+                <a:latin typeface="Consolas" panose="020B0609020204030204" pitchFamily="49" charset="0"/>
+              </a:rPr>
+              <a:t>        </a:t>
+            </a:r>
+            <a:r>
+              <a:rPr lang="en-IN" sz="1400" dirty="0" err="1">
+                <a:solidFill>
+                  <a:srgbClr val="000000"/>
+                </a:solidFill>
+                <a:latin typeface="Consolas" panose="020B0609020204030204" pitchFamily="49" charset="0"/>
+              </a:rPr>
+              <a:t>cout</a:t>
+            </a:r>
+            <a:r>
+              <a:rPr lang="en-IN" sz="1400" dirty="0">
+                <a:solidFill>
+                  <a:srgbClr val="000000"/>
+                </a:solidFill>
+                <a:latin typeface="Consolas" panose="020B0609020204030204" pitchFamily="49" charset="0"/>
+              </a:rPr>
+              <a:t> </a:t>
+            </a:r>
+            <a:r>
+              <a:rPr lang="en-IN" sz="1400" dirty="0">
+                <a:solidFill>
+                  <a:srgbClr val="008080"/>
+                </a:solidFill>
+                <a:latin typeface="Consolas" panose="020B0609020204030204" pitchFamily="49" charset="0"/>
+              </a:rPr>
+              <a:t>&lt;&lt;</a:t>
+            </a:r>
+            <a:r>
+              <a:rPr lang="en-IN" sz="1400" dirty="0">
+                <a:solidFill>
+                  <a:srgbClr val="000000"/>
+                </a:solidFill>
+                <a:latin typeface="Consolas" panose="020B0609020204030204" pitchFamily="49" charset="0"/>
+              </a:rPr>
+              <a:t> </a:t>
+            </a:r>
+            <a:r>
+              <a:rPr lang="en-IN" sz="1400" dirty="0">
+                <a:solidFill>
+                  <a:srgbClr val="A31515"/>
+                </a:solidFill>
+                <a:latin typeface="Consolas" panose="020B0609020204030204" pitchFamily="49" charset="0"/>
+              </a:rPr>
+              <a:t>"We didn't find file"</a:t>
+            </a:r>
+            <a:r>
+              <a:rPr lang="en-IN" sz="1400" dirty="0">
+                <a:solidFill>
+                  <a:srgbClr val="000000"/>
+                </a:solidFill>
+                <a:latin typeface="Consolas" panose="020B0609020204030204" pitchFamily="49" charset="0"/>
+              </a:rPr>
+              <a:t>;</a:t>
+            </a:r>
+          </a:p>
+          <a:p>
+            <a:r>
+              <a:rPr lang="en-IN" sz="1400" dirty="0">
+                <a:solidFill>
+                  <a:srgbClr val="000000"/>
+                </a:solidFill>
+                <a:latin typeface="Consolas" panose="020B0609020204030204" pitchFamily="49" charset="0"/>
+              </a:rPr>
+              <a:t>    }</a:t>
+            </a:r>
+          </a:p>
+          <a:p>
+            <a:r>
+              <a:rPr lang="en-IN" sz="1400" dirty="0">
+                <a:solidFill>
+                  <a:srgbClr val="000000"/>
+                </a:solidFill>
+                <a:latin typeface="Consolas" panose="020B0609020204030204" pitchFamily="49" charset="0"/>
+              </a:rPr>
+              <a:t>}</a:t>
+            </a:r>
+            <a:endParaRPr lang="en-IN" sz="1400" dirty="0"/>
+          </a:p>
+        </p:txBody>
+      </p:sp>
+      <p:sp>
+        <p:nvSpPr>
+          <p:cNvPr id="5" name="Title 1">
+            <a:extLst>
+              <a:ext uri="{FF2B5EF4-FFF2-40B4-BE49-F238E27FC236}">
+                <a16:creationId xmlns:a16="http://schemas.microsoft.com/office/drawing/2014/main" id="{4BB3F2EF-960A-4652-9C09-3F368A05EA04}"/>
+              </a:ext>
+            </a:extLst>
+          </p:cNvPr>
+          <p:cNvSpPr>
+            <a:spLocks noGrp="1"/>
+          </p:cNvSpPr>
+          <p:nvPr>
+            <p:ph type="title"/>
+          </p:nvPr>
+        </p:nvSpPr>
+        <p:spPr>
+          <a:xfrm>
+            <a:off x="604007" y="373514"/>
+            <a:ext cx="11680971" cy="1325563"/>
+          </a:xfrm>
+        </p:spPr>
+        <p:txBody>
+          <a:bodyPr/>
+          <a:lstStyle/>
+          <a:p>
+            <a:r>
+              <a:rPr lang="en-IN" dirty="0"/>
+              <a:t>Search datafile in current project directory</a:t>
+            </a:r>
+          </a:p>
+        </p:txBody>
+      </p:sp>
+    </p:spTree>
+    <p:extLst>
+      <p:ext uri="{BB962C8B-B14F-4D97-AF65-F5344CB8AC3E}">
+        <p14:creationId xmlns:p14="http://schemas.microsoft.com/office/powerpoint/2010/main" val="165322044"/>
+      </p:ext>
+    </p:extLst>
+  </p:cSld>
+  <p:clrMapOvr>
+    <a:masterClrMapping/>
+  </p:clrMapOvr>
+</p:sld>
+</file>
+
+<file path=ppt/slides/slide7.xml><?xml version="1.0" encoding="utf-8"?>
+<p:sld xmlns:a="http://schemas.openxmlformats.org/drawingml/2006/main" xmlns:r="http://schemas.openxmlformats.org/officeDocument/2006/relationships" xmlns:p="http://schemas.openxmlformats.org/presentationml/2006/main">
+  <p:cSld>
+    <p:spTree>
+      <p:nvGrpSpPr>
+        <p:cNvPr id="1" name=""/>
+        <p:cNvGrpSpPr/>
+        <p:nvPr/>
+      </p:nvGrpSpPr>
+      <p:grpSpPr>
+        <a:xfrm>
+          <a:off x="0" y="0"/>
+          <a:ext cx="0" cy="0"/>
+          <a:chOff x="0" y="0"/>
+          <a:chExt cx="0" cy="0"/>
+        </a:xfrm>
+      </p:grpSpPr>
+      <p:sp>
+        <p:nvSpPr>
+          <p:cNvPr id="5" name="Title 1">
+            <a:extLst>
+              <a:ext uri="{FF2B5EF4-FFF2-40B4-BE49-F238E27FC236}">
+                <a16:creationId xmlns:a16="http://schemas.microsoft.com/office/drawing/2014/main" id="{4BB3F2EF-960A-4652-9C09-3F368A05EA04}"/>
+              </a:ext>
+            </a:extLst>
+          </p:cNvPr>
+          <p:cNvSpPr>
+            <a:spLocks noGrp="1"/>
+          </p:cNvSpPr>
+          <p:nvPr>
+            <p:ph type="title"/>
+          </p:nvPr>
+        </p:nvSpPr>
+        <p:spPr>
+          <a:xfrm>
+            <a:off x="604007" y="373514"/>
+            <a:ext cx="11680971" cy="1325563"/>
+          </a:xfrm>
+        </p:spPr>
+        <p:txBody>
+          <a:bodyPr/>
+          <a:lstStyle/>
+          <a:p>
+            <a:r>
+              <a:rPr lang="en-IN" dirty="0"/>
+              <a:t>Updating coding style</a:t>
+            </a:r>
+          </a:p>
+        </p:txBody>
+      </p:sp>
+      <p:pic>
+        <p:nvPicPr>
+          <p:cNvPr id="2" name="Picture 1">
+            <a:extLst>
+              <a:ext uri="{FF2B5EF4-FFF2-40B4-BE49-F238E27FC236}">
+                <a16:creationId xmlns:a16="http://schemas.microsoft.com/office/drawing/2014/main" id="{782D1C0C-7898-4622-9CBC-783AC0BCD623}"/>
+              </a:ext>
+            </a:extLst>
+          </p:cNvPr>
+          <p:cNvPicPr>
+            <a:picLocks noChangeAspect="1"/>
+          </p:cNvPicPr>
+          <p:nvPr/>
+        </p:nvPicPr>
+        <p:blipFill>
+          <a:blip r:embed="rId2"/>
+          <a:stretch>
+            <a:fillRect/>
+          </a:stretch>
+        </p:blipFill>
+        <p:spPr>
+          <a:xfrm>
+            <a:off x="519015" y="2131752"/>
+            <a:ext cx="7048500" cy="4143375"/>
+          </a:xfrm>
+          <a:prstGeom prst="rect">
+            <a:avLst/>
+          </a:prstGeom>
+        </p:spPr>
+      </p:pic>
+      <p:sp>
+        <p:nvSpPr>
+          <p:cNvPr id="3" name="Rectangle 2">
+            <a:extLst>
+              <a:ext uri="{FF2B5EF4-FFF2-40B4-BE49-F238E27FC236}">
+                <a16:creationId xmlns:a16="http://schemas.microsoft.com/office/drawing/2014/main" id="{35C560FA-E11B-40D8-B850-79CD48E8AF66}"/>
+              </a:ext>
+            </a:extLst>
+          </p:cNvPr>
+          <p:cNvSpPr/>
+          <p:nvPr/>
+        </p:nvSpPr>
+        <p:spPr>
+          <a:xfrm>
+            <a:off x="8770776" y="3004457"/>
+            <a:ext cx="2902209" cy="1184988"/>
+          </a:xfrm>
+          <a:prstGeom prst="rect">
+            <a:avLst/>
+          </a:prstGeom>
+        </p:spPr>
+        <p:style>
+          <a:lnRef idx="2">
+            <a:schemeClr val="accent1">
+              <a:shade val="50000"/>
+            </a:schemeClr>
+          </a:lnRef>
+          <a:fillRef idx="1">
+            <a:schemeClr val="accent1"/>
+          </a:fillRef>
+          <a:effectRef idx="0">
+            <a:schemeClr val="accent1"/>
+          </a:effectRef>
+          <a:fontRef idx="minor">
+            <a:schemeClr val="lt1"/>
+          </a:fontRef>
+        </p:style>
+        <p:txBody>
+          <a:bodyPr rtlCol="0" anchor="ctr"/>
+          <a:lstStyle/>
+          <a:p>
+            <a:pPr algn="ctr"/>
+            <a:r>
+              <a:rPr lang="en-IN" dirty="0"/>
+              <a:t>Different standards of </a:t>
+            </a:r>
+            <a:r>
+              <a:rPr lang="en-IN" dirty="0" err="1"/>
+              <a:t>c++</a:t>
+            </a:r>
+            <a:r>
+              <a:rPr lang="en-IN" dirty="0"/>
+              <a:t> code styling</a:t>
+            </a:r>
+          </a:p>
+        </p:txBody>
+      </p:sp>
+    </p:spTree>
+    <p:extLst>
+      <p:ext uri="{BB962C8B-B14F-4D97-AF65-F5344CB8AC3E}">
+        <p14:creationId xmlns:p14="http://schemas.microsoft.com/office/powerpoint/2010/main" val="3816776640"/>
+      </p:ext>
+    </p:extLst>
+  </p:cSld>
+  <p:clrMapOvr>
+    <a:masterClrMapping/>
+  </p:clrMapOvr>
+</p:sld>
+</file>
+
+<file path=ppt/slides/slide8.xml><?xml version="1.0" encoding="utf-8"?>
+<p:sld xmlns:a="http://schemas.openxmlformats.org/drawingml/2006/main" xmlns:r="http://schemas.openxmlformats.org/officeDocument/2006/relationships" xmlns:p="http://schemas.openxmlformats.org/presentationml/2006/main">
+  <p:cSld>
+    <p:spTree>
+      <p:nvGrpSpPr>
+        <p:cNvPr id="1" name=""/>
+        <p:cNvGrpSpPr/>
+        <p:nvPr/>
+      </p:nvGrpSpPr>
+      <p:grpSpPr>
+        <a:xfrm>
+          <a:off x="0" y="0"/>
+          <a:ext cx="0" cy="0"/>
+          <a:chOff x="0" y="0"/>
+          <a:chExt cx="0" cy="0"/>
+        </a:xfrm>
+      </p:grpSpPr>
+      <p:sp>
+        <p:nvSpPr>
+          <p:cNvPr id="2" name="Title 1">
+            <a:extLst>
+              <a:ext uri="{FF2B5EF4-FFF2-40B4-BE49-F238E27FC236}">
+                <a16:creationId xmlns:a16="http://schemas.microsoft.com/office/drawing/2014/main" id="{9054B3EA-D211-4123-B8AE-DBF173D2F024}"/>
+              </a:ext>
+            </a:extLst>
+          </p:cNvPr>
+          <p:cNvSpPr>
+            <a:spLocks noGrp="1"/>
+          </p:cNvSpPr>
+          <p:nvPr>
+            <p:ph type="title"/>
+          </p:nvPr>
+        </p:nvSpPr>
+        <p:spPr/>
+        <p:txBody>
+          <a:bodyPr/>
+          <a:lstStyle/>
+          <a:p>
+            <a:r>
+              <a:rPr lang="en-IN"/>
+              <a:t>About Templates</a:t>
+            </a:r>
+            <a:r>
+              <a:rPr lang="en-IN" dirty="0"/>
+              <a:t>	</a:t>
+            </a:r>
+          </a:p>
+        </p:txBody>
+      </p:sp>
+      <p:sp>
+        <p:nvSpPr>
+          <p:cNvPr id="3" name="Content Placeholder 2">
+            <a:extLst>
+              <a:ext uri="{FF2B5EF4-FFF2-40B4-BE49-F238E27FC236}">
+                <a16:creationId xmlns:a16="http://schemas.microsoft.com/office/drawing/2014/main" id="{CA30FE21-57B7-411C-B427-ABD907894B03}"/>
+              </a:ext>
+            </a:extLst>
+          </p:cNvPr>
+          <p:cNvSpPr>
+            <a:spLocks noGrp="1"/>
+          </p:cNvSpPr>
+          <p:nvPr>
+            <p:ph idx="1"/>
+          </p:nvPr>
+        </p:nvSpPr>
+        <p:spPr>
+          <a:xfrm>
+            <a:off x="838200" y="2011680"/>
+            <a:ext cx="10394659" cy="2635821"/>
+          </a:xfrm>
+        </p:spPr>
+        <p:txBody>
+          <a:bodyPr>
+            <a:normAutofit/>
+          </a:bodyPr>
+          <a:lstStyle/>
+          <a:p>
+            <a:pPr marL="0" indent="0">
+              <a:buNone/>
+            </a:pPr>
+            <a:r>
+              <a:rPr lang="en-US" dirty="0"/>
+              <a:t>You </a:t>
+            </a:r>
+            <a:r>
+              <a:rPr lang="en-US" b="1" dirty="0"/>
+              <a:t>cannot</a:t>
+            </a:r>
+            <a:r>
+              <a:rPr lang="en-US" dirty="0"/>
+              <a:t> have templates in source file .</a:t>
+            </a:r>
+            <a:r>
+              <a:rPr lang="en-US" dirty="0" err="1"/>
+              <a:t>cpp</a:t>
+            </a:r>
+            <a:endParaRPr lang="en-US" dirty="0"/>
+          </a:p>
+          <a:p>
+            <a:pPr marL="0" indent="0">
+              <a:buNone/>
+            </a:pPr>
+            <a:endParaRPr lang="en-US" dirty="0"/>
+          </a:p>
+          <a:p>
+            <a:pPr marL="0" indent="0">
+              <a:buNone/>
+            </a:pPr>
+            <a:r>
+              <a:rPr lang="en-US" dirty="0"/>
+              <a:t>You should add all source code in header only. Because templates are expanded at compile time </a:t>
+            </a:r>
+            <a:endParaRPr lang="en-IN" dirty="0"/>
+          </a:p>
+        </p:txBody>
+      </p:sp>
+    </p:spTree>
+    <p:extLst>
+      <p:ext uri="{BB962C8B-B14F-4D97-AF65-F5344CB8AC3E}">
+        <p14:creationId xmlns:p14="http://schemas.microsoft.com/office/powerpoint/2010/main" val="3219189038"/>
+      </p:ext>
+    </p:extLst>
+  </p:cSld>
+  <p:clrMapOvr>
+    <a:masterClrMapping/>
+  </p:clrMapOvr>
+</p:sld>
+</file>
+
+<file path=ppt/slides/slide9.xml><?xml version="1.0" encoding="utf-8"?>
+<p:sld xmlns:a="http://schemas.openxmlformats.org/drawingml/2006/main" xmlns:r="http://schemas.openxmlformats.org/officeDocument/2006/relationships" xmlns:p="http://schemas.openxmlformats.org/presentationml/2006/main">
+  <p:cSld>
+    <p:spTree>
+      <p:nvGrpSpPr>
+        <p:cNvPr id="1" name=""/>
+        <p:cNvGrpSpPr/>
+        <p:nvPr/>
+      </p:nvGrpSpPr>
+      <p:grpSpPr>
+        <a:xfrm>
+          <a:off x="0" y="0"/>
+          <a:ext cx="0" cy="0"/>
+          <a:chOff x="0" y="0"/>
+          <a:chExt cx="0" cy="0"/>
+        </a:xfrm>
+      </p:grpSpPr>
+      <p:sp>
+        <p:nvSpPr>
+          <p:cNvPr id="2" name="Title 1">
+            <a:extLst>
+              <a:ext uri="{FF2B5EF4-FFF2-40B4-BE49-F238E27FC236}">
+                <a16:creationId xmlns:a16="http://schemas.microsoft.com/office/drawing/2014/main" id="{9054B3EA-D211-4123-B8AE-DBF173D2F024}"/>
+              </a:ext>
+            </a:extLst>
+          </p:cNvPr>
+          <p:cNvSpPr>
+            <a:spLocks noGrp="1"/>
+          </p:cNvSpPr>
+          <p:nvPr>
+            <p:ph type="title"/>
+          </p:nvPr>
+        </p:nvSpPr>
+        <p:spPr/>
+        <p:txBody>
+          <a:bodyPr/>
+          <a:lstStyle/>
+          <a:p>
+            <a:r>
+              <a:rPr lang="en-IN" dirty="0"/>
+              <a:t>Header</a:t>
+            </a:r>
+          </a:p>
+        </p:txBody>
+      </p:sp>
+    </p:spTree>
+    <p:extLst>
+      <p:ext uri="{BB962C8B-B14F-4D97-AF65-F5344CB8AC3E}">
+        <p14:creationId xmlns:p14="http://schemas.microsoft.com/office/powerpoint/2010/main" val="1740786651"/>
       </p:ext>
     </p:extLst>
   </p:cSld>

--- a/learnings.pptx
+++ b/learnings.pptx
@@ -2474,7 +2474,7 @@
           <a:p>
             <a:fld id="{3C04E684-10F4-4CC3-A0B9-F03AA7BE37CF}" type="datetimeFigureOut">
               <a:rPr lang="en-US" smtClean="0"/>
-              <a:t>5/12/2020</a:t>
+              <a:t>5/22/2020</a:t>
             </a:fld>
             <a:endParaRPr lang="en-US"/>
           </a:p>
@@ -4964,7 +4964,7 @@
           <a:p>
             <a:fld id="{3C04E684-10F4-4CC3-A0B9-F03AA7BE37CF}" type="datetimeFigureOut">
               <a:rPr lang="en-US" smtClean="0"/>
-              <a:t>5/12/2020</a:t>
+              <a:t>5/22/2020</a:t>
             </a:fld>
             <a:endParaRPr lang="en-US"/>
           </a:p>
@@ -5162,7 +5162,7 @@
           <a:p>
             <a:fld id="{3C04E684-10F4-4CC3-A0B9-F03AA7BE37CF}" type="datetimeFigureOut">
               <a:rPr lang="en-US" smtClean="0"/>
-              <a:t>5/12/2020</a:t>
+              <a:t>5/22/2020</a:t>
             </a:fld>
             <a:endParaRPr lang="en-US"/>
           </a:p>
@@ -5370,7 +5370,7 @@
           <a:p>
             <a:fld id="{3C04E684-10F4-4CC3-A0B9-F03AA7BE37CF}" type="datetimeFigureOut">
               <a:rPr lang="en-US" smtClean="0"/>
-              <a:t>5/12/2020</a:t>
+              <a:t>5/22/2020</a:t>
             </a:fld>
             <a:endParaRPr lang="en-US"/>
           </a:p>
@@ -6107,7 +6107,7 @@
           <a:p>
             <a:fld id="{3C04E684-10F4-4CC3-A0B9-F03AA7BE37CF}" type="datetimeFigureOut">
               <a:rPr lang="en-US" smtClean="0"/>
-              <a:t>5/12/2020</a:t>
+              <a:t>5/22/2020</a:t>
             </a:fld>
             <a:endParaRPr lang="en-US"/>
           </a:p>
@@ -6749,7 +6749,7 @@
           <a:p>
             <a:fld id="{3C04E684-10F4-4CC3-A0B9-F03AA7BE37CF}" type="datetimeFigureOut">
               <a:rPr lang="en-US" smtClean="0"/>
-              <a:t>5/12/2020</a:t>
+              <a:t>5/22/2020</a:t>
             </a:fld>
             <a:endParaRPr lang="en-US"/>
           </a:p>
@@ -7549,7 +7549,7 @@
           <a:p>
             <a:fld id="{3C04E684-10F4-4CC3-A0B9-F03AA7BE37CF}" type="datetimeFigureOut">
               <a:rPr lang="en-US" smtClean="0"/>
-              <a:t>5/12/2020</a:t>
+              <a:t>5/22/2020</a:t>
             </a:fld>
             <a:endParaRPr lang="en-US"/>
           </a:p>
@@ -8500,7 +8500,7 @@
           <a:p>
             <a:fld id="{3C04E684-10F4-4CC3-A0B9-F03AA7BE37CF}" type="datetimeFigureOut">
               <a:rPr lang="en-US" smtClean="0"/>
-              <a:t>5/12/2020</a:t>
+              <a:t>5/22/2020</a:t>
             </a:fld>
             <a:endParaRPr lang="en-US"/>
           </a:p>
@@ -10849,7 +10849,7 @@
           <a:p>
             <a:fld id="{3C04E684-10F4-4CC3-A0B9-F03AA7BE37CF}" type="datetimeFigureOut">
               <a:rPr lang="en-US" smtClean="0"/>
-              <a:t>5/12/2020</a:t>
+              <a:t>5/22/2020</a:t>
             </a:fld>
             <a:endParaRPr lang="en-US"/>
           </a:p>
@@ -10962,7 +10962,7 @@
           <a:p>
             <a:fld id="{3C04E684-10F4-4CC3-A0B9-F03AA7BE37CF}" type="datetimeFigureOut">
               <a:rPr lang="en-US" smtClean="0"/>
-              <a:t>5/12/2020</a:t>
+              <a:t>5/22/2020</a:t>
             </a:fld>
             <a:endParaRPr lang="en-US"/>
           </a:p>
@@ -11469,7 +11469,7 @@
           <a:p>
             <a:fld id="{3C04E684-10F4-4CC3-A0B9-F03AA7BE37CF}" type="datetimeFigureOut">
               <a:rPr lang="en-US" smtClean="0"/>
-              <a:t>5/12/2020</a:t>
+              <a:t>5/22/2020</a:t>
             </a:fld>
             <a:endParaRPr lang="en-US"/>
           </a:p>
@@ -12772,7 +12772,7 @@
           <a:p>
             <a:fld id="{3C04E684-10F4-4CC3-A0B9-F03AA7BE37CF}" type="datetimeFigureOut">
               <a:rPr lang="en-US" smtClean="0"/>
-              <a:t>5/12/2020</a:t>
+              <a:t>5/22/2020</a:t>
             </a:fld>
             <a:endParaRPr lang="en-US"/>
           </a:p>
@@ -13019,7 +13019,7 @@
           <a:p>
             <a:fld id="{3C04E684-10F4-4CC3-A0B9-F03AA7BE37CF}" type="datetimeFigureOut">
               <a:rPr lang="en-US" smtClean="0"/>
-              <a:t>5/12/2020</a:t>
+              <a:t>5/22/2020</a:t>
             </a:fld>
             <a:endParaRPr lang="en-US"/>
           </a:p>
@@ -14101,9 +14101,1085 @@
           <a:lstStyle/>
           <a:p>
             <a:r>
+              <a:rPr lang="en-IN" b="1" dirty="0">
+                <a:latin typeface="Roboto"/>
+              </a:rPr>
+              <a:t>Little endian vs Big Endian</a:t>
+            </a:r>
+          </a:p>
+        </p:txBody>
+      </p:sp>
+      <p:pic>
+        <p:nvPicPr>
+          <p:cNvPr id="4" name="Picture 3">
+            <a:extLst>
+              <a:ext uri="{FF2B5EF4-FFF2-40B4-BE49-F238E27FC236}">
+                <a16:creationId xmlns:a16="http://schemas.microsoft.com/office/drawing/2014/main" id="{810B6B12-86D2-4270-B9B1-92C5C7608B09}"/>
+              </a:ext>
+            </a:extLst>
+          </p:cNvPr>
+          <p:cNvPicPr>
+            <a:picLocks noChangeAspect="1"/>
+          </p:cNvPicPr>
+          <p:nvPr/>
+        </p:nvPicPr>
+        <p:blipFill>
+          <a:blip r:embed="rId2"/>
+          <a:stretch>
+            <a:fillRect/>
+          </a:stretch>
+        </p:blipFill>
+        <p:spPr>
+          <a:xfrm>
+            <a:off x="8807130" y="732769"/>
+            <a:ext cx="2647950" cy="5191125"/>
+          </a:xfrm>
+          <a:prstGeom prst="rect">
+            <a:avLst/>
+          </a:prstGeom>
+        </p:spPr>
+      </p:pic>
+      <p:sp>
+        <p:nvSpPr>
+          <p:cNvPr id="7" name="Rectangle 6">
+            <a:extLst>
+              <a:ext uri="{FF2B5EF4-FFF2-40B4-BE49-F238E27FC236}">
+                <a16:creationId xmlns:a16="http://schemas.microsoft.com/office/drawing/2014/main" id="{CC716563-9921-4579-9B90-CF3D5BE2CBB0}"/>
+              </a:ext>
+            </a:extLst>
+          </p:cNvPr>
+          <p:cNvSpPr/>
+          <p:nvPr/>
+        </p:nvSpPr>
+        <p:spPr>
+          <a:xfrm>
+            <a:off x="174172" y="1436858"/>
+            <a:ext cx="8755224" cy="5355312"/>
+          </a:xfrm>
+          <a:prstGeom prst="rect">
+            <a:avLst/>
+          </a:prstGeom>
+        </p:spPr>
+        <p:txBody>
+          <a:bodyPr wrap="square">
+            <a:spAutoFit/>
+          </a:bodyPr>
+          <a:lstStyle/>
+          <a:p>
+            <a:r>
+              <a:rPr lang="nn-NO" dirty="0">
+                <a:solidFill>
+                  <a:srgbClr val="808080"/>
+                </a:solidFill>
+                <a:latin typeface="Consolas" panose="020B0609020204030204" pitchFamily="49" charset="0"/>
+              </a:rPr>
+              <a:t>#define</a:t>
+            </a:r>
+            <a:r>
+              <a:rPr lang="nn-NO" dirty="0">
+                <a:solidFill>
+                  <a:srgbClr val="000000"/>
+                </a:solidFill>
+                <a:latin typeface="Consolas" panose="020B0609020204030204" pitchFamily="49" charset="0"/>
+              </a:rPr>
+              <a:t> </a:t>
+            </a:r>
+            <a:r>
+              <a:rPr lang="nn-NO" dirty="0">
+                <a:solidFill>
+                  <a:srgbClr val="6F008A"/>
+                </a:solidFill>
+                <a:latin typeface="Consolas" panose="020B0609020204030204" pitchFamily="49" charset="0"/>
+              </a:rPr>
+              <a:t>SWAP_INT16</a:t>
+            </a:r>
+            <a:r>
+              <a:rPr lang="nn-NO" dirty="0">
+                <a:solidFill>
+                  <a:srgbClr val="000000"/>
+                </a:solidFill>
+                <a:latin typeface="Consolas" panose="020B0609020204030204" pitchFamily="49" charset="0"/>
+              </a:rPr>
+              <a:t>(x)   (((x) &gt;&gt; 8) | ((x) &lt;&lt; 8))</a:t>
+            </a:r>
+          </a:p>
+          <a:p>
+            <a:endParaRPr lang="en-IN" dirty="0">
+              <a:solidFill>
+                <a:srgbClr val="000000"/>
+              </a:solidFill>
+              <a:latin typeface="Consolas" panose="020B0609020204030204" pitchFamily="49" charset="0"/>
+            </a:endParaRPr>
+          </a:p>
+          <a:p>
+            <a:r>
+              <a:rPr lang="en-IN" dirty="0">
+                <a:solidFill>
+                  <a:srgbClr val="0000FF"/>
+                </a:solidFill>
+                <a:latin typeface="Consolas" panose="020B0609020204030204" pitchFamily="49" charset="0"/>
+              </a:rPr>
+              <a:t>void</a:t>
+            </a:r>
+            <a:r>
+              <a:rPr lang="en-IN" dirty="0">
+                <a:solidFill>
+                  <a:srgbClr val="000000"/>
+                </a:solidFill>
+                <a:latin typeface="Consolas" panose="020B0609020204030204" pitchFamily="49" charset="0"/>
+              </a:rPr>
+              <a:t> </a:t>
+            </a:r>
+            <a:r>
+              <a:rPr lang="en-IN" dirty="0" err="1">
+                <a:solidFill>
+                  <a:srgbClr val="000000"/>
+                </a:solidFill>
+                <a:latin typeface="Consolas" panose="020B0609020204030204" pitchFamily="49" charset="0"/>
+              </a:rPr>
+              <a:t>memory_represent</a:t>
+            </a:r>
+            <a:r>
+              <a:rPr lang="en-IN" dirty="0">
+                <a:solidFill>
+                  <a:srgbClr val="000000"/>
+                </a:solidFill>
+                <a:latin typeface="Consolas" panose="020B0609020204030204" pitchFamily="49" charset="0"/>
+              </a:rPr>
+              <a:t>(</a:t>
+            </a:r>
+            <a:r>
+              <a:rPr lang="en-IN" dirty="0">
+                <a:solidFill>
+                  <a:srgbClr val="0000FF"/>
+                </a:solidFill>
+                <a:latin typeface="Consolas" panose="020B0609020204030204" pitchFamily="49" charset="0"/>
+              </a:rPr>
+              <a:t>char</a:t>
+            </a:r>
+            <a:r>
+              <a:rPr lang="en-IN" dirty="0">
+                <a:solidFill>
+                  <a:srgbClr val="000000"/>
+                </a:solidFill>
+                <a:latin typeface="Consolas" panose="020B0609020204030204" pitchFamily="49" charset="0"/>
+              </a:rPr>
+              <a:t> *</a:t>
+            </a:r>
+            <a:r>
+              <a:rPr lang="en-IN" dirty="0">
+                <a:solidFill>
+                  <a:srgbClr val="808080"/>
+                </a:solidFill>
+                <a:latin typeface="Consolas" panose="020B0609020204030204" pitchFamily="49" charset="0"/>
+              </a:rPr>
+              <a:t>value</a:t>
+            </a:r>
+            <a:r>
+              <a:rPr lang="en-IN" dirty="0">
+                <a:solidFill>
+                  <a:srgbClr val="000000"/>
+                </a:solidFill>
+                <a:latin typeface="Consolas" panose="020B0609020204030204" pitchFamily="49" charset="0"/>
+              </a:rPr>
+              <a:t>, </a:t>
+            </a:r>
+            <a:r>
+              <a:rPr lang="en-IN" dirty="0">
+                <a:solidFill>
+                  <a:srgbClr val="0000FF"/>
+                </a:solidFill>
+                <a:latin typeface="Consolas" panose="020B0609020204030204" pitchFamily="49" charset="0"/>
+              </a:rPr>
+              <a:t>int</a:t>
+            </a:r>
+            <a:r>
+              <a:rPr lang="en-IN" dirty="0">
+                <a:solidFill>
+                  <a:srgbClr val="000000"/>
+                </a:solidFill>
+                <a:latin typeface="Consolas" panose="020B0609020204030204" pitchFamily="49" charset="0"/>
+              </a:rPr>
+              <a:t> </a:t>
+            </a:r>
+            <a:r>
+              <a:rPr lang="en-IN" dirty="0">
+                <a:solidFill>
+                  <a:srgbClr val="808080"/>
+                </a:solidFill>
+                <a:latin typeface="Consolas" panose="020B0609020204030204" pitchFamily="49" charset="0"/>
+              </a:rPr>
+              <a:t>n</a:t>
+            </a:r>
+            <a:r>
+              <a:rPr lang="en-IN" dirty="0">
+                <a:solidFill>
+                  <a:srgbClr val="000000"/>
+                </a:solidFill>
+                <a:latin typeface="Consolas" panose="020B0609020204030204" pitchFamily="49" charset="0"/>
+              </a:rPr>
+              <a:t>) {</a:t>
+            </a:r>
+          </a:p>
+          <a:p>
+            <a:r>
+              <a:rPr lang="en-IN" dirty="0">
+                <a:solidFill>
+                  <a:srgbClr val="000000"/>
+                </a:solidFill>
+                <a:latin typeface="Consolas" panose="020B0609020204030204" pitchFamily="49" charset="0"/>
+              </a:rPr>
+              <a:t>  </a:t>
+            </a:r>
+            <a:r>
+              <a:rPr lang="en-IN" dirty="0">
+                <a:solidFill>
+                  <a:srgbClr val="0000FF"/>
+                </a:solidFill>
+                <a:latin typeface="Consolas" panose="020B0609020204030204" pitchFamily="49" charset="0"/>
+              </a:rPr>
+              <a:t>int</a:t>
+            </a:r>
+            <a:r>
+              <a:rPr lang="en-IN" dirty="0">
+                <a:solidFill>
+                  <a:srgbClr val="000000"/>
+                </a:solidFill>
+                <a:latin typeface="Consolas" panose="020B0609020204030204" pitchFamily="49" charset="0"/>
+              </a:rPr>
+              <a:t> </a:t>
+            </a:r>
+            <a:r>
+              <a:rPr lang="en-IN" dirty="0" err="1">
+                <a:solidFill>
+                  <a:srgbClr val="000000"/>
+                </a:solidFill>
+                <a:latin typeface="Consolas" panose="020B0609020204030204" pitchFamily="49" charset="0"/>
+              </a:rPr>
+              <a:t>i</a:t>
+            </a:r>
+            <a:r>
+              <a:rPr lang="en-IN" dirty="0">
+                <a:solidFill>
+                  <a:srgbClr val="000000"/>
+                </a:solidFill>
+                <a:latin typeface="Consolas" panose="020B0609020204030204" pitchFamily="49" charset="0"/>
+              </a:rPr>
+              <a:t>;</a:t>
+            </a:r>
+          </a:p>
+          <a:p>
+            <a:r>
+              <a:rPr lang="nn-NO" dirty="0">
+                <a:solidFill>
+                  <a:srgbClr val="000000"/>
+                </a:solidFill>
+                <a:latin typeface="Consolas" panose="020B0609020204030204" pitchFamily="49" charset="0"/>
+              </a:rPr>
+              <a:t>  </a:t>
+            </a:r>
+            <a:r>
+              <a:rPr lang="nn-NO" dirty="0">
+                <a:solidFill>
+                  <a:srgbClr val="0000FF"/>
+                </a:solidFill>
+                <a:latin typeface="Consolas" panose="020B0609020204030204" pitchFamily="49" charset="0"/>
+              </a:rPr>
+              <a:t>for</a:t>
+            </a:r>
+            <a:r>
+              <a:rPr lang="nn-NO" dirty="0">
+                <a:solidFill>
+                  <a:srgbClr val="000000"/>
+                </a:solidFill>
+                <a:latin typeface="Consolas" panose="020B0609020204030204" pitchFamily="49" charset="0"/>
+              </a:rPr>
+              <a:t> (i = 0; i &lt; </a:t>
+            </a:r>
+            <a:r>
+              <a:rPr lang="nn-NO" dirty="0">
+                <a:solidFill>
+                  <a:srgbClr val="808080"/>
+                </a:solidFill>
+                <a:latin typeface="Consolas" panose="020B0609020204030204" pitchFamily="49" charset="0"/>
+              </a:rPr>
+              <a:t>n</a:t>
+            </a:r>
+            <a:r>
+              <a:rPr lang="nn-NO" dirty="0">
+                <a:solidFill>
+                  <a:srgbClr val="000000"/>
+                </a:solidFill>
+                <a:latin typeface="Consolas" panose="020B0609020204030204" pitchFamily="49" charset="0"/>
+              </a:rPr>
+              <a:t>; i++) printf(</a:t>
+            </a:r>
+            <a:r>
+              <a:rPr lang="nn-NO" dirty="0">
+                <a:solidFill>
+                  <a:srgbClr val="A31515"/>
+                </a:solidFill>
+                <a:latin typeface="Consolas" panose="020B0609020204030204" pitchFamily="49" charset="0"/>
+              </a:rPr>
+              <a:t>" %.2x"</a:t>
+            </a:r>
+            <a:r>
+              <a:rPr lang="nn-NO" dirty="0">
+                <a:solidFill>
+                  <a:srgbClr val="000000"/>
+                </a:solidFill>
+                <a:latin typeface="Consolas" panose="020B0609020204030204" pitchFamily="49" charset="0"/>
+              </a:rPr>
+              <a:t>, </a:t>
+            </a:r>
+            <a:r>
+              <a:rPr lang="nn-NO" dirty="0">
+                <a:solidFill>
+                  <a:srgbClr val="808080"/>
+                </a:solidFill>
+                <a:latin typeface="Consolas" panose="020B0609020204030204" pitchFamily="49" charset="0"/>
+              </a:rPr>
+              <a:t>value</a:t>
+            </a:r>
+            <a:r>
+              <a:rPr lang="nn-NO" dirty="0">
+                <a:solidFill>
+                  <a:srgbClr val="000000"/>
+                </a:solidFill>
+                <a:latin typeface="Consolas" panose="020B0609020204030204" pitchFamily="49" charset="0"/>
+              </a:rPr>
+              <a:t>[i]);</a:t>
+            </a:r>
+          </a:p>
+          <a:p>
+            <a:r>
+              <a:rPr lang="en-IN" dirty="0">
+                <a:solidFill>
+                  <a:srgbClr val="000000"/>
+                </a:solidFill>
+                <a:latin typeface="Consolas" panose="020B0609020204030204" pitchFamily="49" charset="0"/>
+              </a:rPr>
+              <a:t>}</a:t>
+            </a:r>
+          </a:p>
+          <a:p>
+            <a:r>
+              <a:rPr lang="en-IN" dirty="0">
+                <a:solidFill>
+                  <a:srgbClr val="0000FF"/>
+                </a:solidFill>
+                <a:latin typeface="Consolas" panose="020B0609020204030204" pitchFamily="49" charset="0"/>
+              </a:rPr>
+              <a:t>int</a:t>
+            </a:r>
+            <a:r>
+              <a:rPr lang="en-IN" dirty="0">
+                <a:solidFill>
+                  <a:srgbClr val="000000"/>
+                </a:solidFill>
+                <a:latin typeface="Consolas" panose="020B0609020204030204" pitchFamily="49" charset="0"/>
+              </a:rPr>
+              <a:t> main() {</a:t>
+            </a:r>
+          </a:p>
+          <a:p>
+            <a:r>
+              <a:rPr lang="en-IN" dirty="0">
+                <a:solidFill>
+                  <a:srgbClr val="000000"/>
+                </a:solidFill>
+                <a:latin typeface="Consolas" panose="020B0609020204030204" pitchFamily="49" charset="0"/>
+              </a:rPr>
+              <a:t>  {</a:t>
+            </a:r>
+          </a:p>
+          <a:p>
+            <a:r>
+              <a:rPr lang="en-IN" dirty="0">
+                <a:solidFill>
+                  <a:srgbClr val="000000"/>
+                </a:solidFill>
+                <a:latin typeface="Consolas" panose="020B0609020204030204" pitchFamily="49" charset="0"/>
+              </a:rPr>
+              <a:t>    </a:t>
+            </a:r>
+            <a:r>
+              <a:rPr lang="en-IN" dirty="0">
+                <a:solidFill>
+                  <a:srgbClr val="0000FF"/>
+                </a:solidFill>
+                <a:latin typeface="Consolas" panose="020B0609020204030204" pitchFamily="49" charset="0"/>
+              </a:rPr>
+              <a:t>unsigned</a:t>
+            </a:r>
+            <a:r>
+              <a:rPr lang="en-IN" dirty="0">
+                <a:solidFill>
+                  <a:srgbClr val="000000"/>
+                </a:solidFill>
+                <a:latin typeface="Consolas" panose="020B0609020204030204" pitchFamily="49" charset="0"/>
+              </a:rPr>
+              <a:t> </a:t>
+            </a:r>
+            <a:r>
+              <a:rPr lang="en-IN" dirty="0">
+                <a:solidFill>
+                  <a:srgbClr val="0000FF"/>
+                </a:solidFill>
+                <a:latin typeface="Consolas" panose="020B0609020204030204" pitchFamily="49" charset="0"/>
+              </a:rPr>
+              <a:t>short</a:t>
+            </a:r>
+            <a:r>
+              <a:rPr lang="en-IN" dirty="0">
+                <a:solidFill>
+                  <a:srgbClr val="000000"/>
+                </a:solidFill>
+                <a:latin typeface="Consolas" panose="020B0609020204030204" pitchFamily="49" charset="0"/>
+              </a:rPr>
+              <a:t> x = 32000;</a:t>
+            </a:r>
+          </a:p>
+          <a:p>
+            <a:r>
+              <a:rPr lang="en-IN" dirty="0">
+                <a:solidFill>
+                  <a:srgbClr val="000000"/>
+                </a:solidFill>
+                <a:latin typeface="Consolas" panose="020B0609020204030204" pitchFamily="49" charset="0"/>
+              </a:rPr>
+              <a:t>    </a:t>
+            </a:r>
+            <a:r>
+              <a:rPr lang="en-IN" dirty="0">
+                <a:solidFill>
+                  <a:srgbClr val="0000FF"/>
+                </a:solidFill>
+                <a:latin typeface="Consolas" panose="020B0609020204030204" pitchFamily="49" charset="0"/>
+              </a:rPr>
+              <a:t>unsigned</a:t>
+            </a:r>
+            <a:r>
+              <a:rPr lang="en-IN" dirty="0">
+                <a:solidFill>
+                  <a:srgbClr val="000000"/>
+                </a:solidFill>
+                <a:latin typeface="Consolas" panose="020B0609020204030204" pitchFamily="49" charset="0"/>
+              </a:rPr>
+              <a:t> </a:t>
+            </a:r>
+            <a:r>
+              <a:rPr lang="en-IN" dirty="0">
+                <a:solidFill>
+                  <a:srgbClr val="0000FF"/>
+                </a:solidFill>
+                <a:latin typeface="Consolas" panose="020B0609020204030204" pitchFamily="49" charset="0"/>
+              </a:rPr>
+              <a:t>short</a:t>
+            </a:r>
+            <a:r>
+              <a:rPr lang="en-IN" dirty="0">
+                <a:solidFill>
+                  <a:srgbClr val="000000"/>
+                </a:solidFill>
+                <a:latin typeface="Consolas" panose="020B0609020204030204" pitchFamily="49" charset="0"/>
+              </a:rPr>
+              <a:t> y;</a:t>
+            </a:r>
+          </a:p>
+          <a:p>
+            <a:r>
+              <a:rPr lang="en-IN" dirty="0">
+                <a:solidFill>
+                  <a:srgbClr val="000000"/>
+                </a:solidFill>
+                <a:latin typeface="Consolas" panose="020B0609020204030204" pitchFamily="49" charset="0"/>
+              </a:rPr>
+              <a:t>    </a:t>
+            </a:r>
+            <a:r>
+              <a:rPr lang="en-IN" dirty="0" err="1">
+                <a:solidFill>
+                  <a:srgbClr val="000000"/>
+                </a:solidFill>
+                <a:latin typeface="Consolas" panose="020B0609020204030204" pitchFamily="49" charset="0"/>
+              </a:rPr>
+              <a:t>cout</a:t>
+            </a:r>
+            <a:r>
+              <a:rPr lang="en-IN" dirty="0">
+                <a:solidFill>
+                  <a:srgbClr val="000000"/>
+                </a:solidFill>
+                <a:latin typeface="Consolas" panose="020B0609020204030204" pitchFamily="49" charset="0"/>
+              </a:rPr>
+              <a:t> </a:t>
+            </a:r>
+            <a:r>
+              <a:rPr lang="en-IN" dirty="0">
+                <a:solidFill>
+                  <a:srgbClr val="008080"/>
+                </a:solidFill>
+                <a:latin typeface="Consolas" panose="020B0609020204030204" pitchFamily="49" charset="0"/>
+              </a:rPr>
+              <a:t>&lt;&lt;</a:t>
+            </a:r>
+            <a:r>
+              <a:rPr lang="en-IN" dirty="0">
+                <a:solidFill>
+                  <a:srgbClr val="000000"/>
+                </a:solidFill>
+                <a:latin typeface="Consolas" panose="020B0609020204030204" pitchFamily="49" charset="0"/>
+              </a:rPr>
+              <a:t> </a:t>
+            </a:r>
+            <a:r>
+              <a:rPr lang="en-IN" dirty="0">
+                <a:solidFill>
+                  <a:srgbClr val="A31515"/>
+                </a:solidFill>
+                <a:latin typeface="Consolas" panose="020B0609020204030204" pitchFamily="49" charset="0"/>
+              </a:rPr>
+              <a:t>"The little endian value is: "</a:t>
+            </a:r>
+            <a:r>
+              <a:rPr lang="en-IN" dirty="0">
+                <a:solidFill>
+                  <a:srgbClr val="000000"/>
+                </a:solidFill>
+                <a:latin typeface="Consolas" panose="020B0609020204030204" pitchFamily="49" charset="0"/>
+              </a:rPr>
+              <a:t>;</a:t>
+            </a:r>
+          </a:p>
+          <a:p>
+            <a:r>
+              <a:rPr lang="en-IN" dirty="0">
+                <a:solidFill>
+                  <a:srgbClr val="000000"/>
+                </a:solidFill>
+                <a:latin typeface="Consolas" panose="020B0609020204030204" pitchFamily="49" charset="0"/>
+              </a:rPr>
+              <a:t>    </a:t>
+            </a:r>
+            <a:r>
+              <a:rPr lang="en-IN" dirty="0" err="1">
+                <a:solidFill>
+                  <a:srgbClr val="000000"/>
+                </a:solidFill>
+                <a:latin typeface="Consolas" panose="020B0609020204030204" pitchFamily="49" charset="0"/>
+              </a:rPr>
+              <a:t>memory_represent</a:t>
+            </a:r>
+            <a:r>
+              <a:rPr lang="en-IN" dirty="0">
+                <a:solidFill>
+                  <a:srgbClr val="000000"/>
+                </a:solidFill>
+                <a:latin typeface="Consolas" panose="020B0609020204030204" pitchFamily="49" charset="0"/>
+              </a:rPr>
+              <a:t>((</a:t>
+            </a:r>
+            <a:r>
+              <a:rPr lang="en-IN" dirty="0">
+                <a:solidFill>
+                  <a:srgbClr val="0000FF"/>
+                </a:solidFill>
+                <a:latin typeface="Consolas" panose="020B0609020204030204" pitchFamily="49" charset="0"/>
+              </a:rPr>
+              <a:t>char</a:t>
+            </a:r>
+            <a:r>
+              <a:rPr lang="en-IN" dirty="0">
+                <a:solidFill>
+                  <a:srgbClr val="000000"/>
+                </a:solidFill>
+                <a:latin typeface="Consolas" panose="020B0609020204030204" pitchFamily="49" charset="0"/>
+              </a:rPr>
+              <a:t> *)&amp;x, </a:t>
+            </a:r>
+            <a:r>
+              <a:rPr lang="en-IN" dirty="0" err="1">
+                <a:solidFill>
+                  <a:srgbClr val="0000FF"/>
+                </a:solidFill>
+                <a:latin typeface="Consolas" panose="020B0609020204030204" pitchFamily="49" charset="0"/>
+              </a:rPr>
+              <a:t>sizeof</a:t>
+            </a:r>
+            <a:r>
+              <a:rPr lang="en-IN" dirty="0">
+                <a:solidFill>
+                  <a:srgbClr val="000000"/>
+                </a:solidFill>
+                <a:latin typeface="Consolas" panose="020B0609020204030204" pitchFamily="49" charset="0"/>
+              </a:rPr>
+              <a:t>(x));</a:t>
+            </a:r>
+          </a:p>
+          <a:p>
+            <a:r>
+              <a:rPr lang="en-IN" dirty="0">
+                <a:solidFill>
+                  <a:srgbClr val="000000"/>
+                </a:solidFill>
+                <a:latin typeface="Consolas" panose="020B0609020204030204" pitchFamily="49" charset="0"/>
+              </a:rPr>
+              <a:t>    </a:t>
+            </a:r>
+            <a:r>
+              <a:rPr lang="en-IN" dirty="0" err="1">
+                <a:solidFill>
+                  <a:srgbClr val="000000"/>
+                </a:solidFill>
+                <a:latin typeface="Consolas" panose="020B0609020204030204" pitchFamily="49" charset="0"/>
+              </a:rPr>
+              <a:t>cout</a:t>
+            </a:r>
+            <a:r>
+              <a:rPr lang="en-IN" dirty="0">
+                <a:solidFill>
+                  <a:srgbClr val="000000"/>
+                </a:solidFill>
+                <a:latin typeface="Consolas" panose="020B0609020204030204" pitchFamily="49" charset="0"/>
+              </a:rPr>
+              <a:t> </a:t>
+            </a:r>
+            <a:r>
+              <a:rPr lang="en-IN" dirty="0">
+                <a:solidFill>
+                  <a:srgbClr val="008080"/>
+                </a:solidFill>
+                <a:latin typeface="Consolas" panose="020B0609020204030204" pitchFamily="49" charset="0"/>
+              </a:rPr>
+              <a:t>&lt;&lt;</a:t>
+            </a:r>
+            <a:r>
+              <a:rPr lang="en-IN" dirty="0">
+                <a:solidFill>
+                  <a:srgbClr val="000000"/>
+                </a:solidFill>
+                <a:latin typeface="Consolas" panose="020B0609020204030204" pitchFamily="49" charset="0"/>
+              </a:rPr>
+              <a:t> </a:t>
+            </a:r>
+            <a:r>
+              <a:rPr lang="en-IN" dirty="0" err="1">
+                <a:solidFill>
+                  <a:srgbClr val="000000"/>
+                </a:solidFill>
+                <a:latin typeface="Consolas" panose="020B0609020204030204" pitchFamily="49" charset="0"/>
+              </a:rPr>
+              <a:t>endl</a:t>
+            </a:r>
+            <a:r>
+              <a:rPr lang="en-IN" dirty="0">
+                <a:solidFill>
+                  <a:srgbClr val="000000"/>
+                </a:solidFill>
+                <a:latin typeface="Consolas" panose="020B0609020204030204" pitchFamily="49" charset="0"/>
+              </a:rPr>
+              <a:t>;</a:t>
+            </a:r>
+          </a:p>
+          <a:p>
+            <a:r>
+              <a:rPr lang="en-IN" dirty="0">
+                <a:solidFill>
+                  <a:srgbClr val="000000"/>
+                </a:solidFill>
+                <a:latin typeface="Consolas" panose="020B0609020204030204" pitchFamily="49" charset="0"/>
+              </a:rPr>
+              <a:t>    y = _</a:t>
+            </a:r>
+            <a:r>
+              <a:rPr lang="en-IN" dirty="0" err="1">
+                <a:solidFill>
+                  <a:srgbClr val="000000"/>
+                </a:solidFill>
+                <a:latin typeface="Consolas" panose="020B0609020204030204" pitchFamily="49" charset="0"/>
+              </a:rPr>
+              <a:t>byteswap_ushort</a:t>
+            </a:r>
+            <a:r>
+              <a:rPr lang="en-IN" dirty="0">
+                <a:solidFill>
+                  <a:srgbClr val="000000"/>
+                </a:solidFill>
+                <a:latin typeface="Consolas" panose="020B0609020204030204" pitchFamily="49" charset="0"/>
+              </a:rPr>
+              <a:t>(x);    </a:t>
+            </a:r>
+          </a:p>
+          <a:p>
+            <a:r>
+              <a:rPr lang="en-IN" dirty="0">
+                <a:solidFill>
+                  <a:srgbClr val="000000"/>
+                </a:solidFill>
+                <a:latin typeface="Consolas" panose="020B0609020204030204" pitchFamily="49" charset="0"/>
+              </a:rPr>
+              <a:t>    y = </a:t>
+            </a:r>
+            <a:r>
+              <a:rPr lang="en-IN" dirty="0">
+                <a:solidFill>
+                  <a:srgbClr val="6F008A"/>
+                </a:solidFill>
+                <a:latin typeface="Consolas" panose="020B0609020204030204" pitchFamily="49" charset="0"/>
+              </a:rPr>
+              <a:t>SWAP_INT16</a:t>
+            </a:r>
+            <a:r>
+              <a:rPr lang="en-IN" dirty="0">
+                <a:solidFill>
+                  <a:srgbClr val="000000"/>
+                </a:solidFill>
+                <a:latin typeface="Consolas" panose="020B0609020204030204" pitchFamily="49" charset="0"/>
+              </a:rPr>
+              <a:t>(x);</a:t>
+            </a:r>
+          </a:p>
+          <a:p>
+            <a:r>
+              <a:rPr lang="en-IN" dirty="0">
+                <a:solidFill>
+                  <a:srgbClr val="000000"/>
+                </a:solidFill>
+                <a:latin typeface="Consolas" panose="020B0609020204030204" pitchFamily="49" charset="0"/>
+              </a:rPr>
+              <a:t>    </a:t>
+            </a:r>
+            <a:r>
+              <a:rPr lang="en-IN" dirty="0" err="1">
+                <a:solidFill>
+                  <a:srgbClr val="000000"/>
+                </a:solidFill>
+                <a:latin typeface="Consolas" panose="020B0609020204030204" pitchFamily="49" charset="0"/>
+              </a:rPr>
+              <a:t>cout</a:t>
+            </a:r>
+            <a:r>
+              <a:rPr lang="en-IN" dirty="0">
+                <a:solidFill>
+                  <a:srgbClr val="000000"/>
+                </a:solidFill>
+                <a:latin typeface="Consolas" panose="020B0609020204030204" pitchFamily="49" charset="0"/>
+              </a:rPr>
+              <a:t> </a:t>
+            </a:r>
+            <a:r>
+              <a:rPr lang="en-IN" dirty="0">
+                <a:solidFill>
+                  <a:srgbClr val="008080"/>
+                </a:solidFill>
+                <a:latin typeface="Consolas" panose="020B0609020204030204" pitchFamily="49" charset="0"/>
+              </a:rPr>
+              <a:t>&lt;&lt;</a:t>
+            </a:r>
+            <a:r>
+              <a:rPr lang="en-IN" dirty="0">
+                <a:solidFill>
+                  <a:srgbClr val="000000"/>
+                </a:solidFill>
+                <a:latin typeface="Consolas" panose="020B0609020204030204" pitchFamily="49" charset="0"/>
+              </a:rPr>
+              <a:t> </a:t>
+            </a:r>
+            <a:r>
+              <a:rPr lang="en-IN" dirty="0">
+                <a:solidFill>
+                  <a:srgbClr val="A31515"/>
+                </a:solidFill>
+                <a:latin typeface="Consolas" panose="020B0609020204030204" pitchFamily="49" charset="0"/>
+              </a:rPr>
+              <a:t>"The Big endian value after conversion is: "</a:t>
+            </a:r>
+            <a:r>
+              <a:rPr lang="en-IN" dirty="0">
+                <a:solidFill>
+                  <a:srgbClr val="000000"/>
+                </a:solidFill>
+                <a:latin typeface="Consolas" panose="020B0609020204030204" pitchFamily="49" charset="0"/>
+              </a:rPr>
+              <a:t>;</a:t>
+            </a:r>
+          </a:p>
+          <a:p>
+            <a:r>
+              <a:rPr lang="en-IN" dirty="0">
+                <a:solidFill>
+                  <a:srgbClr val="000000"/>
+                </a:solidFill>
+                <a:latin typeface="Consolas" panose="020B0609020204030204" pitchFamily="49" charset="0"/>
+              </a:rPr>
+              <a:t>    </a:t>
+            </a:r>
+            <a:r>
+              <a:rPr lang="en-IN" dirty="0" err="1">
+                <a:solidFill>
+                  <a:srgbClr val="000000"/>
+                </a:solidFill>
+                <a:latin typeface="Consolas" panose="020B0609020204030204" pitchFamily="49" charset="0"/>
+              </a:rPr>
+              <a:t>memory_represent</a:t>
+            </a:r>
+            <a:r>
+              <a:rPr lang="en-IN" dirty="0">
+                <a:solidFill>
+                  <a:srgbClr val="000000"/>
+                </a:solidFill>
+                <a:latin typeface="Consolas" panose="020B0609020204030204" pitchFamily="49" charset="0"/>
+              </a:rPr>
+              <a:t>((</a:t>
+            </a:r>
+            <a:r>
+              <a:rPr lang="en-IN" dirty="0">
+                <a:solidFill>
+                  <a:srgbClr val="0000FF"/>
+                </a:solidFill>
+                <a:latin typeface="Consolas" panose="020B0609020204030204" pitchFamily="49" charset="0"/>
+              </a:rPr>
+              <a:t>char</a:t>
+            </a:r>
+            <a:r>
+              <a:rPr lang="en-IN" dirty="0">
+                <a:solidFill>
+                  <a:srgbClr val="000000"/>
+                </a:solidFill>
+                <a:latin typeface="Consolas" panose="020B0609020204030204" pitchFamily="49" charset="0"/>
+              </a:rPr>
+              <a:t> *)&amp;y, </a:t>
+            </a:r>
+            <a:r>
+              <a:rPr lang="en-IN" dirty="0" err="1">
+                <a:solidFill>
+                  <a:srgbClr val="0000FF"/>
+                </a:solidFill>
+                <a:latin typeface="Consolas" panose="020B0609020204030204" pitchFamily="49" charset="0"/>
+              </a:rPr>
+              <a:t>sizeof</a:t>
+            </a:r>
+            <a:r>
+              <a:rPr lang="en-IN" dirty="0">
+                <a:solidFill>
+                  <a:srgbClr val="000000"/>
+                </a:solidFill>
+                <a:latin typeface="Consolas" panose="020B0609020204030204" pitchFamily="49" charset="0"/>
+              </a:rPr>
+              <a:t>(y));</a:t>
+            </a:r>
+          </a:p>
+          <a:p>
+            <a:r>
+              <a:rPr lang="en-IN" dirty="0">
+                <a:solidFill>
+                  <a:srgbClr val="000000"/>
+                </a:solidFill>
+                <a:latin typeface="Consolas" panose="020B0609020204030204" pitchFamily="49" charset="0"/>
+              </a:rPr>
+              <a:t>    </a:t>
+            </a:r>
+            <a:r>
+              <a:rPr lang="en-IN" dirty="0" err="1">
+                <a:solidFill>
+                  <a:srgbClr val="000000"/>
+                </a:solidFill>
+                <a:latin typeface="Consolas" panose="020B0609020204030204" pitchFamily="49" charset="0"/>
+              </a:rPr>
+              <a:t>cout</a:t>
+            </a:r>
+            <a:r>
+              <a:rPr lang="en-IN" dirty="0">
+                <a:solidFill>
+                  <a:srgbClr val="000000"/>
+                </a:solidFill>
+                <a:latin typeface="Consolas" panose="020B0609020204030204" pitchFamily="49" charset="0"/>
+              </a:rPr>
+              <a:t> </a:t>
+            </a:r>
+            <a:r>
+              <a:rPr lang="en-IN" dirty="0">
+                <a:solidFill>
+                  <a:srgbClr val="008080"/>
+                </a:solidFill>
+                <a:latin typeface="Consolas" panose="020B0609020204030204" pitchFamily="49" charset="0"/>
+              </a:rPr>
+              <a:t>&lt;&lt;</a:t>
+            </a:r>
+            <a:r>
+              <a:rPr lang="en-IN" dirty="0">
+                <a:solidFill>
+                  <a:srgbClr val="000000"/>
+                </a:solidFill>
+                <a:latin typeface="Consolas" panose="020B0609020204030204" pitchFamily="49" charset="0"/>
+              </a:rPr>
+              <a:t> </a:t>
+            </a:r>
+            <a:r>
+              <a:rPr lang="en-IN" dirty="0" err="1">
+                <a:solidFill>
+                  <a:srgbClr val="000000"/>
+                </a:solidFill>
+                <a:latin typeface="Consolas" panose="020B0609020204030204" pitchFamily="49" charset="0"/>
+              </a:rPr>
+              <a:t>endl</a:t>
+            </a:r>
+            <a:r>
+              <a:rPr lang="en-IN" dirty="0">
+                <a:solidFill>
+                  <a:srgbClr val="000000"/>
+                </a:solidFill>
+                <a:latin typeface="Consolas" panose="020B0609020204030204" pitchFamily="49" charset="0"/>
+              </a:rPr>
+              <a:t>;</a:t>
+            </a:r>
+          </a:p>
+          <a:p>
+            <a:r>
+              <a:rPr lang="en-IN" dirty="0">
+                <a:solidFill>
+                  <a:srgbClr val="000000"/>
+                </a:solidFill>
+                <a:latin typeface="Consolas" panose="020B0609020204030204" pitchFamily="49" charset="0"/>
+              </a:rPr>
+              <a:t>}</a:t>
+            </a:r>
+            <a:endParaRPr lang="en-IN" dirty="0"/>
+          </a:p>
+        </p:txBody>
+      </p:sp>
+      <p:sp>
+        <p:nvSpPr>
+          <p:cNvPr id="8" name="Rectangle: Rounded Corners 7">
+            <a:extLst>
+              <a:ext uri="{FF2B5EF4-FFF2-40B4-BE49-F238E27FC236}">
+                <a16:creationId xmlns:a16="http://schemas.microsoft.com/office/drawing/2014/main" id="{BDC18E9F-5E7B-4EB0-916A-3BEF194DCDCF}"/>
+              </a:ext>
+            </a:extLst>
+          </p:cNvPr>
+          <p:cNvSpPr/>
+          <p:nvPr/>
+        </p:nvSpPr>
+        <p:spPr>
+          <a:xfrm>
+            <a:off x="7892729" y="5943600"/>
+            <a:ext cx="3918969" cy="914400"/>
+          </a:xfrm>
+          <a:prstGeom prst="roundRect">
+            <a:avLst/>
+          </a:prstGeom>
+        </p:spPr>
+        <p:style>
+          <a:lnRef idx="2">
+            <a:schemeClr val="accent1">
+              <a:shade val="50000"/>
+            </a:schemeClr>
+          </a:lnRef>
+          <a:fillRef idx="1">
+            <a:schemeClr val="accent1"/>
+          </a:fillRef>
+          <a:effectRef idx="0">
+            <a:schemeClr val="accent1"/>
+          </a:effectRef>
+          <a:fontRef idx="minor">
+            <a:schemeClr val="lt1"/>
+          </a:fontRef>
+        </p:style>
+        <p:txBody>
+          <a:bodyPr rtlCol="0" anchor="ctr"/>
+          <a:lstStyle/>
+          <a:p>
+            <a:pPr algn="ctr"/>
+            <a:r>
               <a:rPr lang="en-IN" dirty="0"/>
-              <a:t>Header</a:t>
-            </a:r>
+              <a:t>Convert between little endian and big endian</a:t>
+            </a:r>
+          </a:p>
+        </p:txBody>
+      </p:sp>
+      <p:cxnSp>
+        <p:nvCxnSpPr>
+          <p:cNvPr id="10" name="Straight Arrow Connector 9">
+            <a:extLst>
+              <a:ext uri="{FF2B5EF4-FFF2-40B4-BE49-F238E27FC236}">
+                <a16:creationId xmlns:a16="http://schemas.microsoft.com/office/drawing/2014/main" id="{3B26B4DE-E22C-4A72-AE02-812A9DA5B57F}"/>
+              </a:ext>
+            </a:extLst>
+          </p:cNvPr>
+          <p:cNvCxnSpPr>
+            <a:stCxn id="8" idx="1"/>
+          </p:cNvCxnSpPr>
+          <p:nvPr/>
+        </p:nvCxnSpPr>
+        <p:spPr>
+          <a:xfrm flipH="1" flipV="1">
+            <a:off x="4261607" y="5421142"/>
+            <a:ext cx="3631122" cy="979658"/>
+          </a:xfrm>
+          <a:prstGeom prst="straightConnector1">
+            <a:avLst/>
+          </a:prstGeom>
+          <a:ln>
+            <a:tailEnd type="triangle"/>
+          </a:ln>
+        </p:spPr>
+        <p:style>
+          <a:lnRef idx="1">
+            <a:schemeClr val="accent1"/>
+          </a:lnRef>
+          <a:fillRef idx="0">
+            <a:schemeClr val="accent1"/>
+          </a:fillRef>
+          <a:effectRef idx="0">
+            <a:schemeClr val="accent1"/>
+          </a:effectRef>
+          <a:fontRef idx="minor">
+            <a:schemeClr val="tx1"/>
+          </a:fontRef>
+        </p:style>
+      </p:cxnSp>
+      <p:sp>
+        <p:nvSpPr>
+          <p:cNvPr id="11" name="Right Brace 10">
+            <a:extLst>
+              <a:ext uri="{FF2B5EF4-FFF2-40B4-BE49-F238E27FC236}">
+                <a16:creationId xmlns:a16="http://schemas.microsoft.com/office/drawing/2014/main" id="{30A884AB-8EB8-40F9-833F-00C86B8A438A}"/>
+              </a:ext>
+            </a:extLst>
+          </p:cNvPr>
+          <p:cNvSpPr/>
+          <p:nvPr/>
+        </p:nvSpPr>
+        <p:spPr>
+          <a:xfrm>
+            <a:off x="3833769" y="4983061"/>
+            <a:ext cx="335559" cy="629174"/>
+          </a:xfrm>
+          <a:prstGeom prst="rightBrace">
+            <a:avLst/>
+          </a:prstGeom>
+        </p:spPr>
+        <p:style>
+          <a:lnRef idx="1">
+            <a:schemeClr val="accent1"/>
+          </a:lnRef>
+          <a:fillRef idx="0">
+            <a:schemeClr val="accent1"/>
+          </a:fillRef>
+          <a:effectRef idx="0">
+            <a:schemeClr val="accent1"/>
+          </a:effectRef>
+          <a:fontRef idx="minor">
+            <a:schemeClr val="tx1"/>
+          </a:fontRef>
+        </p:style>
+        <p:txBody>
+          <a:bodyPr rtlCol="0" anchor="ctr"/>
+          <a:lstStyle/>
+          <a:p>
+            <a:pPr algn="ctr"/>
+            <a:endParaRPr lang="en-IN"/>
           </a:p>
         </p:txBody>
       </p:sp>
@@ -14159,9 +15235,713 @@
           <a:lstStyle/>
           <a:p>
             <a:r>
-              <a:rPr lang="en-IN" dirty="0"/>
-              <a:t>Header</a:t>
-            </a:r>
+              <a:rPr lang="en-IN" b="1" dirty="0">
+                <a:latin typeface="Roboto"/>
+              </a:rPr>
+              <a:t>2 ways to pass pointer and allocate memory to it.</a:t>
+            </a:r>
+            <a:endParaRPr lang="en-IN" dirty="0"/>
+          </a:p>
+        </p:txBody>
+      </p:sp>
+      <p:sp>
+        <p:nvSpPr>
+          <p:cNvPr id="3" name="Rectangle 2">
+            <a:extLst>
+              <a:ext uri="{FF2B5EF4-FFF2-40B4-BE49-F238E27FC236}">
+                <a16:creationId xmlns:a16="http://schemas.microsoft.com/office/drawing/2014/main" id="{F1104B9F-BB3C-4127-8196-59C508771EEE}"/>
+              </a:ext>
+            </a:extLst>
+          </p:cNvPr>
+          <p:cNvSpPr/>
+          <p:nvPr/>
+        </p:nvSpPr>
+        <p:spPr>
+          <a:xfrm>
+            <a:off x="699082" y="2840852"/>
+            <a:ext cx="7052346" cy="3416320"/>
+          </a:xfrm>
+          <a:prstGeom prst="rect">
+            <a:avLst/>
+          </a:prstGeom>
+        </p:spPr>
+        <p:txBody>
+          <a:bodyPr wrap="square">
+            <a:spAutoFit/>
+          </a:bodyPr>
+          <a:lstStyle/>
+          <a:p>
+            <a:r>
+              <a:rPr lang="en-IN" dirty="0">
+                <a:solidFill>
+                  <a:srgbClr val="0000FF"/>
+                </a:solidFill>
+                <a:latin typeface="Consolas" panose="020B0609020204030204" pitchFamily="49" charset="0"/>
+              </a:rPr>
+              <a:t>void</a:t>
+            </a:r>
+            <a:r>
+              <a:rPr lang="en-IN" dirty="0">
+                <a:solidFill>
+                  <a:srgbClr val="000000"/>
+                </a:solidFill>
+                <a:latin typeface="Consolas" panose="020B0609020204030204" pitchFamily="49" charset="0"/>
+              </a:rPr>
+              <a:t> </a:t>
+            </a:r>
+            <a:r>
+              <a:rPr lang="en-IN" dirty="0" err="1">
+                <a:solidFill>
+                  <a:srgbClr val="000000"/>
+                </a:solidFill>
+                <a:latin typeface="Consolas" panose="020B0609020204030204" pitchFamily="49" charset="0"/>
+              </a:rPr>
+              <a:t>func</a:t>
+            </a:r>
+            <a:r>
+              <a:rPr lang="en-IN" dirty="0">
+                <a:solidFill>
+                  <a:srgbClr val="000000"/>
+                </a:solidFill>
+                <a:latin typeface="Consolas" panose="020B0609020204030204" pitchFamily="49" charset="0"/>
+              </a:rPr>
+              <a:t>(</a:t>
+            </a:r>
+            <a:r>
+              <a:rPr lang="en-IN" dirty="0">
+                <a:solidFill>
+                  <a:srgbClr val="0000FF"/>
+                </a:solidFill>
+                <a:latin typeface="Consolas" panose="020B0609020204030204" pitchFamily="49" charset="0"/>
+              </a:rPr>
+              <a:t>int</a:t>
+            </a:r>
+            <a:r>
+              <a:rPr lang="en-IN" dirty="0">
+                <a:solidFill>
+                  <a:srgbClr val="000000"/>
+                </a:solidFill>
+                <a:latin typeface="Consolas" panose="020B0609020204030204" pitchFamily="49" charset="0"/>
+              </a:rPr>
+              <a:t>** </a:t>
+            </a:r>
+            <a:r>
+              <a:rPr lang="en-IN" dirty="0" err="1">
+                <a:solidFill>
+                  <a:srgbClr val="808080"/>
+                </a:solidFill>
+                <a:latin typeface="Consolas" panose="020B0609020204030204" pitchFamily="49" charset="0"/>
+              </a:rPr>
+              <a:t>ptr</a:t>
+            </a:r>
+            <a:r>
+              <a:rPr lang="en-IN" dirty="0">
+                <a:solidFill>
+                  <a:srgbClr val="000000"/>
+                </a:solidFill>
+                <a:latin typeface="Consolas" panose="020B0609020204030204" pitchFamily="49" charset="0"/>
+              </a:rPr>
+              <a:t>) { *</a:t>
+            </a:r>
+            <a:r>
+              <a:rPr lang="en-IN" dirty="0" err="1">
+                <a:solidFill>
+                  <a:srgbClr val="808080"/>
+                </a:solidFill>
+                <a:latin typeface="Consolas" panose="020B0609020204030204" pitchFamily="49" charset="0"/>
+              </a:rPr>
+              <a:t>ptr</a:t>
+            </a:r>
+            <a:r>
+              <a:rPr lang="en-IN" dirty="0">
+                <a:solidFill>
+                  <a:srgbClr val="000000"/>
+                </a:solidFill>
+                <a:latin typeface="Consolas" panose="020B0609020204030204" pitchFamily="49" charset="0"/>
+              </a:rPr>
+              <a:t> = </a:t>
+            </a:r>
+            <a:r>
+              <a:rPr lang="en-IN" dirty="0">
+                <a:solidFill>
+                  <a:srgbClr val="0000FF"/>
+                </a:solidFill>
+                <a:latin typeface="Consolas" panose="020B0609020204030204" pitchFamily="49" charset="0"/>
+              </a:rPr>
+              <a:t>new</a:t>
+            </a:r>
+            <a:r>
+              <a:rPr lang="en-IN" dirty="0">
+                <a:solidFill>
+                  <a:srgbClr val="000000"/>
+                </a:solidFill>
+                <a:latin typeface="Consolas" panose="020B0609020204030204" pitchFamily="49" charset="0"/>
+              </a:rPr>
+              <a:t> </a:t>
+            </a:r>
+            <a:r>
+              <a:rPr lang="en-IN" dirty="0">
+                <a:solidFill>
+                  <a:srgbClr val="0000FF"/>
+                </a:solidFill>
+                <a:latin typeface="Consolas" panose="020B0609020204030204" pitchFamily="49" charset="0"/>
+              </a:rPr>
+              <a:t>int</a:t>
+            </a:r>
+            <a:r>
+              <a:rPr lang="en-IN" dirty="0">
+                <a:solidFill>
+                  <a:srgbClr val="000000"/>
+                </a:solidFill>
+                <a:latin typeface="Consolas" panose="020B0609020204030204" pitchFamily="49" charset="0"/>
+              </a:rPr>
+              <a:t>(10); }</a:t>
+            </a:r>
+          </a:p>
+          <a:p>
+            <a:endParaRPr lang="en-IN" dirty="0">
+              <a:solidFill>
+                <a:srgbClr val="000000"/>
+              </a:solidFill>
+              <a:latin typeface="Consolas" panose="020B0609020204030204" pitchFamily="49" charset="0"/>
+            </a:endParaRPr>
+          </a:p>
+          <a:p>
+            <a:r>
+              <a:rPr lang="en-IN" dirty="0">
+                <a:solidFill>
+                  <a:srgbClr val="0000FF"/>
+                </a:solidFill>
+                <a:latin typeface="Consolas" panose="020B0609020204030204" pitchFamily="49" charset="0"/>
+              </a:rPr>
+              <a:t>int</a:t>
+            </a:r>
+            <a:r>
+              <a:rPr lang="en-IN" dirty="0">
+                <a:solidFill>
+                  <a:srgbClr val="000000"/>
+                </a:solidFill>
+                <a:latin typeface="Consolas" panose="020B0609020204030204" pitchFamily="49" charset="0"/>
+              </a:rPr>
+              <a:t>* f1() { </a:t>
+            </a:r>
+            <a:r>
+              <a:rPr lang="en-IN" dirty="0">
+                <a:solidFill>
+                  <a:srgbClr val="0000FF"/>
+                </a:solidFill>
+                <a:latin typeface="Consolas" panose="020B0609020204030204" pitchFamily="49" charset="0"/>
+              </a:rPr>
+              <a:t>return</a:t>
+            </a:r>
+            <a:r>
+              <a:rPr lang="en-IN" dirty="0">
+                <a:solidFill>
+                  <a:srgbClr val="000000"/>
+                </a:solidFill>
+                <a:latin typeface="Consolas" panose="020B0609020204030204" pitchFamily="49" charset="0"/>
+              </a:rPr>
+              <a:t> </a:t>
+            </a:r>
+            <a:r>
+              <a:rPr lang="en-IN" dirty="0">
+                <a:solidFill>
+                  <a:srgbClr val="0000FF"/>
+                </a:solidFill>
+                <a:latin typeface="Consolas" panose="020B0609020204030204" pitchFamily="49" charset="0"/>
+              </a:rPr>
+              <a:t>new</a:t>
+            </a:r>
+            <a:r>
+              <a:rPr lang="en-IN" dirty="0">
+                <a:solidFill>
+                  <a:srgbClr val="000000"/>
+                </a:solidFill>
+                <a:latin typeface="Consolas" panose="020B0609020204030204" pitchFamily="49" charset="0"/>
+              </a:rPr>
+              <a:t> </a:t>
+            </a:r>
+            <a:r>
+              <a:rPr lang="en-IN" dirty="0">
+                <a:solidFill>
+                  <a:srgbClr val="0000FF"/>
+                </a:solidFill>
+                <a:latin typeface="Consolas" panose="020B0609020204030204" pitchFamily="49" charset="0"/>
+              </a:rPr>
+              <a:t>int</a:t>
+            </a:r>
+            <a:r>
+              <a:rPr lang="en-IN" dirty="0">
+                <a:solidFill>
+                  <a:srgbClr val="000000"/>
+                </a:solidFill>
+                <a:latin typeface="Consolas" panose="020B0609020204030204" pitchFamily="49" charset="0"/>
+              </a:rPr>
+              <a:t>(20); }</a:t>
+            </a:r>
+          </a:p>
+          <a:p>
+            <a:endParaRPr lang="en-IN" dirty="0">
+              <a:solidFill>
+                <a:srgbClr val="000000"/>
+              </a:solidFill>
+              <a:latin typeface="Consolas" panose="020B0609020204030204" pitchFamily="49" charset="0"/>
+            </a:endParaRPr>
+          </a:p>
+          <a:p>
+            <a:r>
+              <a:rPr lang="en-IN" dirty="0">
+                <a:solidFill>
+                  <a:srgbClr val="0000FF"/>
+                </a:solidFill>
+                <a:latin typeface="Consolas" panose="020B0609020204030204" pitchFamily="49" charset="0"/>
+              </a:rPr>
+              <a:t>int</a:t>
+            </a:r>
+            <a:r>
+              <a:rPr lang="en-IN" dirty="0">
+                <a:solidFill>
+                  <a:srgbClr val="000000"/>
+                </a:solidFill>
+                <a:latin typeface="Consolas" panose="020B0609020204030204" pitchFamily="49" charset="0"/>
+              </a:rPr>
+              <a:t> main(</a:t>
+            </a:r>
+            <a:r>
+              <a:rPr lang="en-IN" dirty="0">
+                <a:solidFill>
+                  <a:srgbClr val="0000FF"/>
+                </a:solidFill>
+                <a:latin typeface="Consolas" panose="020B0609020204030204" pitchFamily="49" charset="0"/>
+              </a:rPr>
+              <a:t>int</a:t>
+            </a:r>
+            <a:r>
+              <a:rPr lang="en-IN" dirty="0">
+                <a:solidFill>
+                  <a:srgbClr val="000000"/>
+                </a:solidFill>
+                <a:latin typeface="Consolas" panose="020B0609020204030204" pitchFamily="49" charset="0"/>
+              </a:rPr>
+              <a:t> </a:t>
+            </a:r>
+            <a:r>
+              <a:rPr lang="en-IN" dirty="0" err="1">
+                <a:solidFill>
+                  <a:srgbClr val="808080"/>
+                </a:solidFill>
+                <a:latin typeface="Consolas" panose="020B0609020204030204" pitchFamily="49" charset="0"/>
+              </a:rPr>
+              <a:t>argc</a:t>
+            </a:r>
+            <a:r>
+              <a:rPr lang="en-IN" dirty="0">
+                <a:solidFill>
+                  <a:srgbClr val="000000"/>
+                </a:solidFill>
+                <a:latin typeface="Consolas" panose="020B0609020204030204" pitchFamily="49" charset="0"/>
+              </a:rPr>
+              <a:t>, </a:t>
+            </a:r>
+            <a:r>
+              <a:rPr lang="en-IN" dirty="0" err="1">
+                <a:solidFill>
+                  <a:srgbClr val="0000FF"/>
+                </a:solidFill>
+                <a:latin typeface="Consolas" panose="020B0609020204030204" pitchFamily="49" charset="0"/>
+              </a:rPr>
+              <a:t>const</a:t>
+            </a:r>
+            <a:r>
+              <a:rPr lang="en-IN" dirty="0">
+                <a:solidFill>
+                  <a:srgbClr val="000000"/>
+                </a:solidFill>
+                <a:latin typeface="Consolas" panose="020B0609020204030204" pitchFamily="49" charset="0"/>
+              </a:rPr>
+              <a:t> </a:t>
+            </a:r>
+            <a:r>
+              <a:rPr lang="en-IN" dirty="0">
+                <a:solidFill>
+                  <a:srgbClr val="0000FF"/>
+                </a:solidFill>
+                <a:latin typeface="Consolas" panose="020B0609020204030204" pitchFamily="49" charset="0"/>
+              </a:rPr>
+              <a:t>char</a:t>
+            </a:r>
+            <a:r>
+              <a:rPr lang="en-IN" dirty="0">
+                <a:solidFill>
+                  <a:srgbClr val="000000"/>
+                </a:solidFill>
+                <a:latin typeface="Consolas" panose="020B0609020204030204" pitchFamily="49" charset="0"/>
+              </a:rPr>
+              <a:t>* </a:t>
+            </a:r>
+            <a:r>
+              <a:rPr lang="en-IN" dirty="0" err="1">
+                <a:solidFill>
+                  <a:srgbClr val="808080"/>
+                </a:solidFill>
+                <a:latin typeface="Consolas" panose="020B0609020204030204" pitchFamily="49" charset="0"/>
+              </a:rPr>
+              <a:t>argv</a:t>
+            </a:r>
+            <a:r>
+              <a:rPr lang="en-IN" dirty="0">
+                <a:solidFill>
+                  <a:srgbClr val="000000"/>
+                </a:solidFill>
+                <a:latin typeface="Consolas" panose="020B0609020204030204" pitchFamily="49" charset="0"/>
+              </a:rPr>
+              <a:t>[]) {</a:t>
+            </a:r>
+          </a:p>
+          <a:p>
+            <a:endParaRPr lang="en-IN" dirty="0">
+              <a:solidFill>
+                <a:srgbClr val="000000"/>
+              </a:solidFill>
+              <a:latin typeface="Consolas" panose="020B0609020204030204" pitchFamily="49" charset="0"/>
+            </a:endParaRPr>
+          </a:p>
+          <a:p>
+            <a:r>
+              <a:rPr lang="en-IN" dirty="0">
+                <a:solidFill>
+                  <a:srgbClr val="000000"/>
+                </a:solidFill>
+                <a:latin typeface="Consolas" panose="020B0609020204030204" pitchFamily="49" charset="0"/>
+              </a:rPr>
+              <a:t>    </a:t>
+            </a:r>
+            <a:r>
+              <a:rPr lang="en-IN" dirty="0">
+                <a:solidFill>
+                  <a:srgbClr val="0000FF"/>
+                </a:solidFill>
+                <a:latin typeface="Consolas" panose="020B0609020204030204" pitchFamily="49" charset="0"/>
+              </a:rPr>
+              <a:t>int</a:t>
+            </a:r>
+            <a:r>
+              <a:rPr lang="en-IN" dirty="0">
+                <a:solidFill>
+                  <a:srgbClr val="000000"/>
+                </a:solidFill>
+                <a:latin typeface="Consolas" panose="020B0609020204030204" pitchFamily="49" charset="0"/>
+              </a:rPr>
+              <a:t>* </a:t>
+            </a:r>
+            <a:r>
+              <a:rPr lang="en-IN" dirty="0" err="1">
+                <a:solidFill>
+                  <a:srgbClr val="000000"/>
+                </a:solidFill>
+                <a:latin typeface="Consolas" panose="020B0609020204030204" pitchFamily="49" charset="0"/>
+              </a:rPr>
+              <a:t>ptr</a:t>
+            </a:r>
+            <a:r>
+              <a:rPr lang="en-IN" dirty="0">
+                <a:solidFill>
+                  <a:srgbClr val="000000"/>
+                </a:solidFill>
+                <a:latin typeface="Consolas" panose="020B0609020204030204" pitchFamily="49" charset="0"/>
+              </a:rPr>
+              <a:t> = </a:t>
+            </a:r>
+            <a:r>
+              <a:rPr lang="en-IN" dirty="0" err="1">
+                <a:solidFill>
+                  <a:srgbClr val="0000FF"/>
+                </a:solidFill>
+                <a:latin typeface="Consolas" panose="020B0609020204030204" pitchFamily="49" charset="0"/>
+              </a:rPr>
+              <a:t>nullptr</a:t>
+            </a:r>
+            <a:r>
+              <a:rPr lang="en-IN" dirty="0">
+                <a:solidFill>
+                  <a:srgbClr val="000000"/>
+                </a:solidFill>
+                <a:latin typeface="Consolas" panose="020B0609020204030204" pitchFamily="49" charset="0"/>
+              </a:rPr>
+              <a:t>;</a:t>
+            </a:r>
+          </a:p>
+          <a:p>
+            <a:r>
+              <a:rPr lang="en-IN" dirty="0">
+                <a:solidFill>
+                  <a:srgbClr val="000000"/>
+                </a:solidFill>
+                <a:latin typeface="Consolas" panose="020B0609020204030204" pitchFamily="49" charset="0"/>
+              </a:rPr>
+              <a:t>    </a:t>
+            </a:r>
+            <a:r>
+              <a:rPr lang="en-IN" dirty="0">
+                <a:solidFill>
+                  <a:srgbClr val="0000FF"/>
+                </a:solidFill>
+                <a:latin typeface="Consolas" panose="020B0609020204030204" pitchFamily="49" charset="0"/>
+              </a:rPr>
+              <a:t>int</a:t>
+            </a:r>
+            <a:r>
+              <a:rPr lang="en-IN" dirty="0">
+                <a:solidFill>
+                  <a:srgbClr val="000000"/>
+                </a:solidFill>
+                <a:latin typeface="Consolas" panose="020B0609020204030204" pitchFamily="49" charset="0"/>
+              </a:rPr>
+              <a:t>* p2 = f1();</a:t>
+            </a:r>
+          </a:p>
+          <a:p>
+            <a:r>
+              <a:rPr lang="en-IN" dirty="0">
+                <a:solidFill>
+                  <a:srgbClr val="000000"/>
+                </a:solidFill>
+                <a:latin typeface="Consolas" panose="020B0609020204030204" pitchFamily="49" charset="0"/>
+              </a:rPr>
+              <a:t>    </a:t>
+            </a:r>
+            <a:r>
+              <a:rPr lang="en-IN" dirty="0" err="1">
+                <a:solidFill>
+                  <a:srgbClr val="000000"/>
+                </a:solidFill>
+                <a:latin typeface="Consolas" panose="020B0609020204030204" pitchFamily="49" charset="0"/>
+              </a:rPr>
+              <a:t>func</a:t>
+            </a:r>
+            <a:r>
+              <a:rPr lang="en-IN" dirty="0">
+                <a:solidFill>
+                  <a:srgbClr val="000000"/>
+                </a:solidFill>
+                <a:latin typeface="Consolas" panose="020B0609020204030204" pitchFamily="49" charset="0"/>
+              </a:rPr>
+              <a:t>(&amp;</a:t>
+            </a:r>
+            <a:r>
+              <a:rPr lang="en-IN" dirty="0" err="1">
+                <a:solidFill>
+                  <a:srgbClr val="000000"/>
+                </a:solidFill>
+                <a:latin typeface="Consolas" panose="020B0609020204030204" pitchFamily="49" charset="0"/>
+              </a:rPr>
+              <a:t>ptr</a:t>
+            </a:r>
+            <a:r>
+              <a:rPr lang="en-IN" dirty="0">
+                <a:solidFill>
+                  <a:srgbClr val="000000"/>
+                </a:solidFill>
+                <a:latin typeface="Consolas" panose="020B0609020204030204" pitchFamily="49" charset="0"/>
+              </a:rPr>
+              <a:t>);</a:t>
+            </a:r>
+          </a:p>
+          <a:p>
+            <a:r>
+              <a:rPr lang="en-IN" dirty="0">
+                <a:solidFill>
+                  <a:srgbClr val="000000"/>
+                </a:solidFill>
+                <a:latin typeface="Consolas" panose="020B0609020204030204" pitchFamily="49" charset="0"/>
+              </a:rPr>
+              <a:t>    std::</a:t>
+            </a:r>
+            <a:r>
+              <a:rPr lang="en-IN" dirty="0" err="1">
+                <a:solidFill>
+                  <a:srgbClr val="000000"/>
+                </a:solidFill>
+                <a:latin typeface="Consolas" panose="020B0609020204030204" pitchFamily="49" charset="0"/>
+              </a:rPr>
+              <a:t>cout</a:t>
+            </a:r>
+            <a:r>
+              <a:rPr lang="en-IN" dirty="0">
+                <a:solidFill>
+                  <a:srgbClr val="000000"/>
+                </a:solidFill>
+                <a:latin typeface="Consolas" panose="020B0609020204030204" pitchFamily="49" charset="0"/>
+              </a:rPr>
+              <a:t> </a:t>
+            </a:r>
+            <a:r>
+              <a:rPr lang="en-IN" dirty="0">
+                <a:solidFill>
+                  <a:srgbClr val="008080"/>
+                </a:solidFill>
+                <a:latin typeface="Consolas" panose="020B0609020204030204" pitchFamily="49" charset="0"/>
+              </a:rPr>
+              <a:t>&lt;&lt;</a:t>
+            </a:r>
+            <a:r>
+              <a:rPr lang="en-IN" dirty="0">
+                <a:solidFill>
+                  <a:srgbClr val="000000"/>
+                </a:solidFill>
+                <a:latin typeface="Consolas" panose="020B0609020204030204" pitchFamily="49" charset="0"/>
+              </a:rPr>
+              <a:t> *</a:t>
+            </a:r>
+            <a:r>
+              <a:rPr lang="en-IN" dirty="0" err="1">
+                <a:solidFill>
+                  <a:srgbClr val="000000"/>
+                </a:solidFill>
+                <a:latin typeface="Consolas" panose="020B0609020204030204" pitchFamily="49" charset="0"/>
+              </a:rPr>
+              <a:t>ptr</a:t>
+            </a:r>
+            <a:r>
+              <a:rPr lang="en-IN" dirty="0">
+                <a:solidFill>
+                  <a:srgbClr val="000000"/>
+                </a:solidFill>
+                <a:latin typeface="Consolas" panose="020B0609020204030204" pitchFamily="49" charset="0"/>
+              </a:rPr>
+              <a:t> </a:t>
+            </a:r>
+            <a:r>
+              <a:rPr lang="en-IN" dirty="0">
+                <a:solidFill>
+                  <a:srgbClr val="008080"/>
+                </a:solidFill>
+                <a:latin typeface="Consolas" panose="020B0609020204030204" pitchFamily="49" charset="0"/>
+              </a:rPr>
+              <a:t>&lt;&lt;</a:t>
+            </a:r>
+            <a:r>
+              <a:rPr lang="en-IN" dirty="0">
+                <a:solidFill>
+                  <a:srgbClr val="000000"/>
+                </a:solidFill>
+                <a:latin typeface="Consolas" panose="020B0609020204030204" pitchFamily="49" charset="0"/>
+              </a:rPr>
+              <a:t> </a:t>
+            </a:r>
+            <a:r>
+              <a:rPr lang="en-IN" dirty="0">
+                <a:solidFill>
+                  <a:srgbClr val="A31515"/>
+                </a:solidFill>
+                <a:latin typeface="Consolas" panose="020B0609020204030204" pitchFamily="49" charset="0"/>
+              </a:rPr>
+              <a:t>"\n"</a:t>
+            </a:r>
+            <a:r>
+              <a:rPr lang="en-IN" dirty="0">
+                <a:solidFill>
+                  <a:srgbClr val="000000"/>
+                </a:solidFill>
+                <a:latin typeface="Consolas" panose="020B0609020204030204" pitchFamily="49" charset="0"/>
+              </a:rPr>
+              <a:t>;</a:t>
+            </a:r>
+          </a:p>
+          <a:p>
+            <a:r>
+              <a:rPr lang="en-IN" dirty="0">
+                <a:solidFill>
+                  <a:srgbClr val="000000"/>
+                </a:solidFill>
+                <a:latin typeface="Consolas" panose="020B0609020204030204" pitchFamily="49" charset="0"/>
+              </a:rPr>
+              <a:t>    std::</a:t>
+            </a:r>
+            <a:r>
+              <a:rPr lang="en-IN" dirty="0" err="1">
+                <a:solidFill>
+                  <a:srgbClr val="000000"/>
+                </a:solidFill>
+                <a:latin typeface="Consolas" panose="020B0609020204030204" pitchFamily="49" charset="0"/>
+              </a:rPr>
+              <a:t>cout</a:t>
+            </a:r>
+            <a:r>
+              <a:rPr lang="en-IN" dirty="0">
+                <a:solidFill>
+                  <a:srgbClr val="000000"/>
+                </a:solidFill>
+                <a:latin typeface="Consolas" panose="020B0609020204030204" pitchFamily="49" charset="0"/>
+              </a:rPr>
+              <a:t> </a:t>
+            </a:r>
+            <a:r>
+              <a:rPr lang="en-IN" dirty="0">
+                <a:solidFill>
+                  <a:srgbClr val="008080"/>
+                </a:solidFill>
+                <a:latin typeface="Consolas" panose="020B0609020204030204" pitchFamily="49" charset="0"/>
+              </a:rPr>
+              <a:t>&lt;&lt;</a:t>
+            </a:r>
+            <a:r>
+              <a:rPr lang="en-IN" dirty="0">
+                <a:solidFill>
+                  <a:srgbClr val="000000"/>
+                </a:solidFill>
+                <a:latin typeface="Consolas" panose="020B0609020204030204" pitchFamily="49" charset="0"/>
+              </a:rPr>
+              <a:t> *p2 </a:t>
+            </a:r>
+            <a:r>
+              <a:rPr lang="en-IN" dirty="0">
+                <a:solidFill>
+                  <a:srgbClr val="008080"/>
+                </a:solidFill>
+                <a:latin typeface="Consolas" panose="020B0609020204030204" pitchFamily="49" charset="0"/>
+              </a:rPr>
+              <a:t>&lt;&lt;</a:t>
+            </a:r>
+            <a:r>
+              <a:rPr lang="en-IN" dirty="0">
+                <a:solidFill>
+                  <a:srgbClr val="000000"/>
+                </a:solidFill>
+                <a:latin typeface="Consolas" panose="020B0609020204030204" pitchFamily="49" charset="0"/>
+              </a:rPr>
+              <a:t> </a:t>
+            </a:r>
+            <a:r>
+              <a:rPr lang="en-IN" dirty="0">
+                <a:solidFill>
+                  <a:srgbClr val="A31515"/>
+                </a:solidFill>
+                <a:latin typeface="Consolas" panose="020B0609020204030204" pitchFamily="49" charset="0"/>
+              </a:rPr>
+              <a:t>"\n"</a:t>
+            </a:r>
+            <a:r>
+              <a:rPr lang="en-IN" dirty="0">
+                <a:solidFill>
+                  <a:srgbClr val="000000"/>
+                </a:solidFill>
+                <a:latin typeface="Consolas" panose="020B0609020204030204" pitchFamily="49" charset="0"/>
+              </a:rPr>
+              <a:t>;</a:t>
+            </a:r>
+          </a:p>
+          <a:p>
+            <a:r>
+              <a:rPr lang="en-IN" dirty="0">
+                <a:solidFill>
+                  <a:srgbClr val="000000"/>
+                </a:solidFill>
+                <a:latin typeface="Consolas" panose="020B0609020204030204" pitchFamily="49" charset="0"/>
+              </a:rPr>
+              <a:t>}</a:t>
+            </a:r>
+            <a:endParaRPr lang="en-IN" dirty="0"/>
           </a:p>
         </p:txBody>
       </p:sp>
@@ -14507,7 +16287,7 @@
           <a:lstStyle/>
           <a:p>
             <a:r>
-              <a:rPr lang="en-IN" dirty="0"/>
+              <a:rPr lang="en-IN" b="1" i="0" dirty="0"/>
               <a:t>Rule of Five </a:t>
             </a:r>
           </a:p>
@@ -14637,8 +16417,20 @@
           <a:lstStyle/>
           <a:p>
             <a:r>
+              <a:rPr lang="en-IN" b="1" i="0" dirty="0"/>
+              <a:t>Re-entrant</a:t>
+            </a:r>
+            <a:r>
               <a:rPr lang="en-IN" dirty="0"/>
-              <a:t>Re-entrant function 	</a:t>
+              <a:t> </a:t>
+            </a:r>
+            <a:r>
+              <a:rPr lang="en-IN" b="1" i="0" dirty="0"/>
+              <a:t>function</a:t>
+            </a:r>
+            <a:r>
+              <a:rPr lang="en-IN" dirty="0"/>
+              <a:t> 	</a:t>
             </a:r>
           </a:p>
         </p:txBody>
@@ -14662,24 +16454,24 @@
         <p:spPr/>
         <p:txBody>
           <a:bodyPr>
-            <a:normAutofit lnSpcReduction="10000"/>
+            <a:normAutofit/>
           </a:bodyPr>
           <a:lstStyle/>
           <a:p>
             <a:r>
-              <a:rPr lang="en-IN" dirty="0"/>
+              <a:rPr lang="en-IN" sz="2000" dirty="0"/>
               <a:t>A thread-safe function can be called simultaneously from multiple threads, even when the invocations use shared data, because all references to the shared data are serialized.</a:t>
             </a:r>
           </a:p>
           <a:p>
             <a:r>
-              <a:rPr lang="en-IN" dirty="0"/>
+              <a:rPr lang="en-IN" sz="2000" dirty="0"/>
               <a:t>A re-entrant function can also be called simultaneously from multiple threads, but only if each invocation uses its own data.</a:t>
             </a:r>
           </a:p>
           <a:p>
             <a:r>
-              <a:rPr lang="en-IN" dirty="0"/>
+              <a:rPr lang="en-IN" sz="2000" dirty="0"/>
               <a:t>Hence, a thread-safe function is always re-entrant, but a re-entrant function is not always thread-safe.</a:t>
             </a:r>
           </a:p>
@@ -14737,8 +16529,12 @@
           <a:lstStyle/>
           <a:p>
             <a:r>
+              <a:rPr lang="en-IN" b="1" i="0" dirty="0"/>
+              <a:t>Re entrant class</a:t>
+            </a:r>
+            <a:r>
               <a:rPr lang="en-IN" dirty="0"/>
-              <a:t>Re entrant class	</a:t>
+              <a:t>	</a:t>
             </a:r>
           </a:p>
         </p:txBody>
@@ -14823,8 +16619,12 @@
           <a:lstStyle/>
           <a:p>
             <a:r>
+              <a:rPr lang="en-IN" i="0" dirty="0"/>
+              <a:t>Example of re-entrant class</a:t>
+            </a:r>
+            <a:r>
               <a:rPr lang="en-IN" dirty="0"/>
-              <a:t>Example of re-entrant class	</a:t>
+              <a:t>	</a:t>
             </a:r>
           </a:p>
         </p:txBody>
@@ -16150,12 +17950,18 @@
           </a:xfrm>
         </p:spPr>
         <p:txBody>
-          <a:bodyPr/>
+          <a:bodyPr>
+            <a:normAutofit/>
+          </a:bodyPr>
           <a:lstStyle/>
           <a:p>
             <a:r>
-              <a:rPr lang="en-IN" dirty="0"/>
-              <a:t>Search datafile in current project directory</a:t>
+              <a:rPr lang="en-IN" i="0"/>
+              <a:t>Search datafiles </a:t>
+            </a:r>
+            <a:r>
+              <a:rPr lang="en-IN" i="0" dirty="0"/>
+              <a:t>in current project directory</a:t>
             </a:r>
           </a:p>
         </p:txBody>
@@ -16213,11 +18019,13 @@
           </a:xfrm>
         </p:spPr>
         <p:txBody>
-          <a:bodyPr/>
+          <a:bodyPr>
+            <a:normAutofit/>
+          </a:bodyPr>
           <a:lstStyle/>
           <a:p>
             <a:r>
-              <a:rPr lang="en-IN" dirty="0"/>
+              <a:rPr lang="en-IN" i="0" dirty="0"/>
               <a:t>Updating coding style</a:t>
             </a:r>
           </a:p>
@@ -16362,7 +18170,7 @@
           <a:lstStyle/>
           <a:p>
             <a:r>
-              <a:rPr lang="en-IN"/>
+              <a:rPr lang="en-IN" i="0" dirty="0"/>
               <a:t>About Templates</a:t>
             </a:r>
             <a:r>
@@ -16490,10 +18298,144 @@
           <a:bodyPr/>
           <a:lstStyle/>
           <a:p>
-            <a:r>
-              <a:rPr lang="en-IN" dirty="0"/>
-              <a:t>Header</a:t>
-            </a:r>
+            <a:pPr fontAlgn="base"/>
+            <a:r>
+              <a:rPr lang="en-IN" b="1" dirty="0" err="1">
+                <a:latin typeface="Roboto"/>
+              </a:rPr>
+              <a:t>emplace_back</a:t>
+            </a:r>
+            <a:r>
+              <a:rPr lang="en-IN" b="1" dirty="0">
+                <a:latin typeface="Roboto"/>
+              </a:rPr>
+              <a:t>() vs </a:t>
+            </a:r>
+            <a:r>
+              <a:rPr lang="en-IN" b="1" dirty="0" err="1">
+                <a:latin typeface="Roboto"/>
+              </a:rPr>
+              <a:t>push_back</a:t>
+            </a:r>
+            <a:r>
+              <a:rPr lang="en-IN" b="1" dirty="0">
+                <a:latin typeface="Roboto"/>
+              </a:rPr>
+              <a:t>()</a:t>
+            </a:r>
+            <a:endParaRPr lang="en-IN" dirty="0">
+              <a:latin typeface="Roboto"/>
+            </a:endParaRPr>
+          </a:p>
+        </p:txBody>
+      </p:sp>
+      <p:sp>
+        <p:nvSpPr>
+          <p:cNvPr id="3" name="Rectangle 2">
+            <a:extLst>
+              <a:ext uri="{FF2B5EF4-FFF2-40B4-BE49-F238E27FC236}">
+                <a16:creationId xmlns:a16="http://schemas.microsoft.com/office/drawing/2014/main" id="{A1F65BCD-5DB3-42BD-8E76-D7E4BD1C255A}"/>
+              </a:ext>
+            </a:extLst>
+          </p:cNvPr>
+          <p:cNvSpPr/>
+          <p:nvPr/>
+        </p:nvSpPr>
+        <p:spPr>
+          <a:xfrm>
+            <a:off x="595618" y="1582341"/>
+            <a:ext cx="10989578" cy="2585323"/>
+          </a:xfrm>
+          <a:prstGeom prst="rect">
+            <a:avLst/>
+          </a:prstGeom>
+        </p:spPr>
+        <p:txBody>
+          <a:bodyPr wrap="square">
+            <a:spAutoFit/>
+          </a:bodyPr>
+          <a:lstStyle/>
+          <a:p>
+            <a:pPr fontAlgn="base">
+              <a:buFont typeface="+mj-lt"/>
+              <a:buAutoNum type="arabicPeriod"/>
+            </a:pPr>
+            <a:r>
+              <a:rPr lang="en-IN" b="1" dirty="0" err="1">
+                <a:latin typeface="Roboto"/>
+              </a:rPr>
+              <a:t>push_back</a:t>
+            </a:r>
+            <a:r>
+              <a:rPr lang="en-IN" b="1" dirty="0">
+                <a:latin typeface="Roboto"/>
+              </a:rPr>
+              <a:t>()</a:t>
+            </a:r>
+            <a:r>
+              <a:rPr lang="en-IN" dirty="0">
+                <a:latin typeface="Roboto"/>
+              </a:rPr>
+              <a:t> copies a string into a vector. First, a new string object will be implicitly created initialized with provided char*. Then </a:t>
+            </a:r>
+            <a:r>
+              <a:rPr lang="en-IN" dirty="0" err="1">
+                <a:latin typeface="Roboto"/>
+              </a:rPr>
+              <a:t>push_back</a:t>
+            </a:r>
+            <a:r>
+              <a:rPr lang="en-IN" dirty="0">
+                <a:latin typeface="Roboto"/>
+              </a:rPr>
+              <a:t> will be called which will copy this string into the vector using the move constructor because the original string is a temporary object. Then the temporary object will be destroyed.</a:t>
+            </a:r>
+          </a:p>
+          <a:p>
+            <a:pPr fontAlgn="base"/>
+            <a:endParaRPr lang="en-IN" dirty="0">
+              <a:latin typeface="Roboto"/>
+            </a:endParaRPr>
+          </a:p>
+          <a:p>
+            <a:pPr fontAlgn="base">
+              <a:buFont typeface="+mj-lt"/>
+              <a:buAutoNum type="arabicPeriod"/>
+            </a:pPr>
+            <a:r>
+              <a:rPr lang="en-IN" b="1" dirty="0" err="1">
+                <a:latin typeface="Roboto"/>
+              </a:rPr>
+              <a:t>emplace_back</a:t>
+            </a:r>
+            <a:r>
+              <a:rPr lang="en-IN" b="1" dirty="0">
+                <a:latin typeface="Roboto"/>
+              </a:rPr>
+              <a:t>()</a:t>
+            </a:r>
+            <a:r>
+              <a:rPr lang="en-IN" dirty="0">
+                <a:latin typeface="Roboto"/>
+              </a:rPr>
+              <a:t> constructs a string in-place, so no temporary string will be created but rather </a:t>
+            </a:r>
+            <a:r>
+              <a:rPr lang="en-IN" dirty="0" err="1">
+                <a:latin typeface="Roboto"/>
+              </a:rPr>
+              <a:t>emplace_back</a:t>
+            </a:r>
+            <a:r>
+              <a:rPr lang="en-IN" dirty="0">
+                <a:latin typeface="Roboto"/>
+              </a:rPr>
+              <a:t>() will be called directly with char* argument. It will then create a string to be stored in the vector initialized with this char*. So, in this case, we avoid constructing and destroying an unnecessary temporary string object.</a:t>
+            </a:r>
+            <a:endParaRPr lang="en-IN" b="0" i="0" dirty="0">
+              <a:effectLst/>
+              <a:latin typeface="Roboto"/>
+            </a:endParaRPr>
           </a:p>
         </p:txBody>
       </p:sp>

--- a/learnings.pptx
+++ b/learnings.pptx
@@ -2474,7 +2474,7 @@
           <a:p>
             <a:fld id="{3C04E684-10F4-4CC3-A0B9-F03AA7BE37CF}" type="datetimeFigureOut">
               <a:rPr lang="en-US" smtClean="0"/>
-              <a:t>5/22/2020</a:t>
+              <a:t>5/27/2020</a:t>
             </a:fld>
             <a:endParaRPr lang="en-US"/>
           </a:p>
@@ -4964,7 +4964,7 @@
           <a:p>
             <a:fld id="{3C04E684-10F4-4CC3-A0B9-F03AA7BE37CF}" type="datetimeFigureOut">
               <a:rPr lang="en-US" smtClean="0"/>
-              <a:t>5/22/2020</a:t>
+              <a:t>5/27/2020</a:t>
             </a:fld>
             <a:endParaRPr lang="en-US"/>
           </a:p>
@@ -5162,7 +5162,7 @@
           <a:p>
             <a:fld id="{3C04E684-10F4-4CC3-A0B9-F03AA7BE37CF}" type="datetimeFigureOut">
               <a:rPr lang="en-US" smtClean="0"/>
-              <a:t>5/22/2020</a:t>
+              <a:t>5/27/2020</a:t>
             </a:fld>
             <a:endParaRPr lang="en-US"/>
           </a:p>
@@ -5370,7 +5370,7 @@
           <a:p>
             <a:fld id="{3C04E684-10F4-4CC3-A0B9-F03AA7BE37CF}" type="datetimeFigureOut">
               <a:rPr lang="en-US" smtClean="0"/>
-              <a:t>5/22/2020</a:t>
+              <a:t>5/27/2020</a:t>
             </a:fld>
             <a:endParaRPr lang="en-US"/>
           </a:p>
@@ -6107,7 +6107,7 @@
           <a:p>
             <a:fld id="{3C04E684-10F4-4CC3-A0B9-F03AA7BE37CF}" type="datetimeFigureOut">
               <a:rPr lang="en-US" smtClean="0"/>
-              <a:t>5/22/2020</a:t>
+              <a:t>5/27/2020</a:t>
             </a:fld>
             <a:endParaRPr lang="en-US"/>
           </a:p>
@@ -6749,7 +6749,7 @@
           <a:p>
             <a:fld id="{3C04E684-10F4-4CC3-A0B9-F03AA7BE37CF}" type="datetimeFigureOut">
               <a:rPr lang="en-US" smtClean="0"/>
-              <a:t>5/22/2020</a:t>
+              <a:t>5/27/2020</a:t>
             </a:fld>
             <a:endParaRPr lang="en-US"/>
           </a:p>
@@ -7549,7 +7549,7 @@
           <a:p>
             <a:fld id="{3C04E684-10F4-4CC3-A0B9-F03AA7BE37CF}" type="datetimeFigureOut">
               <a:rPr lang="en-US" smtClean="0"/>
-              <a:t>5/22/2020</a:t>
+              <a:t>5/27/2020</a:t>
             </a:fld>
             <a:endParaRPr lang="en-US"/>
           </a:p>
@@ -8500,7 +8500,7 @@
           <a:p>
             <a:fld id="{3C04E684-10F4-4CC3-A0B9-F03AA7BE37CF}" type="datetimeFigureOut">
               <a:rPr lang="en-US" smtClean="0"/>
-              <a:t>5/22/2020</a:t>
+              <a:t>5/27/2020</a:t>
             </a:fld>
             <a:endParaRPr lang="en-US"/>
           </a:p>
@@ -10849,7 +10849,7 @@
           <a:p>
             <a:fld id="{3C04E684-10F4-4CC3-A0B9-F03AA7BE37CF}" type="datetimeFigureOut">
               <a:rPr lang="en-US" smtClean="0"/>
-              <a:t>5/22/2020</a:t>
+              <a:t>5/27/2020</a:t>
             </a:fld>
             <a:endParaRPr lang="en-US"/>
           </a:p>
@@ -10962,7 +10962,7 @@
           <a:p>
             <a:fld id="{3C04E684-10F4-4CC3-A0B9-F03AA7BE37CF}" type="datetimeFigureOut">
               <a:rPr lang="en-US" smtClean="0"/>
-              <a:t>5/22/2020</a:t>
+              <a:t>5/27/2020</a:t>
             </a:fld>
             <a:endParaRPr lang="en-US"/>
           </a:p>
@@ -11469,7 +11469,7 @@
           <a:p>
             <a:fld id="{3C04E684-10F4-4CC3-A0B9-F03AA7BE37CF}" type="datetimeFigureOut">
               <a:rPr lang="en-US" smtClean="0"/>
-              <a:t>5/22/2020</a:t>
+              <a:t>5/27/2020</a:t>
             </a:fld>
             <a:endParaRPr lang="en-US"/>
           </a:p>
@@ -12772,7 +12772,7 @@
           <a:p>
             <a:fld id="{3C04E684-10F4-4CC3-A0B9-F03AA7BE37CF}" type="datetimeFigureOut">
               <a:rPr lang="en-US" smtClean="0"/>
-              <a:t>5/22/2020</a:t>
+              <a:t>5/27/2020</a:t>
             </a:fld>
             <a:endParaRPr lang="en-US"/>
           </a:p>
@@ -13019,7 +13019,7 @@
           <a:p>
             <a:fld id="{3C04E684-10F4-4CC3-A0B9-F03AA7BE37CF}" type="datetimeFigureOut">
               <a:rPr lang="en-US" smtClean="0"/>
-              <a:t>5/22/2020</a:t>
+              <a:t>5/27/2020</a:t>
             </a:fld>
             <a:endParaRPr lang="en-US"/>
           </a:p>
@@ -15997,8 +15997,141 @@
           <a:lstStyle/>
           <a:p>
             <a:r>
+              <a:rPr lang="en-IN" b="1" dirty="0">
+                <a:latin typeface="Roboto"/>
+              </a:rPr>
+              <a:t>Yoda conditions</a:t>
+            </a:r>
+            <a:r>
               <a:rPr lang="en-IN" dirty="0"/>
-              <a:t>Header</a:t>
+              <a:t>	</a:t>
+            </a:r>
+          </a:p>
+        </p:txBody>
+      </p:sp>
+      <p:sp>
+        <p:nvSpPr>
+          <p:cNvPr id="4" name="Rectangle 3">
+            <a:extLst>
+              <a:ext uri="{FF2B5EF4-FFF2-40B4-BE49-F238E27FC236}">
+                <a16:creationId xmlns:a16="http://schemas.microsoft.com/office/drawing/2014/main" id="{4F81A697-0035-4079-9D54-EB2B9D76EC4B}"/>
+              </a:ext>
+            </a:extLst>
+          </p:cNvPr>
+          <p:cNvSpPr/>
+          <p:nvPr/>
+        </p:nvSpPr>
+        <p:spPr>
+          <a:xfrm>
+            <a:off x="230737" y="1596802"/>
+            <a:ext cx="11536822" cy="4616648"/>
+          </a:xfrm>
+          <a:prstGeom prst="rect">
+            <a:avLst/>
+          </a:prstGeom>
+        </p:spPr>
+        <p:txBody>
+          <a:bodyPr wrap="square">
+            <a:spAutoFit/>
+          </a:bodyPr>
+          <a:lstStyle/>
+          <a:p>
+            <a:r>
+              <a:rPr lang="en-IN" sz="1400" dirty="0"/>
+              <a:t>The main reason to do this (so-called "Yoda conditional") is to prevent accidents whereby you accidentally use an assignment operator (=) instead of the equal comparison operator (==).</a:t>
+            </a:r>
+          </a:p>
+          <a:p>
+            <a:endParaRPr lang="en-IN" sz="1400" dirty="0"/>
+          </a:p>
+          <a:p>
+            <a:r>
+              <a:rPr lang="en-IN" sz="1400" dirty="0"/>
+              <a:t>That is, if you made the mistake of doing:</a:t>
+            </a:r>
+          </a:p>
+          <a:p>
+            <a:endParaRPr lang="en-IN" sz="1400" dirty="0"/>
+          </a:p>
+          <a:p>
+            <a:r>
+              <a:rPr lang="en-IN" sz="1400" dirty="0"/>
+              <a:t>$foo = 5;</a:t>
+            </a:r>
+          </a:p>
+          <a:p>
+            <a:r>
+              <a:rPr lang="en-IN" sz="1400" dirty="0"/>
+              <a:t>if ($foo = 1) {</a:t>
+            </a:r>
+          </a:p>
+          <a:p>
+            <a:r>
+              <a:rPr lang="en-IN" sz="1400" dirty="0"/>
+              <a:t>  // Stuff</a:t>
+            </a:r>
+          </a:p>
+          <a:p>
+            <a:r>
+              <a:rPr lang="en-IN" sz="1400" dirty="0"/>
+              <a:t>}</a:t>
+            </a:r>
+          </a:p>
+          <a:p>
+            <a:r>
+              <a:rPr lang="en-IN" sz="1400" dirty="0"/>
+              <a:t>The statement will evaluate to true (or, in the case of some languages—like PHP—a truthy value) and you'll have a hard-to-find bug.</a:t>
+            </a:r>
+          </a:p>
+          <a:p>
+            <a:endParaRPr lang="en-IN" sz="1400" dirty="0"/>
+          </a:p>
+          <a:p>
+            <a:r>
+              <a:rPr lang="en-IN" sz="1400" dirty="0"/>
+              <a:t>But if you did:</a:t>
+            </a:r>
+          </a:p>
+          <a:p>
+            <a:endParaRPr lang="en-IN" sz="1400" dirty="0"/>
+          </a:p>
+          <a:p>
+            <a:r>
+              <a:rPr lang="en-IN" sz="1400" dirty="0"/>
+              <a:t>$foo = 5;</a:t>
+            </a:r>
+          </a:p>
+          <a:p>
+            <a:r>
+              <a:rPr lang="en-IN" sz="1400" dirty="0"/>
+              <a:t>if (1 = $foo) {</a:t>
+            </a:r>
+          </a:p>
+          <a:p>
+            <a:r>
+              <a:rPr lang="en-IN" sz="1400" dirty="0"/>
+              <a:t>  // Stuff</a:t>
+            </a:r>
+          </a:p>
+          <a:p>
+            <a:r>
+              <a:rPr lang="en-IN" sz="1400" dirty="0"/>
+              <a:t>}</a:t>
+            </a:r>
+          </a:p>
+          <a:p>
+            <a:r>
+              <a:rPr lang="en-IN" sz="1400" dirty="0"/>
+              <a:t>You'll receive a fatal error because you can't assign $foo to an integer.</a:t>
+            </a:r>
+          </a:p>
+          <a:p>
+            <a:endParaRPr lang="en-IN" sz="1400" dirty="0"/>
+          </a:p>
+          <a:p>
+            <a:r>
+              <a:rPr lang="en-IN" sz="1400" dirty="0"/>
+              <a:t>But as you pointed out, reversing the order generally makes things less readable. So, many coding standards (but not all, including WordPress) suggest or require $foo == 1 despite the bug hunting benefits of 1 == $foo.</a:t>
             </a:r>
           </a:p>
         </p:txBody>
@@ -16051,11 +16184,15 @@
         </p:nvSpPr>
         <p:spPr/>
         <p:txBody>
-          <a:bodyPr/>
+          <a:bodyPr>
+            <a:normAutofit/>
+          </a:bodyPr>
           <a:lstStyle/>
           <a:p>
             <a:r>
-              <a:rPr lang="en-IN" dirty="0"/>
+              <a:rPr lang="en-IN" b="1" dirty="0">
+                <a:latin typeface="Roboto"/>
+              </a:rPr>
               <a:t>Header</a:t>
             </a:r>
           </a:p>
@@ -16109,11 +16246,15 @@
         </p:nvSpPr>
         <p:spPr/>
         <p:txBody>
-          <a:bodyPr/>
+          <a:bodyPr>
+            <a:normAutofit/>
+          </a:bodyPr>
           <a:lstStyle/>
           <a:p>
             <a:r>
-              <a:rPr lang="en-IN" dirty="0"/>
+              <a:rPr lang="en-IN" b="1" dirty="0">
+                <a:latin typeface="Roboto"/>
+              </a:rPr>
               <a:t>Header</a:t>
             </a:r>
           </a:p>
@@ -16167,11 +16308,15 @@
         </p:nvSpPr>
         <p:spPr/>
         <p:txBody>
-          <a:bodyPr/>
+          <a:bodyPr>
+            <a:normAutofit/>
+          </a:bodyPr>
           <a:lstStyle/>
           <a:p>
             <a:r>
-              <a:rPr lang="en-IN" dirty="0"/>
+              <a:rPr lang="en-IN" b="1" dirty="0">
+                <a:latin typeface="Roboto"/>
+              </a:rPr>
               <a:t>Header</a:t>
             </a:r>
           </a:p>
@@ -16225,11 +16370,15 @@
         </p:nvSpPr>
         <p:spPr/>
         <p:txBody>
-          <a:bodyPr/>
+          <a:bodyPr>
+            <a:normAutofit/>
+          </a:bodyPr>
           <a:lstStyle/>
           <a:p>
             <a:r>
-              <a:rPr lang="en-IN" dirty="0"/>
+              <a:rPr lang="en-IN" b="1" dirty="0">
+                <a:latin typeface="Roboto"/>
+              </a:rPr>
               <a:t>Header</a:t>
             </a:r>
           </a:p>

--- a/learnings.pptx
+++ b/learnings.pptx
@@ -2474,7 +2474,7 @@
           <a:p>
             <a:fld id="{3C04E684-10F4-4CC3-A0B9-F03AA7BE37CF}" type="datetimeFigureOut">
               <a:rPr lang="en-US" smtClean="0"/>
-              <a:t>5/27/2020</a:t>
+              <a:t>5/29/2020</a:t>
             </a:fld>
             <a:endParaRPr lang="en-US"/>
           </a:p>
@@ -4964,7 +4964,7 @@
           <a:p>
             <a:fld id="{3C04E684-10F4-4CC3-A0B9-F03AA7BE37CF}" type="datetimeFigureOut">
               <a:rPr lang="en-US" smtClean="0"/>
-              <a:t>5/27/2020</a:t>
+              <a:t>5/29/2020</a:t>
             </a:fld>
             <a:endParaRPr lang="en-US"/>
           </a:p>
@@ -5162,7 +5162,7 @@
           <a:p>
             <a:fld id="{3C04E684-10F4-4CC3-A0B9-F03AA7BE37CF}" type="datetimeFigureOut">
               <a:rPr lang="en-US" smtClean="0"/>
-              <a:t>5/27/2020</a:t>
+              <a:t>5/29/2020</a:t>
             </a:fld>
             <a:endParaRPr lang="en-US"/>
           </a:p>
@@ -5370,7 +5370,7 @@
           <a:p>
             <a:fld id="{3C04E684-10F4-4CC3-A0B9-F03AA7BE37CF}" type="datetimeFigureOut">
               <a:rPr lang="en-US" smtClean="0"/>
-              <a:t>5/27/2020</a:t>
+              <a:t>5/29/2020</a:t>
             </a:fld>
             <a:endParaRPr lang="en-US"/>
           </a:p>
@@ -6107,7 +6107,7 @@
           <a:p>
             <a:fld id="{3C04E684-10F4-4CC3-A0B9-F03AA7BE37CF}" type="datetimeFigureOut">
               <a:rPr lang="en-US" smtClean="0"/>
-              <a:t>5/27/2020</a:t>
+              <a:t>5/29/2020</a:t>
             </a:fld>
             <a:endParaRPr lang="en-US"/>
           </a:p>
@@ -6749,7 +6749,7 @@
           <a:p>
             <a:fld id="{3C04E684-10F4-4CC3-A0B9-F03AA7BE37CF}" type="datetimeFigureOut">
               <a:rPr lang="en-US" smtClean="0"/>
-              <a:t>5/27/2020</a:t>
+              <a:t>5/29/2020</a:t>
             </a:fld>
             <a:endParaRPr lang="en-US"/>
           </a:p>
@@ -7549,7 +7549,7 @@
           <a:p>
             <a:fld id="{3C04E684-10F4-4CC3-A0B9-F03AA7BE37CF}" type="datetimeFigureOut">
               <a:rPr lang="en-US" smtClean="0"/>
-              <a:t>5/27/2020</a:t>
+              <a:t>5/29/2020</a:t>
             </a:fld>
             <a:endParaRPr lang="en-US"/>
           </a:p>
@@ -8500,7 +8500,7 @@
           <a:p>
             <a:fld id="{3C04E684-10F4-4CC3-A0B9-F03AA7BE37CF}" type="datetimeFigureOut">
               <a:rPr lang="en-US" smtClean="0"/>
-              <a:t>5/27/2020</a:t>
+              <a:t>5/29/2020</a:t>
             </a:fld>
             <a:endParaRPr lang="en-US"/>
           </a:p>
@@ -10849,7 +10849,7 @@
           <a:p>
             <a:fld id="{3C04E684-10F4-4CC3-A0B9-F03AA7BE37CF}" type="datetimeFigureOut">
               <a:rPr lang="en-US" smtClean="0"/>
-              <a:t>5/27/2020</a:t>
+              <a:t>5/29/2020</a:t>
             </a:fld>
             <a:endParaRPr lang="en-US"/>
           </a:p>
@@ -10962,7 +10962,7 @@
           <a:p>
             <a:fld id="{3C04E684-10F4-4CC3-A0B9-F03AA7BE37CF}" type="datetimeFigureOut">
               <a:rPr lang="en-US" smtClean="0"/>
-              <a:t>5/27/2020</a:t>
+              <a:t>5/29/2020</a:t>
             </a:fld>
             <a:endParaRPr lang="en-US"/>
           </a:p>
@@ -11469,7 +11469,7 @@
           <a:p>
             <a:fld id="{3C04E684-10F4-4CC3-A0B9-F03AA7BE37CF}" type="datetimeFigureOut">
               <a:rPr lang="en-US" smtClean="0"/>
-              <a:t>5/27/2020</a:t>
+              <a:t>5/29/2020</a:t>
             </a:fld>
             <a:endParaRPr lang="en-US"/>
           </a:p>
@@ -12772,7 +12772,7 @@
           <a:p>
             <a:fld id="{3C04E684-10F4-4CC3-A0B9-F03AA7BE37CF}" type="datetimeFigureOut">
               <a:rPr lang="en-US" smtClean="0"/>
-              <a:t>5/27/2020</a:t>
+              <a:t>5/29/2020</a:t>
             </a:fld>
             <a:endParaRPr lang="en-US"/>
           </a:p>
@@ -13019,7 +13019,7 @@
           <a:p>
             <a:fld id="{3C04E684-10F4-4CC3-A0B9-F03AA7BE37CF}" type="datetimeFigureOut">
               <a:rPr lang="en-US" smtClean="0"/>
-              <a:t>5/27/2020</a:t>
+              <a:t>5/29/2020</a:t>
             </a:fld>
             <a:endParaRPr lang="en-US"/>
           </a:p>
@@ -16190,10 +16190,196 @@
           <a:lstStyle/>
           <a:p>
             <a:r>
+              <a:rPr lang="en-IN" b="1" dirty="0" err="1">
+                <a:latin typeface="Roboto"/>
+              </a:rPr>
+              <a:t>Doxygen</a:t>
+            </a:r>
+            <a:r>
               <a:rPr lang="en-IN" b="1" dirty="0">
                 <a:latin typeface="Roboto"/>
               </a:rPr>
-              <a:t>Header</a:t>
+              <a:t> comments	</a:t>
+            </a:r>
+          </a:p>
+        </p:txBody>
+      </p:sp>
+      <p:sp>
+        <p:nvSpPr>
+          <p:cNvPr id="3" name="Rectangle 2">
+            <a:extLst>
+              <a:ext uri="{FF2B5EF4-FFF2-40B4-BE49-F238E27FC236}">
+                <a16:creationId xmlns:a16="http://schemas.microsoft.com/office/drawing/2014/main" id="{10450DBE-2079-4336-9C26-277F01709C42}"/>
+              </a:ext>
+            </a:extLst>
+          </p:cNvPr>
+          <p:cNvSpPr/>
+          <p:nvPr/>
+        </p:nvSpPr>
+        <p:spPr>
+          <a:xfrm>
+            <a:off x="397079" y="1593058"/>
+            <a:ext cx="11699846" cy="4893647"/>
+          </a:xfrm>
+          <a:prstGeom prst="rect">
+            <a:avLst/>
+          </a:prstGeom>
+        </p:spPr>
+        <p:txBody>
+          <a:bodyPr wrap="square">
+            <a:spAutoFit/>
+          </a:bodyPr>
+          <a:lstStyle/>
+          <a:p>
+            <a:endParaRPr lang="en-IN" sz="1200" dirty="0"/>
+          </a:p>
+          <a:p>
+            <a:r>
+              <a:rPr lang="en-IN" sz="1200" dirty="0"/>
+              <a:t> @class </a:t>
+            </a:r>
+            <a:r>
+              <a:rPr lang="en-IN" sz="1200" dirty="0" err="1"/>
+              <a:t>PhantomDetector</a:t>
+            </a:r>
+            <a:endParaRPr lang="en-IN" sz="1200" dirty="0"/>
+          </a:p>
+          <a:p>
+            <a:r>
+              <a:rPr lang="en-IN" sz="1200"/>
+              <a:t> @</a:t>
+            </a:r>
+            <a:r>
+              <a:rPr lang="en-IN" sz="1200" dirty="0"/>
+              <a:t>brief Main API class for Phantom type detection</a:t>
+            </a:r>
+          </a:p>
+          <a:p>
+            <a:endParaRPr lang="en-IN" sz="1200" dirty="0"/>
+          </a:p>
+          <a:p>
+            <a:r>
+              <a:rPr lang="en-IN" sz="1200" dirty="0"/>
+              <a:t>/*!</a:t>
+            </a:r>
+          </a:p>
+          <a:p>
+            <a:r>
+              <a:rPr lang="en-IN" sz="1200" dirty="0"/>
+              <a:t>  @</a:t>
+            </a:r>
+            <a:r>
+              <a:rPr lang="en-IN" sz="1200" dirty="0" err="1"/>
+              <a:t>fn</a:t>
+            </a:r>
+            <a:r>
+              <a:rPr lang="en-IN" sz="1200" dirty="0"/>
+              <a:t> &lt;function name&gt;</a:t>
+            </a:r>
+          </a:p>
+          <a:p>
+            <a:endParaRPr lang="en-IN" sz="1200" dirty="0"/>
+          </a:p>
+          <a:p>
+            <a:r>
+              <a:rPr lang="en-IN" sz="1200" dirty="0"/>
+              <a:t>  @brief &lt;function description&gt;</a:t>
+            </a:r>
+          </a:p>
+          <a:p>
+            <a:endParaRPr lang="en-IN" sz="1200" dirty="0"/>
+          </a:p>
+          <a:p>
+            <a:r>
+              <a:rPr lang="en-IN" sz="1200" dirty="0"/>
+              <a:t>   \returns explain return value</a:t>
+            </a:r>
+          </a:p>
+          <a:p>
+            <a:endParaRPr lang="en-IN" sz="1200" dirty="0"/>
+          </a:p>
+          <a:p>
+            <a:r>
+              <a:rPr lang="en-IN" sz="1200" dirty="0"/>
+              <a:t>  @param[in]       &lt;input explanation&gt;</a:t>
+            </a:r>
+          </a:p>
+          <a:p>
+            <a:r>
+              <a:rPr lang="en-IN" sz="1200" dirty="0"/>
+              <a:t>  @param[out]      &lt;output explanation&gt;</a:t>
+            </a:r>
+          </a:p>
+          <a:p>
+            <a:r>
+              <a:rPr lang="en-IN" sz="1200" dirty="0"/>
+              <a:t>  */</a:t>
+            </a:r>
+          </a:p>
+          <a:p>
+            <a:endParaRPr lang="en-IN" sz="1200" dirty="0"/>
+          </a:p>
+          <a:p>
+            <a:r>
+              <a:rPr lang="en-IN" sz="1200" b="1" dirty="0"/>
+              <a:t>Should We have </a:t>
+            </a:r>
+            <a:r>
+              <a:rPr lang="en-IN" sz="1200" b="1" dirty="0" err="1"/>
+              <a:t>doxygen</a:t>
+            </a:r>
+            <a:r>
+              <a:rPr lang="en-IN" sz="1200" b="1" dirty="0"/>
+              <a:t> interface only for public interface ? </a:t>
+            </a:r>
+          </a:p>
+          <a:p>
+            <a:r>
+              <a:rPr lang="en-IN" sz="1200" dirty="0"/>
+              <a:t>https://github.com/GalSim-developers/GalSim/issues/182</a:t>
+            </a:r>
+          </a:p>
+          <a:p>
+            <a:endParaRPr lang="en-IN" sz="1200" dirty="0"/>
+          </a:p>
+          <a:p>
+            <a:r>
+              <a:rPr lang="en-IN" sz="1200" dirty="0"/>
+              <a:t>Do we really want to be </a:t>
+            </a:r>
+            <a:r>
+              <a:rPr lang="en-IN" sz="1200" dirty="0" err="1"/>
+              <a:t>doxygenizing</a:t>
+            </a:r>
+            <a:r>
+              <a:rPr lang="en-IN" sz="1200" dirty="0"/>
+              <a:t> private (and protected) methods and variables? My preference would be no, for two reasons:</a:t>
+            </a:r>
+          </a:p>
+          <a:p>
+            <a:endParaRPr lang="en-IN" sz="1200" dirty="0"/>
+          </a:p>
+          <a:p>
+            <a:r>
+              <a:rPr lang="en-IN" sz="1200" dirty="0"/>
+              <a:t>They are implementation details that the user doesn't need to know about. We shouldn't be adding extra text in the documentation that they shouldn't ever need to read.</a:t>
+            </a:r>
+          </a:p>
+          <a:p>
+            <a:endParaRPr lang="en-IN" sz="1200" dirty="0"/>
+          </a:p>
+          <a:p>
+            <a:r>
+              <a:rPr lang="en-IN" sz="1200" dirty="0"/>
+              <a:t>I find doxy comments less readable inline than regular comments. The extra </a:t>
+            </a:r>
+            <a:r>
+              <a:rPr lang="en-IN" sz="1200" dirty="0" err="1"/>
+              <a:t>markup</a:t>
+            </a:r>
+            <a:r>
+              <a:rPr lang="en-IN" sz="1200" dirty="0"/>
+              <a:t> just gets in the way, IMO. It's clearly worth it for documenting the public interface, since it makes nice web pages. But when you're just describing how something is working for the next developer that might come along and need to edit the code, I find regular comments to be more readable and thus more effective.</a:t>
             </a:r>
           </a:p>
         </p:txBody>

--- a/learnings.pptx
+++ b/learnings.pptx
@@ -2474,7 +2474,7 @@
           <a:p>
             <a:fld id="{3C04E684-10F4-4CC3-A0B9-F03AA7BE37CF}" type="datetimeFigureOut">
               <a:rPr lang="en-US" smtClean="0"/>
-              <a:t>5/29/2020</a:t>
+              <a:t>6/24/2020</a:t>
             </a:fld>
             <a:endParaRPr lang="en-US"/>
           </a:p>
@@ -4964,7 +4964,7 @@
           <a:p>
             <a:fld id="{3C04E684-10F4-4CC3-A0B9-F03AA7BE37CF}" type="datetimeFigureOut">
               <a:rPr lang="en-US" smtClean="0"/>
-              <a:t>5/29/2020</a:t>
+              <a:t>6/24/2020</a:t>
             </a:fld>
             <a:endParaRPr lang="en-US"/>
           </a:p>
@@ -5162,7 +5162,7 @@
           <a:p>
             <a:fld id="{3C04E684-10F4-4CC3-A0B9-F03AA7BE37CF}" type="datetimeFigureOut">
               <a:rPr lang="en-US" smtClean="0"/>
-              <a:t>5/29/2020</a:t>
+              <a:t>6/24/2020</a:t>
             </a:fld>
             <a:endParaRPr lang="en-US"/>
           </a:p>
@@ -5370,7 +5370,7 @@
           <a:p>
             <a:fld id="{3C04E684-10F4-4CC3-A0B9-F03AA7BE37CF}" type="datetimeFigureOut">
               <a:rPr lang="en-US" smtClean="0"/>
-              <a:t>5/29/2020</a:t>
+              <a:t>6/24/2020</a:t>
             </a:fld>
             <a:endParaRPr lang="en-US"/>
           </a:p>
@@ -6107,7 +6107,7 @@
           <a:p>
             <a:fld id="{3C04E684-10F4-4CC3-A0B9-F03AA7BE37CF}" type="datetimeFigureOut">
               <a:rPr lang="en-US" smtClean="0"/>
-              <a:t>5/29/2020</a:t>
+              <a:t>6/24/2020</a:t>
             </a:fld>
             <a:endParaRPr lang="en-US"/>
           </a:p>
@@ -6749,7 +6749,7 @@
           <a:p>
             <a:fld id="{3C04E684-10F4-4CC3-A0B9-F03AA7BE37CF}" type="datetimeFigureOut">
               <a:rPr lang="en-US" smtClean="0"/>
-              <a:t>5/29/2020</a:t>
+              <a:t>6/24/2020</a:t>
             </a:fld>
             <a:endParaRPr lang="en-US"/>
           </a:p>
@@ -7549,7 +7549,7 @@
           <a:p>
             <a:fld id="{3C04E684-10F4-4CC3-A0B9-F03AA7BE37CF}" type="datetimeFigureOut">
               <a:rPr lang="en-US" smtClean="0"/>
-              <a:t>5/29/2020</a:t>
+              <a:t>6/24/2020</a:t>
             </a:fld>
             <a:endParaRPr lang="en-US"/>
           </a:p>
@@ -8500,7 +8500,7 @@
           <a:p>
             <a:fld id="{3C04E684-10F4-4CC3-A0B9-F03AA7BE37CF}" type="datetimeFigureOut">
               <a:rPr lang="en-US" smtClean="0"/>
-              <a:t>5/29/2020</a:t>
+              <a:t>6/24/2020</a:t>
             </a:fld>
             <a:endParaRPr lang="en-US"/>
           </a:p>
@@ -10849,7 +10849,7 @@
           <a:p>
             <a:fld id="{3C04E684-10F4-4CC3-A0B9-F03AA7BE37CF}" type="datetimeFigureOut">
               <a:rPr lang="en-US" smtClean="0"/>
-              <a:t>5/29/2020</a:t>
+              <a:t>6/24/2020</a:t>
             </a:fld>
             <a:endParaRPr lang="en-US"/>
           </a:p>
@@ -10962,7 +10962,7 @@
           <a:p>
             <a:fld id="{3C04E684-10F4-4CC3-A0B9-F03AA7BE37CF}" type="datetimeFigureOut">
               <a:rPr lang="en-US" smtClean="0"/>
-              <a:t>5/29/2020</a:t>
+              <a:t>6/24/2020</a:t>
             </a:fld>
             <a:endParaRPr lang="en-US"/>
           </a:p>
@@ -11469,7 +11469,7 @@
           <a:p>
             <a:fld id="{3C04E684-10F4-4CC3-A0B9-F03AA7BE37CF}" type="datetimeFigureOut">
               <a:rPr lang="en-US" smtClean="0"/>
-              <a:t>5/29/2020</a:t>
+              <a:t>6/24/2020</a:t>
             </a:fld>
             <a:endParaRPr lang="en-US"/>
           </a:p>
@@ -12772,7 +12772,7 @@
           <a:p>
             <a:fld id="{3C04E684-10F4-4CC3-A0B9-F03AA7BE37CF}" type="datetimeFigureOut">
               <a:rPr lang="en-US" smtClean="0"/>
-              <a:t>5/29/2020</a:t>
+              <a:t>6/24/2020</a:t>
             </a:fld>
             <a:endParaRPr lang="en-US"/>
           </a:p>
@@ -13019,7 +13019,7 @@
           <a:p>
             <a:fld id="{3C04E684-10F4-4CC3-A0B9-F03AA7BE37CF}" type="datetimeFigureOut">
               <a:rPr lang="en-US" smtClean="0"/>
-              <a:t>5/29/2020</a:t>
+              <a:t>6/24/2020</a:t>
             </a:fld>
             <a:endParaRPr lang="en-US"/>
           </a:p>
@@ -13535,7 +13535,9 @@
           <a:p>
             <a:pPr algn="ctr"/>
             <a:r>
-              <a:rPr lang="en-IN" dirty="0"/>
+              <a:rPr lang="en-IN" dirty="0">
+                <a:latin typeface="Rockwell" panose="02060603020205020403" pitchFamily="18" charset="0"/>
+              </a:rPr>
               <a:t>C++ Learnings</a:t>
             </a:r>
           </a:p>
@@ -15235,12 +15237,9 @@
           <a:lstStyle/>
           <a:p>
             <a:r>
-              <a:rPr lang="en-IN" b="1" dirty="0">
-                <a:latin typeface="Roboto"/>
-              </a:rPr>
+              <a:rPr lang="en-IN" i="0" dirty="0"/>
               <a:t>2 ways to pass pointer and allocate memory to it.</a:t>
             </a:r>
-            <a:endParaRPr lang="en-IN" dirty="0"/>
           </a:p>
         </p:txBody>
       </p:sp>
@@ -16037,100 +16036,138 @@
           <a:lstStyle/>
           <a:p>
             <a:r>
-              <a:rPr lang="en-IN" sz="1400" dirty="0"/>
+              <a:rPr lang="en-IN" sz="1400" dirty="0">
+                <a:latin typeface="+mj-lt"/>
+              </a:rPr>
               <a:t>The main reason to do this (so-called "Yoda conditional") is to prevent accidents whereby you accidentally use an assignment operator (=) instead of the equal comparison operator (==).</a:t>
             </a:r>
           </a:p>
           <a:p>
-            <a:endParaRPr lang="en-IN" sz="1400" dirty="0"/>
-          </a:p>
-          <a:p>
-            <a:r>
-              <a:rPr lang="en-IN" sz="1400" dirty="0"/>
+            <a:endParaRPr lang="en-IN" sz="1400" dirty="0">
+              <a:latin typeface="+mj-lt"/>
+            </a:endParaRPr>
+          </a:p>
+          <a:p>
+            <a:r>
+              <a:rPr lang="en-IN" sz="1400" dirty="0">
+                <a:latin typeface="+mj-lt"/>
+              </a:rPr>
               <a:t>That is, if you made the mistake of doing:</a:t>
             </a:r>
           </a:p>
           <a:p>
-            <a:endParaRPr lang="en-IN" sz="1400" dirty="0"/>
-          </a:p>
-          <a:p>
-            <a:r>
-              <a:rPr lang="en-IN" sz="1400" dirty="0"/>
+            <a:endParaRPr lang="en-IN" sz="1400" dirty="0">
+              <a:latin typeface="+mj-lt"/>
+            </a:endParaRPr>
+          </a:p>
+          <a:p>
+            <a:r>
+              <a:rPr lang="en-IN" sz="1400" dirty="0">
+                <a:latin typeface="+mj-lt"/>
+              </a:rPr>
               <a:t>$foo = 5;</a:t>
             </a:r>
           </a:p>
           <a:p>
             <a:r>
-              <a:rPr lang="en-IN" sz="1400" dirty="0"/>
+              <a:rPr lang="en-IN" sz="1400" dirty="0">
+                <a:latin typeface="+mj-lt"/>
+              </a:rPr>
               <a:t>if ($foo = 1) {</a:t>
             </a:r>
           </a:p>
           <a:p>
             <a:r>
-              <a:rPr lang="en-IN" sz="1400" dirty="0"/>
+              <a:rPr lang="en-IN" sz="1400" dirty="0">
+                <a:latin typeface="+mj-lt"/>
+              </a:rPr>
               <a:t>  // Stuff</a:t>
             </a:r>
           </a:p>
           <a:p>
             <a:r>
-              <a:rPr lang="en-IN" sz="1400" dirty="0"/>
+              <a:rPr lang="en-IN" sz="1400" dirty="0">
+                <a:latin typeface="+mj-lt"/>
+              </a:rPr>
               <a:t>}</a:t>
             </a:r>
           </a:p>
           <a:p>
             <a:r>
-              <a:rPr lang="en-IN" sz="1400" dirty="0"/>
+              <a:rPr lang="en-IN" sz="1400" dirty="0">
+                <a:latin typeface="+mj-lt"/>
+              </a:rPr>
               <a:t>The statement will evaluate to true (or, in the case of some languages—like PHP—a truthy value) and you'll have a hard-to-find bug.</a:t>
             </a:r>
           </a:p>
           <a:p>
-            <a:endParaRPr lang="en-IN" sz="1400" dirty="0"/>
-          </a:p>
-          <a:p>
-            <a:r>
-              <a:rPr lang="en-IN" sz="1400" dirty="0"/>
+            <a:endParaRPr lang="en-IN" sz="1400" dirty="0">
+              <a:latin typeface="+mj-lt"/>
+            </a:endParaRPr>
+          </a:p>
+          <a:p>
+            <a:r>
+              <a:rPr lang="en-IN" sz="1400" dirty="0">
+                <a:latin typeface="+mj-lt"/>
+              </a:rPr>
               <a:t>But if you did:</a:t>
             </a:r>
           </a:p>
           <a:p>
-            <a:endParaRPr lang="en-IN" sz="1400" dirty="0"/>
-          </a:p>
-          <a:p>
-            <a:r>
-              <a:rPr lang="en-IN" sz="1400" dirty="0"/>
+            <a:endParaRPr lang="en-IN" sz="1400" dirty="0">
+              <a:latin typeface="+mj-lt"/>
+            </a:endParaRPr>
+          </a:p>
+          <a:p>
+            <a:r>
+              <a:rPr lang="en-IN" sz="1400" dirty="0">
+                <a:latin typeface="+mj-lt"/>
+              </a:rPr>
               <a:t>$foo = 5;</a:t>
             </a:r>
           </a:p>
           <a:p>
             <a:r>
-              <a:rPr lang="en-IN" sz="1400" dirty="0"/>
+              <a:rPr lang="en-IN" sz="1400" dirty="0">
+                <a:latin typeface="+mj-lt"/>
+              </a:rPr>
               <a:t>if (1 = $foo) {</a:t>
             </a:r>
           </a:p>
           <a:p>
             <a:r>
-              <a:rPr lang="en-IN" sz="1400" dirty="0"/>
+              <a:rPr lang="en-IN" sz="1400" dirty="0">
+                <a:latin typeface="+mj-lt"/>
+              </a:rPr>
               <a:t>  // Stuff</a:t>
             </a:r>
           </a:p>
           <a:p>
             <a:r>
-              <a:rPr lang="en-IN" sz="1400" dirty="0"/>
+              <a:rPr lang="en-IN" sz="1400" dirty="0">
+                <a:latin typeface="+mj-lt"/>
+              </a:rPr>
               <a:t>}</a:t>
             </a:r>
           </a:p>
           <a:p>
             <a:r>
-              <a:rPr lang="en-IN" sz="1400" dirty="0"/>
+              <a:rPr lang="en-IN" sz="1400" dirty="0">
+                <a:latin typeface="+mj-lt"/>
+              </a:rPr>
               <a:t>You'll receive a fatal error because you can't assign $foo to an integer.</a:t>
             </a:r>
           </a:p>
           <a:p>
-            <a:endParaRPr lang="en-IN" sz="1400" dirty="0"/>
-          </a:p>
-          <a:p>
-            <a:r>
-              <a:rPr lang="en-IN" sz="1400" dirty="0"/>
+            <a:endParaRPr lang="en-IN" sz="1400" dirty="0">
+              <a:latin typeface="+mj-lt"/>
+            </a:endParaRPr>
+          </a:p>
+          <a:p>
+            <a:r>
+              <a:rPr lang="en-IN" sz="1400" dirty="0">
+                <a:latin typeface="+mj-lt"/>
+              </a:rPr>
               <a:t>But as you pointed out, reversing the order generally makes things less readable. So, many coding standards (but not all, including WordPress) suggest or require $foo == 1 despite the bug hunting benefits of 1 == $foo.</a:t>
             </a:r>
           </a:p>
@@ -16652,49 +16689,67 @@
           <a:lstStyle/>
           <a:p>
             <a:r>
-              <a:rPr lang="en-IN" dirty="0"/>
+              <a:rPr lang="en-IN" dirty="0">
+                <a:latin typeface="Rockwell" panose="02060603020205020403" pitchFamily="18" charset="0"/>
+              </a:rPr>
               <a:t>The rule of three and rule of five are rules of thumb in C++ for the building of exception-safe code and for formalizing rules on resource management. The rules prescribe how the default members of a class should be used to achieve these goals systematically.</a:t>
             </a:r>
           </a:p>
           <a:p>
-            <a:endParaRPr lang="en-IN" dirty="0"/>
-          </a:p>
-          <a:p>
-            <a:r>
-              <a:rPr lang="en-IN" dirty="0"/>
+            <a:endParaRPr lang="en-IN" dirty="0">
+              <a:latin typeface="Rockwell" panose="02060603020205020403" pitchFamily="18" charset="0"/>
+            </a:endParaRPr>
+          </a:p>
+          <a:p>
+            <a:r>
+              <a:rPr lang="en-IN" dirty="0">
+                <a:latin typeface="Rockwell" panose="02060603020205020403" pitchFamily="18" charset="0"/>
+              </a:rPr>
               <a:t> if a class defines any of the following then it should probably explicitly define all three:[1]</a:t>
             </a:r>
           </a:p>
           <a:p>
-            <a:endParaRPr lang="en-IN" dirty="0"/>
-          </a:p>
-          <a:p>
-            <a:r>
-              <a:rPr lang="en-IN" dirty="0"/>
+            <a:endParaRPr lang="en-IN" dirty="0">
+              <a:latin typeface="Rockwell" panose="02060603020205020403" pitchFamily="18" charset="0"/>
+            </a:endParaRPr>
+          </a:p>
+          <a:p>
+            <a:r>
+              <a:rPr lang="en-IN" dirty="0">
+                <a:latin typeface="Rockwell" panose="02060603020205020403" pitchFamily="18" charset="0"/>
+              </a:rPr>
               <a:t>destructor</a:t>
             </a:r>
           </a:p>
           <a:p>
             <a:r>
-              <a:rPr lang="en-IN" dirty="0"/>
+              <a:rPr lang="en-IN" dirty="0">
+                <a:latin typeface="Rockwell" panose="02060603020205020403" pitchFamily="18" charset="0"/>
+              </a:rPr>
               <a:t>copy constructor</a:t>
             </a:r>
           </a:p>
           <a:p>
             <a:r>
-              <a:rPr lang="en-IN" dirty="0"/>
+              <a:rPr lang="en-IN" dirty="0">
+                <a:latin typeface="Rockwell" panose="02060603020205020403" pitchFamily="18" charset="0"/>
+              </a:rPr>
               <a:t>copy assignment operator</a:t>
             </a:r>
           </a:p>
           <a:p>
             <a:r>
-              <a:rPr lang="en-IN" dirty="0"/>
+              <a:rPr lang="en-IN" dirty="0">
+                <a:latin typeface="Rockwell" panose="02060603020205020403" pitchFamily="18" charset="0"/>
+              </a:rPr>
               <a:t>move constructor</a:t>
             </a:r>
           </a:p>
           <a:p>
             <a:r>
-              <a:rPr lang="en-IN" dirty="0"/>
+              <a:rPr lang="en-IN" dirty="0">
+                <a:latin typeface="Rockwell" panose="02060603020205020403" pitchFamily="18" charset="0"/>
+              </a:rPr>
               <a:t>move assignment operator</a:t>
             </a:r>
           </a:p>
@@ -16794,19 +16849,25 @@
           <a:lstStyle/>
           <a:p>
             <a:r>
-              <a:rPr lang="en-IN" sz="2000" dirty="0"/>
+              <a:rPr lang="en-IN" sz="2000" dirty="0">
+                <a:latin typeface="Rockwell" panose="02060603020205020403" pitchFamily="18" charset="0"/>
+              </a:rPr>
               <a:t>A thread-safe function can be called simultaneously from multiple threads, even when the invocations use shared data, because all references to the shared data are serialized.</a:t>
             </a:r>
           </a:p>
           <a:p>
             <a:r>
-              <a:rPr lang="en-IN" sz="2000" dirty="0"/>
+              <a:rPr lang="en-IN" sz="2000" dirty="0">
+                <a:latin typeface="Rockwell" panose="02060603020205020403" pitchFamily="18" charset="0"/>
+              </a:rPr>
               <a:t>A re-entrant function can also be called simultaneously from multiple threads, but only if each invocation uses its own data.</a:t>
             </a:r>
           </a:p>
           <a:p>
             <a:r>
-              <a:rPr lang="en-IN" sz="2000" dirty="0"/>
+              <a:rPr lang="en-IN" sz="2000" dirty="0">
+                <a:latin typeface="Rockwell" panose="02060603020205020403" pitchFamily="18" charset="0"/>
+              </a:rPr>
               <a:t>Hence, a thread-safe function is always re-entrant, but a re-entrant function is not always thread-safe.</a:t>
             </a:r>
           </a:p>
@@ -16896,7 +16957,9 @@
           <a:lstStyle/>
           <a:p>
             <a:r>
-              <a:rPr lang="en-IN" dirty="0"/>
+              <a:rPr lang="en-IN" dirty="0">
+                <a:latin typeface="Rockwell" panose="02060603020205020403" pitchFamily="18" charset="0"/>
+              </a:rPr>
               <a:t>a class is said to be re-entrant if its member functions can be called safely from multiple threads, as long as each thread uses a different instance of the class. The class is thread-safe if its member functions can be called safely from multiple threads, even if all the threads use the same instance of the class</a:t>
             </a:r>
           </a:p>
@@ -18635,32 +18698,21 @@
           <a:p>
             <a:pPr fontAlgn="base"/>
             <a:r>
-              <a:rPr lang="en-IN" b="1" dirty="0" err="1">
-                <a:latin typeface="Roboto"/>
-              </a:rPr>
+              <a:rPr lang="en-IN" i="0" dirty="0" err="1"/>
               <a:t>emplace_back</a:t>
             </a:r>
             <a:r>
-              <a:rPr lang="en-IN" b="1" dirty="0">
-                <a:latin typeface="Roboto"/>
-              </a:rPr>
+              <a:rPr lang="en-IN" i="0" dirty="0"/>
               <a:t>() vs </a:t>
             </a:r>
             <a:r>
-              <a:rPr lang="en-IN" b="1" dirty="0" err="1">
-                <a:latin typeface="Roboto"/>
-              </a:rPr>
+              <a:rPr lang="en-IN" i="0" dirty="0" err="1"/>
               <a:t>push_back</a:t>
             </a:r>
             <a:r>
-              <a:rPr lang="en-IN" b="1" dirty="0">
-                <a:latin typeface="Roboto"/>
-              </a:rPr>
+              <a:rPr lang="en-IN" i="0" dirty="0"/>
               <a:t>()</a:t>
             </a:r>
-            <a:endParaRPr lang="en-IN" dirty="0">
-              <a:latin typeface="Roboto"/>
-            </a:endParaRPr>
           </a:p>
         </p:txBody>
       </p:sp>
@@ -18679,7 +18731,7 @@
         <p:spPr>
           <a:xfrm>
             <a:off x="595618" y="1582341"/>
-            <a:ext cx="10989578" cy="2585323"/>
+            <a:ext cx="10989578" cy="2031325"/>
           </a:xfrm>
           <a:prstGeom prst="rect">
             <a:avLst/>
@@ -18697,31 +18749,31 @@
             </a:pPr>
             <a:r>
               <a:rPr lang="en-IN" b="1" dirty="0" err="1">
-                <a:latin typeface="Roboto"/>
+                <a:latin typeface="+mj-lt"/>
               </a:rPr>
               <a:t>push_back</a:t>
             </a:r>
             <a:r>
               <a:rPr lang="en-IN" b="1" dirty="0">
-                <a:latin typeface="Roboto"/>
+                <a:latin typeface="+mj-lt"/>
               </a:rPr>
               <a:t>()</a:t>
             </a:r>
             <a:r>
               <a:rPr lang="en-IN" dirty="0">
-                <a:latin typeface="Roboto"/>
+                <a:latin typeface="+mj-lt"/>
               </a:rPr>
               <a:t> copies a string into a vector. First, a new string object will be implicitly created initialized with provided char*. Then </a:t>
             </a:r>
             <a:r>
               <a:rPr lang="en-IN" dirty="0" err="1">
-                <a:latin typeface="Roboto"/>
+                <a:latin typeface="+mj-lt"/>
               </a:rPr>
               <a:t>push_back</a:t>
             </a:r>
             <a:r>
               <a:rPr lang="en-IN" dirty="0">
-                <a:latin typeface="Roboto"/>
+                <a:latin typeface="+mj-lt"/>
               </a:rPr>
               <a:t> will be called which will copy this string into the vector using the move constructor because the original string is a temporary object. Then the temporary object will be destroyed.</a:t>
             </a:r>
@@ -18729,7 +18781,7 @@
           <a:p>
             <a:pPr fontAlgn="base"/>
             <a:endParaRPr lang="en-IN" dirty="0">
-              <a:latin typeface="Roboto"/>
+              <a:latin typeface="+mj-lt"/>
             </a:endParaRPr>
           </a:p>
           <a:p>
@@ -18739,37 +18791,37 @@
             </a:pPr>
             <a:r>
               <a:rPr lang="en-IN" b="1" dirty="0" err="1">
-                <a:latin typeface="Roboto"/>
+                <a:latin typeface="+mj-lt"/>
               </a:rPr>
               <a:t>emplace_back</a:t>
             </a:r>
             <a:r>
               <a:rPr lang="en-IN" b="1" dirty="0">
-                <a:latin typeface="Roboto"/>
+                <a:latin typeface="+mj-lt"/>
               </a:rPr>
               <a:t>()</a:t>
             </a:r>
             <a:r>
               <a:rPr lang="en-IN" dirty="0">
-                <a:latin typeface="Roboto"/>
+                <a:latin typeface="+mj-lt"/>
               </a:rPr>
               <a:t> constructs a string in-place, so no temporary string will be created but rather </a:t>
             </a:r>
             <a:r>
               <a:rPr lang="en-IN" dirty="0" err="1">
-                <a:latin typeface="Roboto"/>
+                <a:latin typeface="+mj-lt"/>
               </a:rPr>
               <a:t>emplace_back</a:t>
             </a:r>
             <a:r>
               <a:rPr lang="en-IN" dirty="0">
-                <a:latin typeface="Roboto"/>
+                <a:latin typeface="+mj-lt"/>
               </a:rPr>
               <a:t>() will be called directly with char* argument. It will then create a string to be stored in the vector initialized with this char*. So, in this case, we avoid constructing and destroying an unnecessary temporary string object.</a:t>
             </a:r>
             <a:endParaRPr lang="en-IN" b="0" i="0" dirty="0">
               <a:effectLst/>
-              <a:latin typeface="Roboto"/>
+              <a:latin typeface="+mj-lt"/>
             </a:endParaRPr>
           </a:p>
         </p:txBody>
@@ -18828,16 +18880,76 @@
         <a:srgbClr val="848484"/>
       </a:folHlink>
     </a:clrScheme>
-    <a:fontScheme name="Custom 3">
+    <a:fontScheme name="Times New Roman-Arial">
       <a:majorFont>
-        <a:latin typeface="Elephant"/>
+        <a:latin typeface="Times New Roman" panose="02020603050405020304"/>
         <a:ea typeface=""/>
         <a:cs typeface=""/>
+        <a:font script="Jpan" typeface="ＭＳ Ｐ明朝"/>
+        <a:font script="Hang" typeface="바탕"/>
+        <a:font script="Hans" typeface="宋体"/>
+        <a:font script="Hant" typeface="新細明體"/>
+        <a:font script="Arab" typeface="Times New Roman"/>
+        <a:font script="Hebr" typeface="Times New Roman"/>
+        <a:font script="Thai" typeface="Angsana New"/>
+        <a:font script="Ethi" typeface="Nyala"/>
+        <a:font script="Beng" typeface="Vrinda"/>
+        <a:font script="Gujr" typeface="Shruti"/>
+        <a:font script="Khmr" typeface="MoolBoran"/>
+        <a:font script="Knda" typeface="Tunga"/>
+        <a:font script="Guru" typeface="Raavi"/>
+        <a:font script="Cans" typeface="Euphemia"/>
+        <a:font script="Cher" typeface="Plantagenet Cherokee"/>
+        <a:font script="Yiii" typeface="Microsoft Yi Baiti"/>
+        <a:font script="Tibt" typeface="Microsoft Himalaya"/>
+        <a:font script="Thaa" typeface="MV Boli"/>
+        <a:font script="Deva" typeface="Mangal"/>
+        <a:font script="Telu" typeface="Gautami"/>
+        <a:font script="Taml" typeface="Latha"/>
+        <a:font script="Syrc" typeface="Estrangelo Edessa"/>
+        <a:font script="Orya" typeface="Kalinga"/>
+        <a:font script="Mlym" typeface="Kartika"/>
+        <a:font script="Laoo" typeface="DokChampa"/>
+        <a:font script="Sinh" typeface="Iskoola Pota"/>
+        <a:font script="Mong" typeface="Mongolian Baiti"/>
+        <a:font script="Viet" typeface="Times New Roman"/>
+        <a:font script="Uigh" typeface="Microsoft Uighur"/>
+        <a:font script="Geor" typeface="Sylfaen"/>
       </a:majorFont>
       <a:minorFont>
-        <a:latin typeface="Century Gothic"/>
+        <a:latin typeface="Arial" panose="020B0604020202020204"/>
         <a:ea typeface=""/>
         <a:cs typeface=""/>
+        <a:font script="Jpan" typeface="ＭＳ Ｐゴシック"/>
+        <a:font script="Hang" typeface="돋움"/>
+        <a:font script="Hans" typeface="黑体"/>
+        <a:font script="Hant" typeface="微軟正黑體"/>
+        <a:font script="Arab" typeface="Arial"/>
+        <a:font script="Hebr" typeface="Arial"/>
+        <a:font script="Thai" typeface="Cordia New"/>
+        <a:font script="Ethi" typeface="Nyala"/>
+        <a:font script="Beng" typeface="Vrinda"/>
+        <a:font script="Gujr" typeface="Shruti"/>
+        <a:font script="Khmr" typeface="DaunPenh"/>
+        <a:font script="Knda" typeface="Tunga"/>
+        <a:font script="Guru" typeface="Raavi"/>
+        <a:font script="Cans" typeface="Euphemia"/>
+        <a:font script="Cher" typeface="Plantagenet Cherokee"/>
+        <a:font script="Yiii" typeface="Microsoft Yi Baiti"/>
+        <a:font script="Tibt" typeface="Microsoft Himalaya"/>
+        <a:font script="Thaa" typeface="MV Boli"/>
+        <a:font script="Deva" typeface="Mangal"/>
+        <a:font script="Telu" typeface="Gautami"/>
+        <a:font script="Taml" typeface="Latha"/>
+        <a:font script="Syrc" typeface="Estrangelo Edessa"/>
+        <a:font script="Orya" typeface="Kalinga"/>
+        <a:font script="Mlym" typeface="Kartika"/>
+        <a:font script="Laoo" typeface="DokChampa"/>
+        <a:font script="Sinh" typeface="Iskoola Pota"/>
+        <a:font script="Mong" typeface="Mongolian Baiti"/>
+        <a:font script="Viet" typeface="Arial"/>
+        <a:font script="Uigh" typeface="Microsoft Uighur"/>
+        <a:font script="Geor" typeface="Sylfaen"/>
       </a:minorFont>
     </a:fontScheme>
     <a:fmtScheme name="Office">

--- a/learnings.pptx
+++ b/learnings.pptx
@@ -20,7 +20,8 @@
     <p:sldId id="270" r:id="rId14"/>
     <p:sldId id="271" r:id="rId15"/>
     <p:sldId id="272" r:id="rId16"/>
-    <p:sldId id="273" r:id="rId17"/>
+    <p:sldId id="274" r:id="rId17"/>
+    <p:sldId id="273" r:id="rId18"/>
   </p:sldIdLst>
   <p:sldSz cx="12192000" cy="6858000"/>
   <p:notesSz cx="6858000" cy="9144000"/>
@@ -2474,7 +2475,7 @@
           <a:p>
             <a:fld id="{3C04E684-10F4-4CC3-A0B9-F03AA7BE37CF}" type="datetimeFigureOut">
               <a:rPr lang="en-US" smtClean="0"/>
-              <a:t>6/24/2020</a:t>
+              <a:t>8/17/2020</a:t>
             </a:fld>
             <a:endParaRPr lang="en-US"/>
           </a:p>
@@ -4964,7 +4965,7 @@
           <a:p>
             <a:fld id="{3C04E684-10F4-4CC3-A0B9-F03AA7BE37CF}" type="datetimeFigureOut">
               <a:rPr lang="en-US" smtClean="0"/>
-              <a:t>6/24/2020</a:t>
+              <a:t>8/17/2020</a:t>
             </a:fld>
             <a:endParaRPr lang="en-US"/>
           </a:p>
@@ -5162,7 +5163,7 @@
           <a:p>
             <a:fld id="{3C04E684-10F4-4CC3-A0B9-F03AA7BE37CF}" type="datetimeFigureOut">
               <a:rPr lang="en-US" smtClean="0"/>
-              <a:t>6/24/2020</a:t>
+              <a:t>8/17/2020</a:t>
             </a:fld>
             <a:endParaRPr lang="en-US"/>
           </a:p>
@@ -5370,7 +5371,7 @@
           <a:p>
             <a:fld id="{3C04E684-10F4-4CC3-A0B9-F03AA7BE37CF}" type="datetimeFigureOut">
               <a:rPr lang="en-US" smtClean="0"/>
-              <a:t>6/24/2020</a:t>
+              <a:t>8/17/2020</a:t>
             </a:fld>
             <a:endParaRPr lang="en-US"/>
           </a:p>
@@ -6107,7 +6108,7 @@
           <a:p>
             <a:fld id="{3C04E684-10F4-4CC3-A0B9-F03AA7BE37CF}" type="datetimeFigureOut">
               <a:rPr lang="en-US" smtClean="0"/>
-              <a:t>6/24/2020</a:t>
+              <a:t>8/17/2020</a:t>
             </a:fld>
             <a:endParaRPr lang="en-US"/>
           </a:p>
@@ -6749,7 +6750,7 @@
           <a:p>
             <a:fld id="{3C04E684-10F4-4CC3-A0B9-F03AA7BE37CF}" type="datetimeFigureOut">
               <a:rPr lang="en-US" smtClean="0"/>
-              <a:t>6/24/2020</a:t>
+              <a:t>8/17/2020</a:t>
             </a:fld>
             <a:endParaRPr lang="en-US"/>
           </a:p>
@@ -7549,7 +7550,7 @@
           <a:p>
             <a:fld id="{3C04E684-10F4-4CC3-A0B9-F03AA7BE37CF}" type="datetimeFigureOut">
               <a:rPr lang="en-US" smtClean="0"/>
-              <a:t>6/24/2020</a:t>
+              <a:t>8/17/2020</a:t>
             </a:fld>
             <a:endParaRPr lang="en-US"/>
           </a:p>
@@ -8500,7 +8501,7 @@
           <a:p>
             <a:fld id="{3C04E684-10F4-4CC3-A0B9-F03AA7BE37CF}" type="datetimeFigureOut">
               <a:rPr lang="en-US" smtClean="0"/>
-              <a:t>6/24/2020</a:t>
+              <a:t>8/17/2020</a:t>
             </a:fld>
             <a:endParaRPr lang="en-US"/>
           </a:p>
@@ -10849,7 +10850,7 @@
           <a:p>
             <a:fld id="{3C04E684-10F4-4CC3-A0B9-F03AA7BE37CF}" type="datetimeFigureOut">
               <a:rPr lang="en-US" smtClean="0"/>
-              <a:t>6/24/2020</a:t>
+              <a:t>8/17/2020</a:t>
             </a:fld>
             <a:endParaRPr lang="en-US"/>
           </a:p>
@@ -10962,7 +10963,7 @@
           <a:p>
             <a:fld id="{3C04E684-10F4-4CC3-A0B9-F03AA7BE37CF}" type="datetimeFigureOut">
               <a:rPr lang="en-US" smtClean="0"/>
-              <a:t>6/24/2020</a:t>
+              <a:t>8/17/2020</a:t>
             </a:fld>
             <a:endParaRPr lang="en-US"/>
           </a:p>
@@ -11469,7 +11470,7 @@
           <a:p>
             <a:fld id="{3C04E684-10F4-4CC3-A0B9-F03AA7BE37CF}" type="datetimeFigureOut">
               <a:rPr lang="en-US" smtClean="0"/>
-              <a:t>6/24/2020</a:t>
+              <a:t>8/17/2020</a:t>
             </a:fld>
             <a:endParaRPr lang="en-US"/>
           </a:p>
@@ -12772,7 +12773,7 @@
           <a:p>
             <a:fld id="{3C04E684-10F4-4CC3-A0B9-F03AA7BE37CF}" type="datetimeFigureOut">
               <a:rPr lang="en-US" smtClean="0"/>
-              <a:t>6/24/2020</a:t>
+              <a:t>8/17/2020</a:t>
             </a:fld>
             <a:endParaRPr lang="en-US"/>
           </a:p>
@@ -13019,7 +13020,7 @@
           <a:p>
             <a:fld id="{3C04E684-10F4-4CC3-A0B9-F03AA7BE37CF}" type="datetimeFigureOut">
               <a:rPr lang="en-US" smtClean="0"/>
-              <a:t>6/24/2020</a:t>
+              <a:t>8/17/2020</a:t>
             </a:fld>
             <a:endParaRPr lang="en-US"/>
           </a:p>
@@ -16478,7 +16479,66 @@
               <a:rPr lang="en-IN" b="1" dirty="0">
                 <a:latin typeface="Roboto"/>
               </a:rPr>
-              <a:t>Header</a:t>
+              <a:t>Open explorer from command prompt </a:t>
+            </a:r>
+          </a:p>
+        </p:txBody>
+      </p:sp>
+      <p:sp>
+        <p:nvSpPr>
+          <p:cNvPr id="5" name="TextBox 4">
+            <a:extLst>
+              <a:ext uri="{FF2B5EF4-FFF2-40B4-BE49-F238E27FC236}">
+                <a16:creationId xmlns:a16="http://schemas.microsoft.com/office/drawing/2014/main" id="{A59380E4-CDCD-484F-993E-D668B1AF4A1C}"/>
+              </a:ext>
+            </a:extLst>
+          </p:cNvPr>
+          <p:cNvSpPr txBox="1"/>
+          <p:nvPr/>
+        </p:nvSpPr>
+        <p:spPr>
+          <a:xfrm>
+            <a:off x="3047301" y="2138436"/>
+            <a:ext cx="6094602" cy="2585323"/>
+          </a:xfrm>
+          <a:prstGeom prst="rect">
+            <a:avLst/>
+          </a:prstGeom>
+          <a:noFill/>
+        </p:spPr>
+        <p:txBody>
+          <a:bodyPr wrap="square">
+            <a:spAutoFit/>
+          </a:bodyPr>
+          <a:lstStyle/>
+          <a:p>
+            <a:r>
+              <a:rPr lang="en-IN" dirty="0"/>
+              <a:t>In Bash, to view the current directory in Windows File Explorer just enter:</a:t>
+            </a:r>
+          </a:p>
+          <a:p>
+            <a:endParaRPr lang="en-IN" dirty="0"/>
+          </a:p>
+          <a:p>
+            <a:r>
+              <a:rPr lang="en-IN" dirty="0"/>
+              <a:t>explorer.exe .</a:t>
+            </a:r>
+          </a:p>
+          <a:p>
+            <a:r>
+              <a:rPr lang="en-IN" dirty="0"/>
+              <a:t>Don't leave out the ".".</a:t>
+            </a:r>
+          </a:p>
+          <a:p>
+            <a:endParaRPr lang="en-IN" dirty="0"/>
+          </a:p>
+          <a:p>
+            <a:r>
+              <a:rPr lang="en-IN" dirty="0"/>
+              <a:t>This will open windows explorer at the current folder and you can see where everything is in relation to the rest of your Windows system.</a:t>
             </a:r>
           </a:p>
         </p:txBody>
@@ -16540,7 +16600,123 @@
               <a:rPr lang="en-IN" b="1" dirty="0">
                 <a:latin typeface="Roboto"/>
               </a:rPr>
-              <a:t>Header</a:t>
+              <a:t>Windows subsystem for Linux</a:t>
+            </a:r>
+          </a:p>
+        </p:txBody>
+      </p:sp>
+      <p:sp>
+        <p:nvSpPr>
+          <p:cNvPr id="4" name="TextBox 3">
+            <a:extLst>
+              <a:ext uri="{FF2B5EF4-FFF2-40B4-BE49-F238E27FC236}">
+                <a16:creationId xmlns:a16="http://schemas.microsoft.com/office/drawing/2014/main" id="{971833AD-2A4E-4643-BACC-6C98AD6D25A7}"/>
+              </a:ext>
+            </a:extLst>
+          </p:cNvPr>
+          <p:cNvSpPr txBox="1"/>
+          <p:nvPr/>
+        </p:nvSpPr>
+        <p:spPr>
+          <a:xfrm>
+            <a:off x="838200" y="1690688"/>
+            <a:ext cx="6094602" cy="1477328"/>
+          </a:xfrm>
+          <a:prstGeom prst="rect">
+            <a:avLst/>
+          </a:prstGeom>
+          <a:noFill/>
+        </p:spPr>
+        <p:txBody>
+          <a:bodyPr wrap="square">
+            <a:spAutoFit/>
+          </a:bodyPr>
+          <a:lstStyle/>
+          <a:p>
+            <a:r>
+              <a:rPr lang="en-IN" dirty="0"/>
+              <a:t>What is Windows Subsystem for Linux (WSL)?</a:t>
+            </a:r>
+          </a:p>
+          <a:p>
+            <a:r>
+              <a:rPr lang="en-IN" dirty="0"/>
+              <a:t>The Windows Subsystem for Linux (WSL) is a new Windows 10 feature that enables you to run native Linux command-line tools directly on Windows, alongside your traditional Windows desktop and modern store apps.</a:t>
+            </a:r>
+          </a:p>
+        </p:txBody>
+      </p:sp>
+      <p:sp>
+        <p:nvSpPr>
+          <p:cNvPr id="6" name="TextBox 5">
+            <a:extLst>
+              <a:ext uri="{FF2B5EF4-FFF2-40B4-BE49-F238E27FC236}">
+                <a16:creationId xmlns:a16="http://schemas.microsoft.com/office/drawing/2014/main" id="{0959EE07-4A31-41AE-8F40-D9AE33F22E29}"/>
+              </a:ext>
+            </a:extLst>
+          </p:cNvPr>
+          <p:cNvSpPr txBox="1"/>
+          <p:nvPr/>
+        </p:nvSpPr>
+        <p:spPr>
+          <a:xfrm>
+            <a:off x="838200" y="3689985"/>
+            <a:ext cx="6094602" cy="2308324"/>
+          </a:xfrm>
+          <a:prstGeom prst="rect">
+            <a:avLst/>
+          </a:prstGeom>
+          <a:noFill/>
+        </p:spPr>
+        <p:txBody>
+          <a:bodyPr wrap="square">
+            <a:spAutoFit/>
+          </a:bodyPr>
+          <a:lstStyle/>
+          <a:p>
+            <a:r>
+              <a:rPr lang="en-IN" dirty="0"/>
+              <a:t>How do I access my C: drive?</a:t>
+            </a:r>
+          </a:p>
+          <a:p>
+            <a:r>
+              <a:rPr lang="en-IN" dirty="0"/>
+              <a:t>Mount points for hard drives on the local machine are automatically created and provide easy access to the Windows filesystem.</a:t>
+            </a:r>
+          </a:p>
+          <a:p>
+            <a:endParaRPr lang="en-IN" dirty="0"/>
+          </a:p>
+          <a:p>
+            <a:r>
+              <a:rPr lang="en-IN" dirty="0"/>
+              <a:t>/</a:t>
+            </a:r>
+            <a:r>
+              <a:rPr lang="en-IN" dirty="0" err="1"/>
+              <a:t>mnt</a:t>
+            </a:r>
+            <a:r>
+              <a:rPr lang="en-IN" dirty="0"/>
+              <a:t>/&lt;drive letter&gt;/</a:t>
+            </a:r>
+          </a:p>
+          <a:p>
+            <a:endParaRPr lang="en-IN" dirty="0"/>
+          </a:p>
+          <a:p>
+            <a:r>
+              <a:rPr lang="en-IN" dirty="0"/>
+              <a:t>Example usage would be cd /</a:t>
+            </a:r>
+            <a:r>
+              <a:rPr lang="en-IN" dirty="0" err="1"/>
+              <a:t>mnt</a:t>
+            </a:r>
+            <a:r>
+              <a:rPr lang="en-IN" dirty="0"/>
+              <a:t>/c to access c:\</a:t>
             </a:r>
           </a:p>
         </p:txBody>
@@ -16559,6 +16735,109 @@
 </file>
 
 <file path=ppt/slides/slide16.xml><?xml version="1.0" encoding="utf-8"?>
+<p:sld xmlns:a="http://schemas.openxmlformats.org/drawingml/2006/main" xmlns:r="http://schemas.openxmlformats.org/officeDocument/2006/relationships" xmlns:p="http://schemas.openxmlformats.org/presentationml/2006/main">
+  <p:cSld>
+    <p:spTree>
+      <p:nvGrpSpPr>
+        <p:cNvPr id="1" name=""/>
+        <p:cNvGrpSpPr/>
+        <p:nvPr/>
+      </p:nvGrpSpPr>
+      <p:grpSpPr>
+        <a:xfrm>
+          <a:off x="0" y="0"/>
+          <a:ext cx="0" cy="0"/>
+          <a:chOff x="0" y="0"/>
+          <a:chExt cx="0" cy="0"/>
+        </a:xfrm>
+      </p:grpSpPr>
+      <p:sp>
+        <p:nvSpPr>
+          <p:cNvPr id="7" name="TextBox 6">
+            <a:extLst>
+              <a:ext uri="{FF2B5EF4-FFF2-40B4-BE49-F238E27FC236}">
+                <a16:creationId xmlns:a16="http://schemas.microsoft.com/office/drawing/2014/main" id="{BA0B0BB4-E63E-4168-86E4-74536B5BAE3B}"/>
+              </a:ext>
+            </a:extLst>
+          </p:cNvPr>
+          <p:cNvSpPr txBox="1"/>
+          <p:nvPr/>
+        </p:nvSpPr>
+        <p:spPr>
+          <a:xfrm>
+            <a:off x="1050721" y="2956930"/>
+            <a:ext cx="9645242" cy="369332"/>
+          </a:xfrm>
+          <a:prstGeom prst="rect">
+            <a:avLst/>
+          </a:prstGeom>
+          <a:noFill/>
+        </p:spPr>
+        <p:txBody>
+          <a:bodyPr wrap="square">
+            <a:spAutoFit/>
+          </a:bodyPr>
+          <a:lstStyle/>
+          <a:p>
+            <a:r>
+              <a:rPr lang="en-IN" dirty="0">
+                <a:hlinkClick r:id="rId2"/>
+              </a:rPr>
+              <a:t>https://stackoverflow.com/questions/3318410/pragma-pack-effect</a:t>
+            </a:r>
+            <a:endParaRPr lang="en-IN" dirty="0"/>
+          </a:p>
+        </p:txBody>
+      </p:sp>
+      <p:sp>
+        <p:nvSpPr>
+          <p:cNvPr id="9" name="TextBox 8">
+            <a:extLst>
+              <a:ext uri="{FF2B5EF4-FFF2-40B4-BE49-F238E27FC236}">
+                <a16:creationId xmlns:a16="http://schemas.microsoft.com/office/drawing/2014/main" id="{FD797B57-3283-422A-AD0D-3A0D9B3F29FB}"/>
+              </a:ext>
+            </a:extLst>
+          </p:cNvPr>
+          <p:cNvSpPr txBox="1"/>
+          <p:nvPr/>
+        </p:nvSpPr>
+        <p:spPr>
+          <a:xfrm>
+            <a:off x="1151389" y="1233074"/>
+            <a:ext cx="6094602" cy="646331"/>
+          </a:xfrm>
+          <a:prstGeom prst="rect">
+            <a:avLst/>
+          </a:prstGeom>
+          <a:noFill/>
+        </p:spPr>
+        <p:txBody>
+          <a:bodyPr wrap="square">
+            <a:spAutoFit/>
+          </a:bodyPr>
+          <a:lstStyle/>
+          <a:p>
+            <a:r>
+              <a:rPr lang="en-IN" sz="3600" dirty="0"/>
+              <a:t>#pragma pack effect</a:t>
+            </a:r>
+          </a:p>
+        </p:txBody>
+      </p:sp>
+    </p:spTree>
+    <p:extLst>
+      <p:ext uri="{BB962C8B-B14F-4D97-AF65-F5344CB8AC3E}">
+        <p14:creationId xmlns:p14="http://schemas.microsoft.com/office/powerpoint/2010/main" val="2223229601"/>
+      </p:ext>
+    </p:extLst>
+  </p:cSld>
+  <p:clrMapOvr>
+    <a:masterClrMapping/>
+  </p:clrMapOvr>
+</p:sld>
+</file>
+
+<file path=ppt/slides/slide17.xml><?xml version="1.0" encoding="utf-8"?>
 <p:sld xmlns:a="http://schemas.openxmlformats.org/drawingml/2006/main" xmlns:r="http://schemas.openxmlformats.org/officeDocument/2006/relationships" xmlns:p="http://schemas.openxmlformats.org/presentationml/2006/main">
   <p:cSld>
     <p:spTree>
@@ -16684,7 +16963,7 @@
         <p:spPr/>
         <p:txBody>
           <a:bodyPr>
-            <a:normAutofit fontScale="62500" lnSpcReduction="20000"/>
+            <a:normAutofit fontScale="70000" lnSpcReduction="20000"/>
           </a:bodyPr>
           <a:lstStyle/>
           <a:p>
@@ -16701,11 +16980,14 @@
             </a:endParaRPr>
           </a:p>
           <a:p>
+            <a:pPr marL="0" indent="0">
+              <a:buNone/>
+            </a:pPr>
             <a:r>
               <a:rPr lang="en-IN" dirty="0">
                 <a:latin typeface="Rockwell" panose="02060603020205020403" pitchFamily="18" charset="0"/>
               </a:rPr>
-              <a:t> if a class defines any of the following then it should probably explicitly define all three:[1]</a:t>
+              <a:t> if a class defines any of the following then it should probably explicitly define all five:</a:t>
             </a:r>
           </a:p>
           <a:p>
@@ -16856,12 +17138,25 @@
             </a:r>
           </a:p>
           <a:p>
+            <a:endParaRPr lang="en-IN" sz="2000" dirty="0">
+              <a:latin typeface="Rockwell" panose="02060603020205020403" pitchFamily="18" charset="0"/>
+            </a:endParaRPr>
+          </a:p>
+          <a:p>
             <a:r>
               <a:rPr lang="en-IN" sz="2000" dirty="0">
                 <a:latin typeface="Rockwell" panose="02060603020205020403" pitchFamily="18" charset="0"/>
               </a:rPr>
               <a:t>A re-entrant function can also be called simultaneously from multiple threads, but only if each invocation uses its own data.</a:t>
             </a:r>
+          </a:p>
+          <a:p>
+            <a:pPr marL="0" indent="0">
+              <a:buNone/>
+            </a:pPr>
+            <a:endParaRPr lang="en-IN" sz="2000" dirty="0">
+              <a:latin typeface="Rockwell" panose="02060603020205020403" pitchFamily="18" charset="0"/>
+            </a:endParaRPr>
           </a:p>
           <a:p>
             <a:r>
@@ -18424,7 +18719,7 @@
           <a:p>
             <a:r>
               <a:rPr lang="en-IN" i="0" dirty="0"/>
-              <a:t>Updating coding style</a:t>
+              <a:t>Updating coding style in Visual studio </a:t>
             </a:r>
           </a:p>
         </p:txBody>
@@ -18639,7 +18934,15 @@
             </a:pPr>
             <a:r>
               <a:rPr lang="en-US" dirty="0"/>
-              <a:t>You should add all source code in header only. Because templates are expanded at compile time </a:t>
+              <a:t>You should add all source code in </a:t>
+            </a:r>
+            <a:r>
+              <a:rPr lang="en-US" b="1" dirty="0"/>
+              <a:t>header</a:t>
+            </a:r>
+            <a:r>
+              <a:rPr lang="en-US" dirty="0"/>
+              <a:t> only. Because templates are expanded at compile time </a:t>
             </a:r>
             <a:endParaRPr lang="en-IN" dirty="0"/>
           </a:p>

--- a/learnings.pptx
+++ b/learnings.pptx
@@ -22,6 +22,14 @@
     <p:sldId id="272" r:id="rId16"/>
     <p:sldId id="274" r:id="rId17"/>
     <p:sldId id="273" r:id="rId18"/>
+    <p:sldId id="275" r:id="rId19"/>
+    <p:sldId id="282" r:id="rId20"/>
+    <p:sldId id="276" r:id="rId21"/>
+    <p:sldId id="277" r:id="rId22"/>
+    <p:sldId id="278" r:id="rId23"/>
+    <p:sldId id="279" r:id="rId24"/>
+    <p:sldId id="280" r:id="rId25"/>
+    <p:sldId id="281" r:id="rId26"/>
   </p:sldIdLst>
   <p:sldSz cx="12192000" cy="6858000"/>
   <p:notesSz cx="6858000" cy="9144000"/>
@@ -2475,7 +2483,7 @@
           <a:p>
             <a:fld id="{3C04E684-10F4-4CC3-A0B9-F03AA7BE37CF}" type="datetimeFigureOut">
               <a:rPr lang="en-US" smtClean="0"/>
-              <a:t>8/17/2020</a:t>
+              <a:t>11/16/2020</a:t>
             </a:fld>
             <a:endParaRPr lang="en-US"/>
           </a:p>
@@ -4965,7 +4973,7 @@
           <a:p>
             <a:fld id="{3C04E684-10F4-4CC3-A0B9-F03AA7BE37CF}" type="datetimeFigureOut">
               <a:rPr lang="en-US" smtClean="0"/>
-              <a:t>8/17/2020</a:t>
+              <a:t>11/16/2020</a:t>
             </a:fld>
             <a:endParaRPr lang="en-US"/>
           </a:p>
@@ -5163,7 +5171,7 @@
           <a:p>
             <a:fld id="{3C04E684-10F4-4CC3-A0B9-F03AA7BE37CF}" type="datetimeFigureOut">
               <a:rPr lang="en-US" smtClean="0"/>
-              <a:t>8/17/2020</a:t>
+              <a:t>11/16/2020</a:t>
             </a:fld>
             <a:endParaRPr lang="en-US"/>
           </a:p>
@@ -5371,7 +5379,7 @@
           <a:p>
             <a:fld id="{3C04E684-10F4-4CC3-A0B9-F03AA7BE37CF}" type="datetimeFigureOut">
               <a:rPr lang="en-US" smtClean="0"/>
-              <a:t>8/17/2020</a:t>
+              <a:t>11/16/2020</a:t>
             </a:fld>
             <a:endParaRPr lang="en-US"/>
           </a:p>
@@ -6108,7 +6116,7 @@
           <a:p>
             <a:fld id="{3C04E684-10F4-4CC3-A0B9-F03AA7BE37CF}" type="datetimeFigureOut">
               <a:rPr lang="en-US" smtClean="0"/>
-              <a:t>8/17/2020</a:t>
+              <a:t>11/16/2020</a:t>
             </a:fld>
             <a:endParaRPr lang="en-US"/>
           </a:p>
@@ -6750,7 +6758,7 @@
           <a:p>
             <a:fld id="{3C04E684-10F4-4CC3-A0B9-F03AA7BE37CF}" type="datetimeFigureOut">
               <a:rPr lang="en-US" smtClean="0"/>
-              <a:t>8/17/2020</a:t>
+              <a:t>11/16/2020</a:t>
             </a:fld>
             <a:endParaRPr lang="en-US"/>
           </a:p>
@@ -7550,7 +7558,7 @@
           <a:p>
             <a:fld id="{3C04E684-10F4-4CC3-A0B9-F03AA7BE37CF}" type="datetimeFigureOut">
               <a:rPr lang="en-US" smtClean="0"/>
-              <a:t>8/17/2020</a:t>
+              <a:t>11/16/2020</a:t>
             </a:fld>
             <a:endParaRPr lang="en-US"/>
           </a:p>
@@ -8501,7 +8509,7 @@
           <a:p>
             <a:fld id="{3C04E684-10F4-4CC3-A0B9-F03AA7BE37CF}" type="datetimeFigureOut">
               <a:rPr lang="en-US" smtClean="0"/>
-              <a:t>8/17/2020</a:t>
+              <a:t>11/16/2020</a:t>
             </a:fld>
             <a:endParaRPr lang="en-US"/>
           </a:p>
@@ -10850,7 +10858,7 @@
           <a:p>
             <a:fld id="{3C04E684-10F4-4CC3-A0B9-F03AA7BE37CF}" type="datetimeFigureOut">
               <a:rPr lang="en-US" smtClean="0"/>
-              <a:t>8/17/2020</a:t>
+              <a:t>11/16/2020</a:t>
             </a:fld>
             <a:endParaRPr lang="en-US"/>
           </a:p>
@@ -10963,7 +10971,7 @@
           <a:p>
             <a:fld id="{3C04E684-10F4-4CC3-A0B9-F03AA7BE37CF}" type="datetimeFigureOut">
               <a:rPr lang="en-US" smtClean="0"/>
-              <a:t>8/17/2020</a:t>
+              <a:t>11/16/2020</a:t>
             </a:fld>
             <a:endParaRPr lang="en-US"/>
           </a:p>
@@ -11470,7 +11478,7 @@
           <a:p>
             <a:fld id="{3C04E684-10F4-4CC3-A0B9-F03AA7BE37CF}" type="datetimeFigureOut">
               <a:rPr lang="en-US" smtClean="0"/>
-              <a:t>8/17/2020</a:t>
+              <a:t>11/16/2020</a:t>
             </a:fld>
             <a:endParaRPr lang="en-US"/>
           </a:p>
@@ -12773,7 +12781,7 @@
           <a:p>
             <a:fld id="{3C04E684-10F4-4CC3-A0B9-F03AA7BE37CF}" type="datetimeFigureOut">
               <a:rPr lang="en-US" smtClean="0"/>
-              <a:t>8/17/2020</a:t>
+              <a:t>11/16/2020</a:t>
             </a:fld>
             <a:endParaRPr lang="en-US"/>
           </a:p>
@@ -13020,7 +13028,7 @@
           <a:p>
             <a:fld id="{3C04E684-10F4-4CC3-A0B9-F03AA7BE37CF}" type="datetimeFigureOut">
               <a:rPr lang="en-US" smtClean="0"/>
-              <a:t>8/17/2020</a:t>
+              <a:t>11/16/2020</a:t>
             </a:fld>
             <a:endParaRPr lang="en-US"/>
           </a:p>
@@ -16881,15 +16889,488 @@
               <a:rPr lang="en-IN" b="1" dirty="0">
                 <a:latin typeface="Roboto"/>
               </a:rPr>
-              <a:t>Header</a:t>
-            </a:r>
+              <a:t>To check </a:t>
+            </a:r>
+            <a:r>
+              <a:rPr lang="en-IN" b="1" dirty="0" err="1">
+                <a:latin typeface="Roboto"/>
+              </a:rPr>
+              <a:t>dll</a:t>
+            </a:r>
+            <a:r>
+              <a:rPr lang="en-IN" b="1" dirty="0">
+                <a:latin typeface="Roboto"/>
+              </a:rPr>
+              <a:t> is being held by which process</a:t>
+            </a:r>
+          </a:p>
+        </p:txBody>
+      </p:sp>
+      <p:pic>
+        <p:nvPicPr>
+          <p:cNvPr id="4" name="Picture 3" descr="Graphical user interface, text, application, email&#10;&#10;Description automatically generated">
+            <a:extLst>
+              <a:ext uri="{FF2B5EF4-FFF2-40B4-BE49-F238E27FC236}">
+                <a16:creationId xmlns:a16="http://schemas.microsoft.com/office/drawing/2014/main" id="{140B3117-5C8B-4472-8A5F-AE2665579F5E}"/>
+              </a:ext>
+            </a:extLst>
+          </p:cNvPr>
+          <p:cNvPicPr>
+            <a:picLocks noChangeAspect="1"/>
+          </p:cNvPicPr>
+          <p:nvPr/>
+        </p:nvPicPr>
+        <p:blipFill>
+          <a:blip r:embed="rId2">
+            <a:extLst>
+              <a:ext uri="{28A0092B-C50C-407E-A947-70E740481C1C}">
+                <a14:useLocalDpi xmlns:a14="http://schemas.microsoft.com/office/drawing/2010/main" val="0"/>
+              </a:ext>
+            </a:extLst>
+          </a:blip>
+          <a:stretch>
+            <a:fillRect/>
+          </a:stretch>
+        </p:blipFill>
+        <p:spPr>
+          <a:xfrm>
+            <a:off x="0" y="1690688"/>
+            <a:ext cx="12192000" cy="5026373"/>
+          </a:xfrm>
+          <a:prstGeom prst="rect">
+            <a:avLst/>
+          </a:prstGeom>
+        </p:spPr>
+      </p:pic>
+    </p:spTree>
+    <p:extLst>
+      <p:ext uri="{BB962C8B-B14F-4D97-AF65-F5344CB8AC3E}">
+        <p14:creationId xmlns:p14="http://schemas.microsoft.com/office/powerpoint/2010/main" val="715608260"/>
+      </p:ext>
+    </p:extLst>
+  </p:cSld>
+  <p:clrMapOvr>
+    <a:masterClrMapping/>
+  </p:clrMapOvr>
+</p:sld>
+</file>
+
+<file path=ppt/slides/slide18.xml><?xml version="1.0" encoding="utf-8"?>
+<p:sld xmlns:a="http://schemas.openxmlformats.org/drawingml/2006/main" xmlns:r="http://schemas.openxmlformats.org/officeDocument/2006/relationships" xmlns:p="http://schemas.openxmlformats.org/presentationml/2006/main">
+  <p:cSld>
+    <p:spTree>
+      <p:nvGrpSpPr>
+        <p:cNvPr id="1" name=""/>
+        <p:cNvGrpSpPr/>
+        <p:nvPr/>
+      </p:nvGrpSpPr>
+      <p:grpSpPr>
+        <a:xfrm>
+          <a:off x="0" y="0"/>
+          <a:ext cx="0" cy="0"/>
+          <a:chOff x="0" y="0"/>
+          <a:chExt cx="0" cy="0"/>
+        </a:xfrm>
+      </p:grpSpPr>
+      <p:sp>
+        <p:nvSpPr>
+          <p:cNvPr id="9" name="TextBox 8">
+            <a:extLst>
+              <a:ext uri="{FF2B5EF4-FFF2-40B4-BE49-F238E27FC236}">
+                <a16:creationId xmlns:a16="http://schemas.microsoft.com/office/drawing/2014/main" id="{FD797B57-3283-422A-AD0D-3A0D9B3F29FB}"/>
+              </a:ext>
+            </a:extLst>
+          </p:cNvPr>
+          <p:cNvSpPr txBox="1"/>
+          <p:nvPr/>
+        </p:nvSpPr>
+        <p:spPr>
+          <a:xfrm>
+            <a:off x="1123397" y="1233074"/>
+            <a:ext cx="6094602" cy="1200329"/>
+          </a:xfrm>
+          <a:prstGeom prst="rect">
+            <a:avLst/>
+          </a:prstGeom>
+          <a:noFill/>
+        </p:spPr>
+        <p:txBody>
+          <a:bodyPr wrap="square">
+            <a:spAutoFit/>
+          </a:bodyPr>
+          <a:lstStyle/>
+          <a:p>
+            <a:r>
+              <a:rPr lang="en-IN" sz="3600" dirty="0" err="1"/>
+              <a:t>Taskkill</a:t>
+            </a:r>
+            <a:r>
+              <a:rPr lang="en-IN" sz="3600" dirty="0"/>
+              <a:t> to kill process in windows</a:t>
+            </a:r>
+          </a:p>
+        </p:txBody>
+      </p:sp>
+      <p:sp>
+        <p:nvSpPr>
+          <p:cNvPr id="2" name="TextBox 1">
+            <a:extLst>
+              <a:ext uri="{FF2B5EF4-FFF2-40B4-BE49-F238E27FC236}">
+                <a16:creationId xmlns:a16="http://schemas.microsoft.com/office/drawing/2014/main" id="{41EC2ACF-E89B-4C81-A3E6-13205669D033}"/>
+              </a:ext>
+            </a:extLst>
+          </p:cNvPr>
+          <p:cNvSpPr txBox="1"/>
+          <p:nvPr/>
+        </p:nvSpPr>
+        <p:spPr>
+          <a:xfrm>
+            <a:off x="981512" y="2577193"/>
+            <a:ext cx="10477849" cy="369332"/>
+          </a:xfrm>
+          <a:prstGeom prst="rect">
+            <a:avLst/>
+          </a:prstGeom>
+          <a:noFill/>
+        </p:spPr>
+        <p:txBody>
+          <a:bodyPr wrap="square" rtlCol="0">
+            <a:spAutoFit/>
+          </a:bodyPr>
+          <a:lstStyle/>
+          <a:p>
+            <a:r>
+              <a:rPr lang="en-IN" dirty="0"/>
+              <a:t>You can identify all processes using following command</a:t>
+            </a:r>
+          </a:p>
+        </p:txBody>
+      </p:sp>
+      <p:sp>
+        <p:nvSpPr>
+          <p:cNvPr id="6" name="TextBox 5">
+            <a:extLst>
+              <a:ext uri="{FF2B5EF4-FFF2-40B4-BE49-F238E27FC236}">
+                <a16:creationId xmlns:a16="http://schemas.microsoft.com/office/drawing/2014/main" id="{8C437D59-344E-4048-BD9A-5FA0A1378926}"/>
+              </a:ext>
+            </a:extLst>
+          </p:cNvPr>
+          <p:cNvSpPr txBox="1"/>
+          <p:nvPr/>
+        </p:nvSpPr>
+        <p:spPr>
+          <a:xfrm>
+            <a:off x="1059110" y="3459648"/>
+            <a:ext cx="6094602" cy="369332"/>
+          </a:xfrm>
+          <a:prstGeom prst="rect">
+            <a:avLst/>
+          </a:prstGeom>
+          <a:noFill/>
+        </p:spPr>
+        <p:txBody>
+          <a:bodyPr wrap="square">
+            <a:spAutoFit/>
+          </a:bodyPr>
+          <a:lstStyle/>
+          <a:p>
+            <a:r>
+              <a:rPr lang="en-IN" dirty="0"/>
+              <a:t>&gt; </a:t>
+            </a:r>
+            <a:r>
+              <a:rPr lang="en-IN" dirty="0" err="1"/>
+              <a:t>taskkill</a:t>
+            </a:r>
+            <a:r>
+              <a:rPr lang="en-IN" dirty="0"/>
+              <a:t> /F /PID 15720</a:t>
+            </a:r>
+          </a:p>
+        </p:txBody>
+      </p:sp>
+      <p:sp>
+        <p:nvSpPr>
+          <p:cNvPr id="8" name="TextBox 7">
+            <a:extLst>
+              <a:ext uri="{FF2B5EF4-FFF2-40B4-BE49-F238E27FC236}">
+                <a16:creationId xmlns:a16="http://schemas.microsoft.com/office/drawing/2014/main" id="{A4CDF521-CDCD-41FB-AB9A-8B491A1A7ADF}"/>
+              </a:ext>
+            </a:extLst>
+          </p:cNvPr>
+          <p:cNvSpPr txBox="1"/>
+          <p:nvPr/>
+        </p:nvSpPr>
+        <p:spPr>
+          <a:xfrm>
+            <a:off x="981512" y="3090315"/>
+            <a:ext cx="6094602" cy="369332"/>
+          </a:xfrm>
+          <a:prstGeom prst="rect">
+            <a:avLst/>
+          </a:prstGeom>
+          <a:noFill/>
+        </p:spPr>
+        <p:txBody>
+          <a:bodyPr wrap="square">
+            <a:spAutoFit/>
+          </a:bodyPr>
+          <a:lstStyle/>
+          <a:p>
+            <a:r>
+              <a:rPr lang="en-IN" dirty="0"/>
+              <a:t>&gt; </a:t>
+            </a:r>
+            <a:r>
+              <a:rPr lang="en-IN" dirty="0" err="1"/>
+              <a:t>tasklist</a:t>
+            </a:r>
+            <a:endParaRPr lang="en-IN" dirty="0"/>
           </a:p>
         </p:txBody>
       </p:sp>
     </p:spTree>
     <p:extLst>
       <p:ext uri="{BB962C8B-B14F-4D97-AF65-F5344CB8AC3E}">
-        <p14:creationId xmlns:p14="http://schemas.microsoft.com/office/powerpoint/2010/main" val="715608260"/>
+        <p14:creationId xmlns:p14="http://schemas.microsoft.com/office/powerpoint/2010/main" val="3777188562"/>
+      </p:ext>
+    </p:extLst>
+  </p:cSld>
+  <p:clrMapOvr>
+    <a:masterClrMapping/>
+  </p:clrMapOvr>
+</p:sld>
+</file>
+
+<file path=ppt/slides/slide19.xml><?xml version="1.0" encoding="utf-8"?>
+<p:sld xmlns:a="http://schemas.openxmlformats.org/drawingml/2006/main" xmlns:r="http://schemas.openxmlformats.org/officeDocument/2006/relationships" xmlns:p="http://schemas.openxmlformats.org/presentationml/2006/main">
+  <p:cSld>
+    <p:spTree>
+      <p:nvGrpSpPr>
+        <p:cNvPr id="1" name=""/>
+        <p:cNvGrpSpPr/>
+        <p:nvPr/>
+      </p:nvGrpSpPr>
+      <p:grpSpPr>
+        <a:xfrm>
+          <a:off x="0" y="0"/>
+          <a:ext cx="0" cy="0"/>
+          <a:chOff x="0" y="0"/>
+          <a:chExt cx="0" cy="0"/>
+        </a:xfrm>
+      </p:grpSpPr>
+      <p:sp>
+        <p:nvSpPr>
+          <p:cNvPr id="2" name="Title 1">
+            <a:extLst>
+              <a:ext uri="{FF2B5EF4-FFF2-40B4-BE49-F238E27FC236}">
+                <a16:creationId xmlns:a16="http://schemas.microsoft.com/office/drawing/2014/main" id="{94C71879-E361-474B-BE76-BE64869189C9}"/>
+              </a:ext>
+            </a:extLst>
+          </p:cNvPr>
+          <p:cNvSpPr>
+            <a:spLocks noGrp="1"/>
+          </p:cNvSpPr>
+          <p:nvPr>
+            <p:ph type="title"/>
+          </p:nvPr>
+        </p:nvSpPr>
+        <p:spPr>
+          <a:xfrm>
+            <a:off x="645254" y="130233"/>
+            <a:ext cx="10515600" cy="1325563"/>
+          </a:xfrm>
+        </p:spPr>
+        <p:txBody>
+          <a:bodyPr>
+            <a:normAutofit/>
+          </a:bodyPr>
+          <a:lstStyle/>
+          <a:p>
+            <a:r>
+              <a:rPr lang="en-IN" sz="3200" dirty="0"/>
+              <a:t>How to record a video tutorial using Camtasia</a:t>
+            </a:r>
+          </a:p>
+        </p:txBody>
+      </p:sp>
+      <p:sp>
+        <p:nvSpPr>
+          <p:cNvPr id="3" name="Content Placeholder 2">
+            <a:extLst>
+              <a:ext uri="{FF2B5EF4-FFF2-40B4-BE49-F238E27FC236}">
+                <a16:creationId xmlns:a16="http://schemas.microsoft.com/office/drawing/2014/main" id="{47189880-F589-4F07-B464-C188F28EFD55}"/>
+              </a:ext>
+            </a:extLst>
+          </p:cNvPr>
+          <p:cNvSpPr>
+            <a:spLocks noGrp="1"/>
+          </p:cNvSpPr>
+          <p:nvPr>
+            <p:ph idx="1"/>
+          </p:nvPr>
+        </p:nvSpPr>
+        <p:spPr>
+          <a:xfrm>
+            <a:off x="754310" y="1455796"/>
+            <a:ext cx="10515600" cy="4160520"/>
+          </a:xfrm>
+        </p:spPr>
+        <p:txBody>
+          <a:bodyPr>
+            <a:normAutofit/>
+          </a:bodyPr>
+          <a:lstStyle/>
+          <a:p>
+            <a:r>
+              <a:rPr lang="en-IN" sz="1800" dirty="0"/>
+              <a:t>AS we know only </a:t>
+            </a:r>
+            <a:r>
+              <a:rPr lang="en-IN" sz="1800" dirty="0" err="1"/>
+              <a:t>camtasia</a:t>
+            </a:r>
+            <a:r>
+              <a:rPr lang="en-IN" sz="1800" dirty="0"/>
+              <a:t> is free recording software. </a:t>
+            </a:r>
+          </a:p>
+          <a:p>
+            <a:r>
+              <a:rPr lang="en-IN" sz="1800" dirty="0"/>
+              <a:t>You can use some codecs for recording a light weight videos. </a:t>
+            </a:r>
+          </a:p>
+          <a:p>
+            <a:r>
+              <a:rPr lang="en-IN" sz="1800" dirty="0"/>
+              <a:t>Following are the basic settings that you need to do in Camtasia</a:t>
+            </a:r>
+          </a:p>
+        </p:txBody>
+      </p:sp>
+      <p:pic>
+        <p:nvPicPr>
+          <p:cNvPr id="5" name="Picture 4" descr="Graphical user interface, application&#10;&#10;Description automatically generated">
+            <a:extLst>
+              <a:ext uri="{FF2B5EF4-FFF2-40B4-BE49-F238E27FC236}">
+                <a16:creationId xmlns:a16="http://schemas.microsoft.com/office/drawing/2014/main" id="{2B5EE2EC-ACCD-4A61-8ACE-BDD5F6E250F9}"/>
+              </a:ext>
+            </a:extLst>
+          </p:cNvPr>
+          <p:cNvPicPr>
+            <a:picLocks noChangeAspect="1"/>
+          </p:cNvPicPr>
+          <p:nvPr/>
+        </p:nvPicPr>
+        <p:blipFill>
+          <a:blip r:embed="rId2">
+            <a:extLst>
+              <a:ext uri="{28A0092B-C50C-407E-A947-70E740481C1C}">
+                <a14:useLocalDpi xmlns:a14="http://schemas.microsoft.com/office/drawing/2010/main" val="0"/>
+              </a:ext>
+            </a:extLst>
+          </a:blip>
+          <a:stretch>
+            <a:fillRect/>
+          </a:stretch>
+        </p:blipFill>
+        <p:spPr>
+          <a:xfrm>
+            <a:off x="922090" y="3034249"/>
+            <a:ext cx="3143689" cy="3458058"/>
+          </a:xfrm>
+          <a:prstGeom prst="rect">
+            <a:avLst/>
+          </a:prstGeom>
+        </p:spPr>
+      </p:pic>
+      <p:pic>
+        <p:nvPicPr>
+          <p:cNvPr id="7" name="Picture 6" descr="Graphical user interface, text, application&#10;&#10;Description automatically generated">
+            <a:extLst>
+              <a:ext uri="{FF2B5EF4-FFF2-40B4-BE49-F238E27FC236}">
+                <a16:creationId xmlns:a16="http://schemas.microsoft.com/office/drawing/2014/main" id="{9E254884-DDF5-4212-B63B-0564BC2E9D34}"/>
+              </a:ext>
+            </a:extLst>
+          </p:cNvPr>
+          <p:cNvPicPr>
+            <a:picLocks noChangeAspect="1"/>
+          </p:cNvPicPr>
+          <p:nvPr/>
+        </p:nvPicPr>
+        <p:blipFill>
+          <a:blip r:embed="rId3">
+            <a:extLst>
+              <a:ext uri="{28A0092B-C50C-407E-A947-70E740481C1C}">
+                <a14:useLocalDpi xmlns:a14="http://schemas.microsoft.com/office/drawing/2010/main" val="0"/>
+              </a:ext>
+            </a:extLst>
+          </a:blip>
+          <a:stretch>
+            <a:fillRect/>
+          </a:stretch>
+        </p:blipFill>
+        <p:spPr>
+          <a:xfrm>
+            <a:off x="7723383" y="1943646"/>
+            <a:ext cx="4366309" cy="4261211"/>
+          </a:xfrm>
+          <a:prstGeom prst="rect">
+            <a:avLst/>
+          </a:prstGeom>
+        </p:spPr>
+      </p:pic>
+      <p:sp>
+        <p:nvSpPr>
+          <p:cNvPr id="8" name="Arrow: Right 7">
+            <a:extLst>
+              <a:ext uri="{FF2B5EF4-FFF2-40B4-BE49-F238E27FC236}">
+                <a16:creationId xmlns:a16="http://schemas.microsoft.com/office/drawing/2014/main" id="{248E316C-8476-4486-AC75-15ED71233E0E}"/>
+              </a:ext>
+            </a:extLst>
+          </p:cNvPr>
+          <p:cNvSpPr/>
+          <p:nvPr/>
+        </p:nvSpPr>
+        <p:spPr>
+          <a:xfrm>
+            <a:off x="5421086" y="4030824"/>
+            <a:ext cx="1558212" cy="681135"/>
+          </a:xfrm>
+          <a:prstGeom prst="rightArrow">
+            <a:avLst/>
+          </a:prstGeom>
+        </p:spPr>
+        <p:style>
+          <a:lnRef idx="2">
+            <a:schemeClr val="accent1">
+              <a:shade val="50000"/>
+            </a:schemeClr>
+          </a:lnRef>
+          <a:fillRef idx="1">
+            <a:schemeClr val="accent1"/>
+          </a:fillRef>
+          <a:effectRef idx="0">
+            <a:schemeClr val="accent1"/>
+          </a:effectRef>
+          <a:fontRef idx="minor">
+            <a:schemeClr val="lt1"/>
+          </a:fontRef>
+        </p:style>
+        <p:txBody>
+          <a:bodyPr rtlCol="0" anchor="ctr"/>
+          <a:lstStyle/>
+          <a:p>
+            <a:pPr algn="ctr"/>
+            <a:endParaRPr lang="en-IN"/>
+          </a:p>
+        </p:txBody>
+      </p:sp>
+    </p:spTree>
+    <p:extLst>
+      <p:ext uri="{BB962C8B-B14F-4D97-AF65-F5344CB8AC3E}">
+        <p14:creationId xmlns:p14="http://schemas.microsoft.com/office/powerpoint/2010/main" val="351933921"/>
       </p:ext>
     </p:extLst>
   </p:cSld>
@@ -17041,6 +17522,514 @@
     <p:extLst>
       <p:ext uri="{BB962C8B-B14F-4D97-AF65-F5344CB8AC3E}">
         <p14:creationId xmlns:p14="http://schemas.microsoft.com/office/powerpoint/2010/main" val="2480805576"/>
+      </p:ext>
+    </p:extLst>
+  </p:cSld>
+  <p:clrMapOvr>
+    <a:masterClrMapping/>
+  </p:clrMapOvr>
+</p:sld>
+</file>
+
+<file path=ppt/slides/slide20.xml><?xml version="1.0" encoding="utf-8"?>
+<p:sld xmlns:a="http://schemas.openxmlformats.org/drawingml/2006/main" xmlns:r="http://schemas.openxmlformats.org/officeDocument/2006/relationships" xmlns:p="http://schemas.openxmlformats.org/presentationml/2006/main">
+  <p:cSld>
+    <p:spTree>
+      <p:nvGrpSpPr>
+        <p:cNvPr id="1" name=""/>
+        <p:cNvGrpSpPr/>
+        <p:nvPr/>
+      </p:nvGrpSpPr>
+      <p:grpSpPr>
+        <a:xfrm>
+          <a:off x="0" y="0"/>
+          <a:ext cx="0" cy="0"/>
+          <a:chOff x="0" y="0"/>
+          <a:chExt cx="0" cy="0"/>
+        </a:xfrm>
+      </p:grpSpPr>
+      <p:sp>
+        <p:nvSpPr>
+          <p:cNvPr id="9" name="TextBox 8">
+            <a:extLst>
+              <a:ext uri="{FF2B5EF4-FFF2-40B4-BE49-F238E27FC236}">
+                <a16:creationId xmlns:a16="http://schemas.microsoft.com/office/drawing/2014/main" id="{FD797B57-3283-422A-AD0D-3A0D9B3F29FB}"/>
+              </a:ext>
+            </a:extLst>
+          </p:cNvPr>
+          <p:cNvSpPr txBox="1"/>
+          <p:nvPr/>
+        </p:nvSpPr>
+        <p:spPr>
+          <a:xfrm>
+            <a:off x="343949" y="159283"/>
+            <a:ext cx="10654018" cy="646331"/>
+          </a:xfrm>
+          <a:prstGeom prst="rect">
+            <a:avLst/>
+          </a:prstGeom>
+          <a:noFill/>
+        </p:spPr>
+        <p:txBody>
+          <a:bodyPr wrap="square">
+            <a:spAutoFit/>
+          </a:bodyPr>
+          <a:lstStyle/>
+          <a:p>
+            <a:r>
+              <a:rPr lang="en-IN" sz="3600" dirty="0"/>
+              <a:t>Use some codes to lower the size of recording file</a:t>
+            </a:r>
+          </a:p>
+        </p:txBody>
+      </p:sp>
+      <p:pic>
+        <p:nvPicPr>
+          <p:cNvPr id="3" name="Picture 2" descr="Graphical user interface, text, application, email&#10;&#10;Description automatically generated">
+            <a:extLst>
+              <a:ext uri="{FF2B5EF4-FFF2-40B4-BE49-F238E27FC236}">
+                <a16:creationId xmlns:a16="http://schemas.microsoft.com/office/drawing/2014/main" id="{DEF55168-D6C6-4EAE-9E62-17A8D7316151}"/>
+              </a:ext>
+            </a:extLst>
+          </p:cNvPr>
+          <p:cNvPicPr>
+            <a:picLocks noChangeAspect="1"/>
+          </p:cNvPicPr>
+          <p:nvPr/>
+        </p:nvPicPr>
+        <p:blipFill>
+          <a:blip r:embed="rId2">
+            <a:extLst>
+              <a:ext uri="{28A0092B-C50C-407E-A947-70E740481C1C}">
+                <a14:useLocalDpi xmlns:a14="http://schemas.microsoft.com/office/drawing/2010/main" val="0"/>
+              </a:ext>
+            </a:extLst>
+          </a:blip>
+          <a:stretch>
+            <a:fillRect/>
+          </a:stretch>
+        </p:blipFill>
+        <p:spPr>
+          <a:xfrm>
+            <a:off x="4130598" y="1765998"/>
+            <a:ext cx="7773485" cy="4267796"/>
+          </a:xfrm>
+          <a:prstGeom prst="rect">
+            <a:avLst/>
+          </a:prstGeom>
+        </p:spPr>
+      </p:pic>
+      <p:pic>
+        <p:nvPicPr>
+          <p:cNvPr id="5" name="Picture 4" descr="Graphical user interface, text, application&#10;&#10;Description automatically generated">
+            <a:extLst>
+              <a:ext uri="{FF2B5EF4-FFF2-40B4-BE49-F238E27FC236}">
+                <a16:creationId xmlns:a16="http://schemas.microsoft.com/office/drawing/2014/main" id="{58BC5C89-AB74-458C-8561-DF9DF7BAB5F0}"/>
+              </a:ext>
+            </a:extLst>
+          </p:cNvPr>
+          <p:cNvPicPr>
+            <a:picLocks noChangeAspect="1"/>
+          </p:cNvPicPr>
+          <p:nvPr/>
+        </p:nvPicPr>
+        <p:blipFill>
+          <a:blip r:embed="rId3">
+            <a:extLst>
+              <a:ext uri="{28A0092B-C50C-407E-A947-70E740481C1C}">
+                <a14:useLocalDpi xmlns:a14="http://schemas.microsoft.com/office/drawing/2010/main" val="0"/>
+              </a:ext>
+            </a:extLst>
+          </a:blip>
+          <a:stretch>
+            <a:fillRect/>
+          </a:stretch>
+        </p:blipFill>
+        <p:spPr>
+          <a:xfrm>
+            <a:off x="287917" y="2555320"/>
+            <a:ext cx="2391109" cy="2848373"/>
+          </a:xfrm>
+          <a:prstGeom prst="rect">
+            <a:avLst/>
+          </a:prstGeom>
+        </p:spPr>
+      </p:pic>
+      <p:sp>
+        <p:nvSpPr>
+          <p:cNvPr id="6" name="Arrow: Right 5">
+            <a:extLst>
+              <a:ext uri="{FF2B5EF4-FFF2-40B4-BE49-F238E27FC236}">
+                <a16:creationId xmlns:a16="http://schemas.microsoft.com/office/drawing/2014/main" id="{A78D47F4-7A9E-46D9-836B-1D2A2E382654}"/>
+              </a:ext>
+            </a:extLst>
+          </p:cNvPr>
+          <p:cNvSpPr/>
+          <p:nvPr/>
+        </p:nvSpPr>
+        <p:spPr>
+          <a:xfrm>
+            <a:off x="3135086" y="3508310"/>
+            <a:ext cx="886408" cy="485192"/>
+          </a:xfrm>
+          <a:prstGeom prst="rightArrow">
+            <a:avLst/>
+          </a:prstGeom>
+        </p:spPr>
+        <p:style>
+          <a:lnRef idx="2">
+            <a:schemeClr val="accent1">
+              <a:shade val="50000"/>
+            </a:schemeClr>
+          </a:lnRef>
+          <a:fillRef idx="1">
+            <a:schemeClr val="accent1"/>
+          </a:fillRef>
+          <a:effectRef idx="0">
+            <a:schemeClr val="accent1"/>
+          </a:effectRef>
+          <a:fontRef idx="minor">
+            <a:schemeClr val="lt1"/>
+          </a:fontRef>
+        </p:style>
+        <p:txBody>
+          <a:bodyPr rtlCol="0" anchor="ctr"/>
+          <a:lstStyle/>
+          <a:p>
+            <a:pPr algn="ctr"/>
+            <a:endParaRPr lang="en-IN"/>
+          </a:p>
+        </p:txBody>
+      </p:sp>
+    </p:spTree>
+    <p:extLst>
+      <p:ext uri="{BB962C8B-B14F-4D97-AF65-F5344CB8AC3E}">
+        <p14:creationId xmlns:p14="http://schemas.microsoft.com/office/powerpoint/2010/main" val="4079792135"/>
+      </p:ext>
+    </p:extLst>
+  </p:cSld>
+  <p:clrMapOvr>
+    <a:masterClrMapping/>
+  </p:clrMapOvr>
+</p:sld>
+</file>
+
+<file path=ppt/slides/slide21.xml><?xml version="1.0" encoding="utf-8"?>
+<p:sld xmlns:a="http://schemas.openxmlformats.org/drawingml/2006/main" xmlns:r="http://schemas.openxmlformats.org/officeDocument/2006/relationships" xmlns:p="http://schemas.openxmlformats.org/presentationml/2006/main">
+  <p:cSld>
+    <p:spTree>
+      <p:nvGrpSpPr>
+        <p:cNvPr id="1" name=""/>
+        <p:cNvGrpSpPr/>
+        <p:nvPr/>
+      </p:nvGrpSpPr>
+      <p:grpSpPr>
+        <a:xfrm>
+          <a:off x="0" y="0"/>
+          <a:ext cx="0" cy="0"/>
+          <a:chOff x="0" y="0"/>
+          <a:chExt cx="0" cy="0"/>
+        </a:xfrm>
+      </p:grpSpPr>
+      <p:sp>
+        <p:nvSpPr>
+          <p:cNvPr id="9" name="TextBox 8">
+            <a:extLst>
+              <a:ext uri="{FF2B5EF4-FFF2-40B4-BE49-F238E27FC236}">
+                <a16:creationId xmlns:a16="http://schemas.microsoft.com/office/drawing/2014/main" id="{FD797B57-3283-422A-AD0D-3A0D9B3F29FB}"/>
+              </a:ext>
+            </a:extLst>
+          </p:cNvPr>
+          <p:cNvSpPr txBox="1"/>
+          <p:nvPr/>
+        </p:nvSpPr>
+        <p:spPr>
+          <a:xfrm>
+            <a:off x="1123397" y="1233074"/>
+            <a:ext cx="6094602" cy="646331"/>
+          </a:xfrm>
+          <a:prstGeom prst="rect">
+            <a:avLst/>
+          </a:prstGeom>
+          <a:noFill/>
+        </p:spPr>
+        <p:txBody>
+          <a:bodyPr wrap="square">
+            <a:spAutoFit/>
+          </a:bodyPr>
+          <a:lstStyle/>
+          <a:p>
+            <a:r>
+              <a:rPr lang="en-IN" sz="3600" dirty="0"/>
+              <a:t>Header</a:t>
+            </a:r>
+          </a:p>
+        </p:txBody>
+      </p:sp>
+    </p:spTree>
+    <p:extLst>
+      <p:ext uri="{BB962C8B-B14F-4D97-AF65-F5344CB8AC3E}">
+        <p14:creationId xmlns:p14="http://schemas.microsoft.com/office/powerpoint/2010/main" val="1124523042"/>
+      </p:ext>
+    </p:extLst>
+  </p:cSld>
+  <p:clrMapOvr>
+    <a:masterClrMapping/>
+  </p:clrMapOvr>
+</p:sld>
+</file>
+
+<file path=ppt/slides/slide22.xml><?xml version="1.0" encoding="utf-8"?>
+<p:sld xmlns:a="http://schemas.openxmlformats.org/drawingml/2006/main" xmlns:r="http://schemas.openxmlformats.org/officeDocument/2006/relationships" xmlns:p="http://schemas.openxmlformats.org/presentationml/2006/main">
+  <p:cSld>
+    <p:spTree>
+      <p:nvGrpSpPr>
+        <p:cNvPr id="1" name=""/>
+        <p:cNvGrpSpPr/>
+        <p:nvPr/>
+      </p:nvGrpSpPr>
+      <p:grpSpPr>
+        <a:xfrm>
+          <a:off x="0" y="0"/>
+          <a:ext cx="0" cy="0"/>
+          <a:chOff x="0" y="0"/>
+          <a:chExt cx="0" cy="0"/>
+        </a:xfrm>
+      </p:grpSpPr>
+      <p:sp>
+        <p:nvSpPr>
+          <p:cNvPr id="9" name="TextBox 8">
+            <a:extLst>
+              <a:ext uri="{FF2B5EF4-FFF2-40B4-BE49-F238E27FC236}">
+                <a16:creationId xmlns:a16="http://schemas.microsoft.com/office/drawing/2014/main" id="{FD797B57-3283-422A-AD0D-3A0D9B3F29FB}"/>
+              </a:ext>
+            </a:extLst>
+          </p:cNvPr>
+          <p:cNvSpPr txBox="1"/>
+          <p:nvPr/>
+        </p:nvSpPr>
+        <p:spPr>
+          <a:xfrm>
+            <a:off x="1123397" y="1233074"/>
+            <a:ext cx="6094602" cy="646331"/>
+          </a:xfrm>
+          <a:prstGeom prst="rect">
+            <a:avLst/>
+          </a:prstGeom>
+          <a:noFill/>
+        </p:spPr>
+        <p:txBody>
+          <a:bodyPr wrap="square">
+            <a:spAutoFit/>
+          </a:bodyPr>
+          <a:lstStyle/>
+          <a:p>
+            <a:r>
+              <a:rPr lang="en-IN" sz="3600" dirty="0"/>
+              <a:t>Header</a:t>
+            </a:r>
+          </a:p>
+        </p:txBody>
+      </p:sp>
+    </p:spTree>
+    <p:extLst>
+      <p:ext uri="{BB962C8B-B14F-4D97-AF65-F5344CB8AC3E}">
+        <p14:creationId xmlns:p14="http://schemas.microsoft.com/office/powerpoint/2010/main" val="249786494"/>
+      </p:ext>
+    </p:extLst>
+  </p:cSld>
+  <p:clrMapOvr>
+    <a:masterClrMapping/>
+  </p:clrMapOvr>
+</p:sld>
+</file>
+
+<file path=ppt/slides/slide23.xml><?xml version="1.0" encoding="utf-8"?>
+<p:sld xmlns:a="http://schemas.openxmlformats.org/drawingml/2006/main" xmlns:r="http://schemas.openxmlformats.org/officeDocument/2006/relationships" xmlns:p="http://schemas.openxmlformats.org/presentationml/2006/main">
+  <p:cSld>
+    <p:spTree>
+      <p:nvGrpSpPr>
+        <p:cNvPr id="1" name=""/>
+        <p:cNvGrpSpPr/>
+        <p:nvPr/>
+      </p:nvGrpSpPr>
+      <p:grpSpPr>
+        <a:xfrm>
+          <a:off x="0" y="0"/>
+          <a:ext cx="0" cy="0"/>
+          <a:chOff x="0" y="0"/>
+          <a:chExt cx="0" cy="0"/>
+        </a:xfrm>
+      </p:grpSpPr>
+      <p:sp>
+        <p:nvSpPr>
+          <p:cNvPr id="9" name="TextBox 8">
+            <a:extLst>
+              <a:ext uri="{FF2B5EF4-FFF2-40B4-BE49-F238E27FC236}">
+                <a16:creationId xmlns:a16="http://schemas.microsoft.com/office/drawing/2014/main" id="{FD797B57-3283-422A-AD0D-3A0D9B3F29FB}"/>
+              </a:ext>
+            </a:extLst>
+          </p:cNvPr>
+          <p:cNvSpPr txBox="1"/>
+          <p:nvPr/>
+        </p:nvSpPr>
+        <p:spPr>
+          <a:xfrm>
+            <a:off x="1123397" y="1233074"/>
+            <a:ext cx="6094602" cy="646331"/>
+          </a:xfrm>
+          <a:prstGeom prst="rect">
+            <a:avLst/>
+          </a:prstGeom>
+          <a:noFill/>
+        </p:spPr>
+        <p:txBody>
+          <a:bodyPr wrap="square">
+            <a:spAutoFit/>
+          </a:bodyPr>
+          <a:lstStyle/>
+          <a:p>
+            <a:r>
+              <a:rPr lang="en-IN" sz="3600" dirty="0"/>
+              <a:t>Header</a:t>
+            </a:r>
+          </a:p>
+        </p:txBody>
+      </p:sp>
+    </p:spTree>
+    <p:extLst>
+      <p:ext uri="{BB962C8B-B14F-4D97-AF65-F5344CB8AC3E}">
+        <p14:creationId xmlns:p14="http://schemas.microsoft.com/office/powerpoint/2010/main" val="2652828848"/>
+      </p:ext>
+    </p:extLst>
+  </p:cSld>
+  <p:clrMapOvr>
+    <a:masterClrMapping/>
+  </p:clrMapOvr>
+</p:sld>
+</file>
+
+<file path=ppt/slides/slide24.xml><?xml version="1.0" encoding="utf-8"?>
+<p:sld xmlns:a="http://schemas.openxmlformats.org/drawingml/2006/main" xmlns:r="http://schemas.openxmlformats.org/officeDocument/2006/relationships" xmlns:p="http://schemas.openxmlformats.org/presentationml/2006/main">
+  <p:cSld>
+    <p:spTree>
+      <p:nvGrpSpPr>
+        <p:cNvPr id="1" name=""/>
+        <p:cNvGrpSpPr/>
+        <p:nvPr/>
+      </p:nvGrpSpPr>
+      <p:grpSpPr>
+        <a:xfrm>
+          <a:off x="0" y="0"/>
+          <a:ext cx="0" cy="0"/>
+          <a:chOff x="0" y="0"/>
+          <a:chExt cx="0" cy="0"/>
+        </a:xfrm>
+      </p:grpSpPr>
+      <p:sp>
+        <p:nvSpPr>
+          <p:cNvPr id="9" name="TextBox 8">
+            <a:extLst>
+              <a:ext uri="{FF2B5EF4-FFF2-40B4-BE49-F238E27FC236}">
+                <a16:creationId xmlns:a16="http://schemas.microsoft.com/office/drawing/2014/main" id="{FD797B57-3283-422A-AD0D-3A0D9B3F29FB}"/>
+              </a:ext>
+            </a:extLst>
+          </p:cNvPr>
+          <p:cNvSpPr txBox="1"/>
+          <p:nvPr/>
+        </p:nvSpPr>
+        <p:spPr>
+          <a:xfrm>
+            <a:off x="1123397" y="1233074"/>
+            <a:ext cx="6094602" cy="646331"/>
+          </a:xfrm>
+          <a:prstGeom prst="rect">
+            <a:avLst/>
+          </a:prstGeom>
+          <a:noFill/>
+        </p:spPr>
+        <p:txBody>
+          <a:bodyPr wrap="square">
+            <a:spAutoFit/>
+          </a:bodyPr>
+          <a:lstStyle/>
+          <a:p>
+            <a:r>
+              <a:rPr lang="en-IN" sz="3600" dirty="0"/>
+              <a:t>Header</a:t>
+            </a:r>
+          </a:p>
+        </p:txBody>
+      </p:sp>
+    </p:spTree>
+    <p:extLst>
+      <p:ext uri="{BB962C8B-B14F-4D97-AF65-F5344CB8AC3E}">
+        <p14:creationId xmlns:p14="http://schemas.microsoft.com/office/powerpoint/2010/main" val="3538429051"/>
+      </p:ext>
+    </p:extLst>
+  </p:cSld>
+  <p:clrMapOvr>
+    <a:masterClrMapping/>
+  </p:clrMapOvr>
+</p:sld>
+</file>
+
+<file path=ppt/slides/slide25.xml><?xml version="1.0" encoding="utf-8"?>
+<p:sld xmlns:a="http://schemas.openxmlformats.org/drawingml/2006/main" xmlns:r="http://schemas.openxmlformats.org/officeDocument/2006/relationships" xmlns:p="http://schemas.openxmlformats.org/presentationml/2006/main">
+  <p:cSld>
+    <p:spTree>
+      <p:nvGrpSpPr>
+        <p:cNvPr id="1" name=""/>
+        <p:cNvGrpSpPr/>
+        <p:nvPr/>
+      </p:nvGrpSpPr>
+      <p:grpSpPr>
+        <a:xfrm>
+          <a:off x="0" y="0"/>
+          <a:ext cx="0" cy="0"/>
+          <a:chOff x="0" y="0"/>
+          <a:chExt cx="0" cy="0"/>
+        </a:xfrm>
+      </p:grpSpPr>
+      <p:sp>
+        <p:nvSpPr>
+          <p:cNvPr id="9" name="TextBox 8">
+            <a:extLst>
+              <a:ext uri="{FF2B5EF4-FFF2-40B4-BE49-F238E27FC236}">
+                <a16:creationId xmlns:a16="http://schemas.microsoft.com/office/drawing/2014/main" id="{FD797B57-3283-422A-AD0D-3A0D9B3F29FB}"/>
+              </a:ext>
+            </a:extLst>
+          </p:cNvPr>
+          <p:cNvSpPr txBox="1"/>
+          <p:nvPr/>
+        </p:nvSpPr>
+        <p:spPr>
+          <a:xfrm>
+            <a:off x="1123397" y="1233074"/>
+            <a:ext cx="6094602" cy="646331"/>
+          </a:xfrm>
+          <a:prstGeom prst="rect">
+            <a:avLst/>
+          </a:prstGeom>
+          <a:noFill/>
+        </p:spPr>
+        <p:txBody>
+          <a:bodyPr wrap="square">
+            <a:spAutoFit/>
+          </a:bodyPr>
+          <a:lstStyle/>
+          <a:p>
+            <a:r>
+              <a:rPr lang="en-IN" sz="3600" dirty="0"/>
+              <a:t>Header</a:t>
+            </a:r>
+          </a:p>
+        </p:txBody>
+      </p:sp>
+    </p:spTree>
+    <p:extLst>
+      <p:ext uri="{BB962C8B-B14F-4D97-AF65-F5344CB8AC3E}">
+        <p14:creationId xmlns:p14="http://schemas.microsoft.com/office/powerpoint/2010/main" val="3123077425"/>
       </p:ext>
     </p:extLst>
   </p:cSld>

--- a/learnings.pptx
+++ b/learnings.pptx
@@ -2483,7 +2483,7 @@
           <a:p>
             <a:fld id="{3C04E684-10F4-4CC3-A0B9-F03AA7BE37CF}" type="datetimeFigureOut">
               <a:rPr lang="en-US" smtClean="0"/>
-              <a:t>11/16/2020</a:t>
+              <a:t>6/24/2021</a:t>
             </a:fld>
             <a:endParaRPr lang="en-US"/>
           </a:p>
@@ -4973,7 +4973,7 @@
           <a:p>
             <a:fld id="{3C04E684-10F4-4CC3-A0B9-F03AA7BE37CF}" type="datetimeFigureOut">
               <a:rPr lang="en-US" smtClean="0"/>
-              <a:t>11/16/2020</a:t>
+              <a:t>6/24/2021</a:t>
             </a:fld>
             <a:endParaRPr lang="en-US"/>
           </a:p>
@@ -5171,7 +5171,7 @@
           <a:p>
             <a:fld id="{3C04E684-10F4-4CC3-A0B9-F03AA7BE37CF}" type="datetimeFigureOut">
               <a:rPr lang="en-US" smtClean="0"/>
-              <a:t>11/16/2020</a:t>
+              <a:t>6/24/2021</a:t>
             </a:fld>
             <a:endParaRPr lang="en-US"/>
           </a:p>
@@ -5379,7 +5379,7 @@
           <a:p>
             <a:fld id="{3C04E684-10F4-4CC3-A0B9-F03AA7BE37CF}" type="datetimeFigureOut">
               <a:rPr lang="en-US" smtClean="0"/>
-              <a:t>11/16/2020</a:t>
+              <a:t>6/24/2021</a:t>
             </a:fld>
             <a:endParaRPr lang="en-US"/>
           </a:p>
@@ -6116,7 +6116,7 @@
           <a:p>
             <a:fld id="{3C04E684-10F4-4CC3-A0B9-F03AA7BE37CF}" type="datetimeFigureOut">
               <a:rPr lang="en-US" smtClean="0"/>
-              <a:t>11/16/2020</a:t>
+              <a:t>6/24/2021</a:t>
             </a:fld>
             <a:endParaRPr lang="en-US"/>
           </a:p>
@@ -6758,7 +6758,7 @@
           <a:p>
             <a:fld id="{3C04E684-10F4-4CC3-A0B9-F03AA7BE37CF}" type="datetimeFigureOut">
               <a:rPr lang="en-US" smtClean="0"/>
-              <a:t>11/16/2020</a:t>
+              <a:t>6/24/2021</a:t>
             </a:fld>
             <a:endParaRPr lang="en-US"/>
           </a:p>
@@ -7558,7 +7558,7 @@
           <a:p>
             <a:fld id="{3C04E684-10F4-4CC3-A0B9-F03AA7BE37CF}" type="datetimeFigureOut">
               <a:rPr lang="en-US" smtClean="0"/>
-              <a:t>11/16/2020</a:t>
+              <a:t>6/24/2021</a:t>
             </a:fld>
             <a:endParaRPr lang="en-US"/>
           </a:p>
@@ -8509,7 +8509,7 @@
           <a:p>
             <a:fld id="{3C04E684-10F4-4CC3-A0B9-F03AA7BE37CF}" type="datetimeFigureOut">
               <a:rPr lang="en-US" smtClean="0"/>
-              <a:t>11/16/2020</a:t>
+              <a:t>6/24/2021</a:t>
             </a:fld>
             <a:endParaRPr lang="en-US"/>
           </a:p>
@@ -10858,7 +10858,7 @@
           <a:p>
             <a:fld id="{3C04E684-10F4-4CC3-A0B9-F03AA7BE37CF}" type="datetimeFigureOut">
               <a:rPr lang="en-US" smtClean="0"/>
-              <a:t>11/16/2020</a:t>
+              <a:t>6/24/2021</a:t>
             </a:fld>
             <a:endParaRPr lang="en-US"/>
           </a:p>
@@ -10971,7 +10971,7 @@
           <a:p>
             <a:fld id="{3C04E684-10F4-4CC3-A0B9-F03AA7BE37CF}" type="datetimeFigureOut">
               <a:rPr lang="en-US" smtClean="0"/>
-              <a:t>11/16/2020</a:t>
+              <a:t>6/24/2021</a:t>
             </a:fld>
             <a:endParaRPr lang="en-US"/>
           </a:p>
@@ -11478,7 +11478,7 @@
           <a:p>
             <a:fld id="{3C04E684-10F4-4CC3-A0B9-F03AA7BE37CF}" type="datetimeFigureOut">
               <a:rPr lang="en-US" smtClean="0"/>
-              <a:t>11/16/2020</a:t>
+              <a:t>6/24/2021</a:t>
             </a:fld>
             <a:endParaRPr lang="en-US"/>
           </a:p>
@@ -12781,7 +12781,7 @@
           <a:p>
             <a:fld id="{3C04E684-10F4-4CC3-A0B9-F03AA7BE37CF}" type="datetimeFigureOut">
               <a:rPr lang="en-US" smtClean="0"/>
-              <a:t>11/16/2020</a:t>
+              <a:t>6/24/2021</a:t>
             </a:fld>
             <a:endParaRPr lang="en-US"/>
           </a:p>
@@ -13028,7 +13028,7 @@
           <a:p>
             <a:fld id="{3C04E684-10F4-4CC3-A0B9-F03AA7BE37CF}" type="datetimeFigureOut">
               <a:rPr lang="en-US" smtClean="0"/>
-              <a:t>11/16/2020</a:t>
+              <a:t>6/24/2021</a:t>
             </a:fld>
             <a:endParaRPr lang="en-US"/>
           </a:p>
@@ -17189,8 +17189,13 @@
           <a:p>
             <a:r>
               <a:rPr lang="en-IN" sz="3200" dirty="0"/>
-              <a:t>How to record a video tutorial using Camtasia</a:t>
-            </a:r>
+              <a:t>How to record a video tutorial using </a:t>
+            </a:r>
+            <a:r>
+              <a:rPr lang="en-IN" sz="3200" dirty="0" err="1"/>
+              <a:t>CamStudio</a:t>
+            </a:r>
+            <a:endParaRPr lang="en-IN" sz="3200" dirty="0"/>
           </a:p>
         </p:txBody>
       </p:sp>
@@ -17228,7 +17233,7 @@
             </a:r>
             <a:r>
               <a:rPr lang="en-IN" sz="1800" dirty="0" err="1"/>
-              <a:t>camtasia</a:t>
+              <a:t>CamStudio</a:t>
             </a:r>
             <a:r>
               <a:rPr lang="en-IN" sz="1800" dirty="0"/>
@@ -17733,36 +17738,51 @@
       </p:grpSpPr>
       <p:sp>
         <p:nvSpPr>
-          <p:cNvPr id="9" name="TextBox 8">
+          <p:cNvPr id="2" name="Rectangle 1">
             <a:extLst>
               <a:ext uri="{FF2B5EF4-FFF2-40B4-BE49-F238E27FC236}">
-                <a16:creationId xmlns:a16="http://schemas.microsoft.com/office/drawing/2014/main" id="{FD797B57-3283-422A-AD0D-3A0D9B3F29FB}"/>
+                <a16:creationId xmlns:a16="http://schemas.microsoft.com/office/drawing/2014/main" id="{A53024C8-8E12-4AD3-A7A5-ADD428008224}"/>
               </a:ext>
             </a:extLst>
           </p:cNvPr>
-          <p:cNvSpPr txBox="1"/>
+          <p:cNvSpPr/>
           <p:nvPr/>
         </p:nvSpPr>
         <p:spPr>
           <a:xfrm>
-            <a:off x="1123397" y="1233074"/>
-            <a:ext cx="6094602" cy="646331"/>
+            <a:off x="1317072" y="2390862"/>
+            <a:ext cx="9160778" cy="931178"/>
           </a:xfrm>
           <a:prstGeom prst="rect">
             <a:avLst/>
           </a:prstGeom>
-          <a:noFill/>
         </p:spPr>
+        <p:style>
+          <a:lnRef idx="2">
+            <a:schemeClr val="accent1">
+              <a:shade val="50000"/>
+            </a:schemeClr>
+          </a:lnRef>
+          <a:fillRef idx="1">
+            <a:schemeClr val="accent1"/>
+          </a:fillRef>
+          <a:effectRef idx="0">
+            <a:schemeClr val="accent1"/>
+          </a:effectRef>
+          <a:fontRef idx="minor">
+            <a:schemeClr val="lt1"/>
+          </a:fontRef>
+        </p:style>
         <p:txBody>
-          <a:bodyPr wrap="square">
-            <a:spAutoFit/>
-          </a:bodyPr>
+          <a:bodyPr rtlCol="0" anchor="ctr"/>
           <a:lstStyle/>
           <a:p>
-            <a:r>
-              <a:rPr lang="en-IN" sz="3600" dirty="0"/>
-              <a:t>Header</a:t>
-            </a:r>
+            <a:pPr algn="ctr"/>
+            <a:r>
+              <a:rPr lang="en-US" dirty="0"/>
+              <a:t>You can use Screencast-O-Matic software for recording your videos. This is good one but antivirus software blocks it and hence you should try it on your personal computer. </a:t>
+            </a:r>
+            <a:endParaRPr lang="en-IN" dirty="0"/>
           </a:p>
         </p:txBody>
       </p:sp>
@@ -18665,10 +18685,19 @@
                 </a:solidFill>
                 <a:latin typeface="Consolas" panose="020B0609020204030204" pitchFamily="49" charset="0"/>
               </a:rPr>
-              <a:t> fs::</a:t>
-            </a:r>
-            <a:r>
-              <a:rPr lang="en-IN" sz="1400" dirty="0">
+              <a:t> </a:t>
+            </a:r>
+            <a:r>
+              <a:rPr lang="en-IN" sz="1400" u="sng" dirty="0">
+                <a:solidFill>
+                  <a:srgbClr val="000000"/>
+                </a:solidFill>
+                <a:latin typeface="Consolas" panose="020B0609020204030204" pitchFamily="49" charset="0"/>
+              </a:rPr>
+              <a:t>fs::</a:t>
+            </a:r>
+            <a:r>
+              <a:rPr lang="en-IN" sz="1400" u="sng" dirty="0">
                 <a:solidFill>
                   <a:srgbClr val="2B91AF"/>
                 </a:solidFill>
@@ -18677,7 +18706,7 @@
               <a:t>path</a:t>
             </a:r>
             <a:r>
-              <a:rPr lang="en-IN" sz="1400" dirty="0">
+              <a:rPr lang="en-IN" sz="1400" u="sng" dirty="0">
                 <a:solidFill>
                   <a:srgbClr val="000000"/>
                 </a:solidFill>

--- a/learnings.pptx
+++ b/learnings.pptx
@@ -2483,7 +2483,7 @@
           <a:p>
             <a:fld id="{3C04E684-10F4-4CC3-A0B9-F03AA7BE37CF}" type="datetimeFigureOut">
               <a:rPr lang="en-US" smtClean="0"/>
-              <a:t>6/24/2021</a:t>
+              <a:t>6/3/2022</a:t>
             </a:fld>
             <a:endParaRPr lang="en-US"/>
           </a:p>
@@ -4973,7 +4973,7 @@
           <a:p>
             <a:fld id="{3C04E684-10F4-4CC3-A0B9-F03AA7BE37CF}" type="datetimeFigureOut">
               <a:rPr lang="en-US" smtClean="0"/>
-              <a:t>6/24/2021</a:t>
+              <a:t>6/3/2022</a:t>
             </a:fld>
             <a:endParaRPr lang="en-US"/>
           </a:p>
@@ -5171,7 +5171,7 @@
           <a:p>
             <a:fld id="{3C04E684-10F4-4CC3-A0B9-F03AA7BE37CF}" type="datetimeFigureOut">
               <a:rPr lang="en-US" smtClean="0"/>
-              <a:t>6/24/2021</a:t>
+              <a:t>6/3/2022</a:t>
             </a:fld>
             <a:endParaRPr lang="en-US"/>
           </a:p>
@@ -5379,7 +5379,7 @@
           <a:p>
             <a:fld id="{3C04E684-10F4-4CC3-A0B9-F03AA7BE37CF}" type="datetimeFigureOut">
               <a:rPr lang="en-US" smtClean="0"/>
-              <a:t>6/24/2021</a:t>
+              <a:t>6/3/2022</a:t>
             </a:fld>
             <a:endParaRPr lang="en-US"/>
           </a:p>
@@ -6116,7 +6116,7 @@
           <a:p>
             <a:fld id="{3C04E684-10F4-4CC3-A0B9-F03AA7BE37CF}" type="datetimeFigureOut">
               <a:rPr lang="en-US" smtClean="0"/>
-              <a:t>6/24/2021</a:t>
+              <a:t>6/3/2022</a:t>
             </a:fld>
             <a:endParaRPr lang="en-US"/>
           </a:p>
@@ -6758,7 +6758,7 @@
           <a:p>
             <a:fld id="{3C04E684-10F4-4CC3-A0B9-F03AA7BE37CF}" type="datetimeFigureOut">
               <a:rPr lang="en-US" smtClean="0"/>
-              <a:t>6/24/2021</a:t>
+              <a:t>6/3/2022</a:t>
             </a:fld>
             <a:endParaRPr lang="en-US"/>
           </a:p>
@@ -7558,7 +7558,7 @@
           <a:p>
             <a:fld id="{3C04E684-10F4-4CC3-A0B9-F03AA7BE37CF}" type="datetimeFigureOut">
               <a:rPr lang="en-US" smtClean="0"/>
-              <a:t>6/24/2021</a:t>
+              <a:t>6/3/2022</a:t>
             </a:fld>
             <a:endParaRPr lang="en-US"/>
           </a:p>
@@ -8509,7 +8509,7 @@
           <a:p>
             <a:fld id="{3C04E684-10F4-4CC3-A0B9-F03AA7BE37CF}" type="datetimeFigureOut">
               <a:rPr lang="en-US" smtClean="0"/>
-              <a:t>6/24/2021</a:t>
+              <a:t>6/3/2022</a:t>
             </a:fld>
             <a:endParaRPr lang="en-US"/>
           </a:p>
@@ -10858,7 +10858,7 @@
           <a:p>
             <a:fld id="{3C04E684-10F4-4CC3-A0B9-F03AA7BE37CF}" type="datetimeFigureOut">
               <a:rPr lang="en-US" smtClean="0"/>
-              <a:t>6/24/2021</a:t>
+              <a:t>6/3/2022</a:t>
             </a:fld>
             <a:endParaRPr lang="en-US"/>
           </a:p>
@@ -10971,7 +10971,7 @@
           <a:p>
             <a:fld id="{3C04E684-10F4-4CC3-A0B9-F03AA7BE37CF}" type="datetimeFigureOut">
               <a:rPr lang="en-US" smtClean="0"/>
-              <a:t>6/24/2021</a:t>
+              <a:t>6/3/2022</a:t>
             </a:fld>
             <a:endParaRPr lang="en-US"/>
           </a:p>
@@ -11478,7 +11478,7 @@
           <a:p>
             <a:fld id="{3C04E684-10F4-4CC3-A0B9-F03AA7BE37CF}" type="datetimeFigureOut">
               <a:rPr lang="en-US" smtClean="0"/>
-              <a:t>6/24/2021</a:t>
+              <a:t>6/3/2022</a:t>
             </a:fld>
             <a:endParaRPr lang="en-US"/>
           </a:p>
@@ -12781,7 +12781,7 @@
           <a:p>
             <a:fld id="{3C04E684-10F4-4CC3-A0B9-F03AA7BE37CF}" type="datetimeFigureOut">
               <a:rPr lang="en-US" smtClean="0"/>
-              <a:t>6/24/2021</a:t>
+              <a:t>6/3/2022</a:t>
             </a:fld>
             <a:endParaRPr lang="en-US"/>
           </a:p>
@@ -13028,7 +13028,7 @@
           <a:p>
             <a:fld id="{3C04E684-10F4-4CC3-A0B9-F03AA7BE37CF}" type="datetimeFigureOut">
               <a:rPr lang="en-US" smtClean="0"/>
-              <a:t>6/24/2021</a:t>
+              <a:t>6/3/2022</a:t>
             </a:fld>
             <a:endParaRPr lang="en-US"/>
           </a:p>
@@ -17830,7 +17830,7 @@
         </p:nvSpPr>
         <p:spPr>
           <a:xfrm>
-            <a:off x="1123397" y="1233074"/>
+            <a:off x="987595" y="1233074"/>
             <a:ext cx="6094602" cy="646331"/>
           </a:xfrm>
           <a:prstGeom prst="rect">
@@ -17846,7 +17846,42 @@
           <a:p>
             <a:r>
               <a:rPr lang="en-IN" sz="3600" dirty="0"/>
-              <a:t>Header</a:t>
+              <a:t>Wizard comics </a:t>
+            </a:r>
+          </a:p>
+        </p:txBody>
+      </p:sp>
+      <p:sp>
+        <p:nvSpPr>
+          <p:cNvPr id="2" name="TextBox 1">
+            <a:extLst>
+              <a:ext uri="{FF2B5EF4-FFF2-40B4-BE49-F238E27FC236}">
+                <a16:creationId xmlns:a16="http://schemas.microsoft.com/office/drawing/2014/main" id="{C69CAF77-833D-47E9-9732-8B696151C56B}"/>
+              </a:ext>
+            </a:extLst>
+          </p:cNvPr>
+          <p:cNvSpPr txBox="1"/>
+          <p:nvPr/>
+        </p:nvSpPr>
+        <p:spPr>
+          <a:xfrm>
+            <a:off x="1530036" y="2390115"/>
+            <a:ext cx="9134946" cy="369332"/>
+          </a:xfrm>
+          <a:prstGeom prst="rect">
+            <a:avLst/>
+          </a:prstGeom>
+          <a:noFill/>
+        </p:spPr>
+        <p:txBody>
+          <a:bodyPr wrap="square" rtlCol="0">
+            <a:spAutoFit/>
+          </a:bodyPr>
+          <a:lstStyle/>
+          <a:p>
+            <a:r>
+              <a:rPr lang="en-US" dirty="0"/>
+              <a:t>https://wizardzines.com/comics/</a:t>
             </a:r>
           </a:p>
         </p:txBody>
